--- a/中企动力/2019年电商中台发展规划 - 杨成琳.pptx
+++ b/中企动力/2019年电商中台发展规划 - 杨成琳.pptx
@@ -5,20 +5,23 @@
     <p:sldMasterId id="2147483648" r:id="rId1"/>
   </p:sldMasterIdLst>
   <p:notesMasterIdLst>
-    <p:notesMasterId r:id="rId10"/>
+    <p:notesMasterId r:id="rId13"/>
   </p:notesMasterIdLst>
   <p:handoutMasterIdLst>
-    <p:handoutMasterId r:id="rId11"/>
+    <p:handoutMasterId r:id="rId14"/>
   </p:handoutMasterIdLst>
   <p:sldIdLst>
     <p:sldId id="256" r:id="rId2"/>
     <p:sldId id="474" r:id="rId3"/>
     <p:sldId id="475" r:id="rId4"/>
     <p:sldId id="479" r:id="rId5"/>
-    <p:sldId id="478" r:id="rId6"/>
-    <p:sldId id="476" r:id="rId7"/>
-    <p:sldId id="477" r:id="rId8"/>
-    <p:sldId id="260" r:id="rId9"/>
+    <p:sldId id="480" r:id="rId6"/>
+    <p:sldId id="481" r:id="rId7"/>
+    <p:sldId id="482" r:id="rId8"/>
+    <p:sldId id="478" r:id="rId9"/>
+    <p:sldId id="476" r:id="rId10"/>
+    <p:sldId id="477" r:id="rId11"/>
+    <p:sldId id="260" r:id="rId12"/>
   </p:sldIdLst>
   <p:sldSz cx="12192000" cy="6858000"/>
   <p:notesSz cx="6858000" cy="9144000"/>
@@ -7019,6 +7022,258 @@
 </p:notes>
 </file>
 
+<file path=ppt/notesSlides/notesSlide3.xml><?xml version="1.0" encoding="utf-8"?>
+<p:notes xmlns:a="http://schemas.openxmlformats.org/drawingml/2006/main" xmlns:r="http://schemas.openxmlformats.org/officeDocument/2006/relationships" xmlns:p="http://schemas.openxmlformats.org/presentationml/2006/main">
+  <p:cSld>
+    <p:spTree>
+      <p:nvGrpSpPr>
+        <p:cNvPr id="1" name=""/>
+        <p:cNvGrpSpPr/>
+        <p:nvPr/>
+      </p:nvGrpSpPr>
+      <p:grpSpPr>
+        <a:xfrm>
+          <a:off x="0" y="0"/>
+          <a:ext cx="0" cy="0"/>
+          <a:chOff x="0" y="0"/>
+          <a:chExt cx="0" cy="0"/>
+        </a:xfrm>
+      </p:grpSpPr>
+      <p:sp>
+        <p:nvSpPr>
+          <p:cNvPr id="2" name="幻灯片图像占位符 1"/>
+          <p:cNvSpPr>
+            <a:spLocks noGrp="1" noRot="1" noChangeAspect="1"/>
+          </p:cNvSpPr>
+          <p:nvPr>
+            <p:ph type="sldImg"/>
+          </p:nvPr>
+        </p:nvSpPr>
+        <p:spPr/>
+      </p:sp>
+      <p:sp>
+        <p:nvSpPr>
+          <p:cNvPr id="3" name="备注占位符 2"/>
+          <p:cNvSpPr>
+            <a:spLocks noGrp="1"/>
+          </p:cNvSpPr>
+          <p:nvPr>
+            <p:ph type="body" idx="1"/>
+          </p:nvPr>
+        </p:nvSpPr>
+        <p:spPr/>
+        <p:txBody>
+          <a:bodyPr/>
+          <a:lstStyle/>
+          <a:p>
+            <a:endParaRPr lang="zh-CN" altLang="en-US" dirty="0"/>
+          </a:p>
+        </p:txBody>
+      </p:sp>
+      <p:sp>
+        <p:nvSpPr>
+          <p:cNvPr id="4" name="灯片编号占位符 3"/>
+          <p:cNvSpPr>
+            <a:spLocks noGrp="1"/>
+          </p:cNvSpPr>
+          <p:nvPr>
+            <p:ph type="sldNum" sz="quarter" idx="10"/>
+          </p:nvPr>
+        </p:nvSpPr>
+        <p:spPr/>
+        <p:txBody>
+          <a:bodyPr/>
+          <a:lstStyle/>
+          <a:p>
+            <a:fld id="{64C16F74-CB9C-4D11-AAE4-AF1946F93C58}" type="slidenum">
+              <a:rPr lang="zh-CN" altLang="en-US" smtClean="0"/>
+              <a:t>5</a:t>
+            </a:fld>
+            <a:endParaRPr lang="zh-CN" altLang="en-US"/>
+          </a:p>
+        </p:txBody>
+      </p:sp>
+    </p:spTree>
+    <p:extLst>
+      <p:ext uri="{BB962C8B-B14F-4D97-AF65-F5344CB8AC3E}">
+        <p14:creationId xmlns:p14="http://schemas.microsoft.com/office/powerpoint/2010/main" val="1722757978"/>
+      </p:ext>
+    </p:extLst>
+  </p:cSld>
+  <p:clrMapOvr>
+    <a:masterClrMapping/>
+  </p:clrMapOvr>
+</p:notes>
+</file>
+
+<file path=ppt/notesSlides/notesSlide4.xml><?xml version="1.0" encoding="utf-8"?>
+<p:notes xmlns:a="http://schemas.openxmlformats.org/drawingml/2006/main" xmlns:r="http://schemas.openxmlformats.org/officeDocument/2006/relationships" xmlns:p="http://schemas.openxmlformats.org/presentationml/2006/main">
+  <p:cSld>
+    <p:spTree>
+      <p:nvGrpSpPr>
+        <p:cNvPr id="1" name=""/>
+        <p:cNvGrpSpPr/>
+        <p:nvPr/>
+      </p:nvGrpSpPr>
+      <p:grpSpPr>
+        <a:xfrm>
+          <a:off x="0" y="0"/>
+          <a:ext cx="0" cy="0"/>
+          <a:chOff x="0" y="0"/>
+          <a:chExt cx="0" cy="0"/>
+        </a:xfrm>
+      </p:grpSpPr>
+      <p:sp>
+        <p:nvSpPr>
+          <p:cNvPr id="2" name="幻灯片图像占位符 1"/>
+          <p:cNvSpPr>
+            <a:spLocks noGrp="1" noRot="1" noChangeAspect="1"/>
+          </p:cNvSpPr>
+          <p:nvPr>
+            <p:ph type="sldImg"/>
+          </p:nvPr>
+        </p:nvSpPr>
+        <p:spPr/>
+      </p:sp>
+      <p:sp>
+        <p:nvSpPr>
+          <p:cNvPr id="3" name="备注占位符 2"/>
+          <p:cNvSpPr>
+            <a:spLocks noGrp="1"/>
+          </p:cNvSpPr>
+          <p:nvPr>
+            <p:ph type="body" idx="1"/>
+          </p:nvPr>
+        </p:nvSpPr>
+        <p:spPr/>
+        <p:txBody>
+          <a:bodyPr/>
+          <a:lstStyle/>
+          <a:p>
+            <a:endParaRPr lang="zh-CN" altLang="en-US" dirty="0"/>
+          </a:p>
+        </p:txBody>
+      </p:sp>
+      <p:sp>
+        <p:nvSpPr>
+          <p:cNvPr id="4" name="灯片编号占位符 3"/>
+          <p:cNvSpPr>
+            <a:spLocks noGrp="1"/>
+          </p:cNvSpPr>
+          <p:nvPr>
+            <p:ph type="sldNum" sz="quarter" idx="10"/>
+          </p:nvPr>
+        </p:nvSpPr>
+        <p:spPr/>
+        <p:txBody>
+          <a:bodyPr/>
+          <a:lstStyle/>
+          <a:p>
+            <a:fld id="{64C16F74-CB9C-4D11-AAE4-AF1946F93C58}" type="slidenum">
+              <a:rPr lang="zh-CN" altLang="en-US" smtClean="0"/>
+              <a:t>6</a:t>
+            </a:fld>
+            <a:endParaRPr lang="zh-CN" altLang="en-US"/>
+          </a:p>
+        </p:txBody>
+      </p:sp>
+    </p:spTree>
+    <p:extLst>
+      <p:ext uri="{BB962C8B-B14F-4D97-AF65-F5344CB8AC3E}">
+        <p14:creationId xmlns:p14="http://schemas.microsoft.com/office/powerpoint/2010/main" val="3341652789"/>
+      </p:ext>
+    </p:extLst>
+  </p:cSld>
+  <p:clrMapOvr>
+    <a:masterClrMapping/>
+  </p:clrMapOvr>
+</p:notes>
+</file>
+
+<file path=ppt/notesSlides/notesSlide5.xml><?xml version="1.0" encoding="utf-8"?>
+<p:notes xmlns:a="http://schemas.openxmlformats.org/drawingml/2006/main" xmlns:r="http://schemas.openxmlformats.org/officeDocument/2006/relationships" xmlns:p="http://schemas.openxmlformats.org/presentationml/2006/main">
+  <p:cSld>
+    <p:spTree>
+      <p:nvGrpSpPr>
+        <p:cNvPr id="1" name=""/>
+        <p:cNvGrpSpPr/>
+        <p:nvPr/>
+      </p:nvGrpSpPr>
+      <p:grpSpPr>
+        <a:xfrm>
+          <a:off x="0" y="0"/>
+          <a:ext cx="0" cy="0"/>
+          <a:chOff x="0" y="0"/>
+          <a:chExt cx="0" cy="0"/>
+        </a:xfrm>
+      </p:grpSpPr>
+      <p:sp>
+        <p:nvSpPr>
+          <p:cNvPr id="2" name="幻灯片图像占位符 1"/>
+          <p:cNvSpPr>
+            <a:spLocks noGrp="1" noRot="1" noChangeAspect="1"/>
+          </p:cNvSpPr>
+          <p:nvPr>
+            <p:ph type="sldImg"/>
+          </p:nvPr>
+        </p:nvSpPr>
+        <p:spPr/>
+      </p:sp>
+      <p:sp>
+        <p:nvSpPr>
+          <p:cNvPr id="3" name="备注占位符 2"/>
+          <p:cNvSpPr>
+            <a:spLocks noGrp="1"/>
+          </p:cNvSpPr>
+          <p:nvPr>
+            <p:ph type="body" idx="1"/>
+          </p:nvPr>
+        </p:nvSpPr>
+        <p:spPr/>
+        <p:txBody>
+          <a:bodyPr/>
+          <a:lstStyle/>
+          <a:p>
+            <a:endParaRPr lang="zh-CN" altLang="en-US" dirty="0"/>
+          </a:p>
+        </p:txBody>
+      </p:sp>
+      <p:sp>
+        <p:nvSpPr>
+          <p:cNvPr id="4" name="灯片编号占位符 3"/>
+          <p:cNvSpPr>
+            <a:spLocks noGrp="1"/>
+          </p:cNvSpPr>
+          <p:nvPr>
+            <p:ph type="sldNum" sz="quarter" idx="10"/>
+          </p:nvPr>
+        </p:nvSpPr>
+        <p:spPr/>
+        <p:txBody>
+          <a:bodyPr/>
+          <a:lstStyle/>
+          <a:p>
+            <a:fld id="{64C16F74-CB9C-4D11-AAE4-AF1946F93C58}" type="slidenum">
+              <a:rPr lang="zh-CN" altLang="en-US" smtClean="0"/>
+              <a:t>7</a:t>
+            </a:fld>
+            <a:endParaRPr lang="zh-CN" altLang="en-US"/>
+          </a:p>
+        </p:txBody>
+      </p:sp>
+    </p:spTree>
+    <p:extLst>
+      <p:ext uri="{BB962C8B-B14F-4D97-AF65-F5344CB8AC3E}">
+        <p14:creationId xmlns:p14="http://schemas.microsoft.com/office/powerpoint/2010/main" val="1900811473"/>
+      </p:ext>
+    </p:extLst>
+  </p:cSld>
+  <p:clrMapOvr>
+    <a:masterClrMapping/>
+  </p:clrMapOvr>
+</p:notes>
+</file>
+
 <file path=ppt/slideLayouts/slideLayout1.xml><?xml version="1.0" encoding="utf-8"?>
 <p:sldLayout xmlns:a="http://schemas.openxmlformats.org/drawingml/2006/main" xmlns:r="http://schemas.openxmlformats.org/officeDocument/2006/relationships" xmlns:p="http://schemas.openxmlformats.org/presentationml/2006/main" showMasterSp="0" preserve="1" userDrawn="1">
   <p:cSld name="标题幻灯片">
@@ -7041,7 +7296,7 @@
           <p:cNvPr id="5" name="文本占位符 6">
             <a:extLst>
               <a:ext uri="{FF2B5EF4-FFF2-40B4-BE49-F238E27FC236}">
-                <a16:creationId xmlns:a16="http://schemas.microsoft.com/office/drawing/2014/main" xmlns="" id="{873D21D7-31B0-4BB9-B2E7-159451257B1E}"/>
+                <a16:creationId xmlns="" xmlns:a16="http://schemas.microsoft.com/office/drawing/2014/main" id="{873D21D7-31B0-4BB9-B2E7-159451257B1E}"/>
               </a:ext>
             </a:extLst>
           </p:cNvPr>
@@ -7091,7 +7346,7 @@
           <p:cNvPr id="6" name="文本占位符 8">
             <a:extLst>
               <a:ext uri="{FF2B5EF4-FFF2-40B4-BE49-F238E27FC236}">
-                <a16:creationId xmlns:a16="http://schemas.microsoft.com/office/drawing/2014/main" xmlns="" id="{80963383-27C2-4B3B-B80B-79837FF85A35}"/>
+                <a16:creationId xmlns="" xmlns:a16="http://schemas.microsoft.com/office/drawing/2014/main" id="{80963383-27C2-4B3B-B80B-79837FF85A35}"/>
               </a:ext>
             </a:extLst>
           </p:cNvPr>
@@ -7140,7 +7395,7 @@
           <p:cNvPr id="8" name="文本占位符 11">
             <a:extLst>
               <a:ext uri="{FF2B5EF4-FFF2-40B4-BE49-F238E27FC236}">
-                <a16:creationId xmlns:a16="http://schemas.microsoft.com/office/drawing/2014/main" xmlns="" id="{2ACD552C-C7ED-462C-91CD-7E3F3144B2E3}"/>
+                <a16:creationId xmlns="" xmlns:a16="http://schemas.microsoft.com/office/drawing/2014/main" id="{2ACD552C-C7ED-462C-91CD-7E3F3144B2E3}"/>
               </a:ext>
             </a:extLst>
           </p:cNvPr>
@@ -7273,7 +7528,7 @@
           <p:cNvPr id="5" name="文本占位符 6">
             <a:extLst>
               <a:ext uri="{FF2B5EF4-FFF2-40B4-BE49-F238E27FC236}">
-                <a16:creationId xmlns:a16="http://schemas.microsoft.com/office/drawing/2014/main" xmlns="" id="{315D7E23-9D84-4DA5-943A-54BC395DE784}"/>
+                <a16:creationId xmlns="" xmlns:a16="http://schemas.microsoft.com/office/drawing/2014/main" id="{315D7E23-9D84-4DA5-943A-54BC395DE784}"/>
               </a:ext>
             </a:extLst>
           </p:cNvPr>
@@ -7323,7 +7578,7 @@
           <p:cNvPr id="6" name="文本占位符 8">
             <a:extLst>
               <a:ext uri="{FF2B5EF4-FFF2-40B4-BE49-F238E27FC236}">
-                <a16:creationId xmlns:a16="http://schemas.microsoft.com/office/drawing/2014/main" xmlns="" id="{9E444FBB-2E3C-459C-AE28-D84914882072}"/>
+                <a16:creationId xmlns="" xmlns:a16="http://schemas.microsoft.com/office/drawing/2014/main" id="{9E444FBB-2E3C-459C-AE28-D84914882072}"/>
               </a:ext>
             </a:extLst>
           </p:cNvPr>
@@ -7372,7 +7627,7 @@
           <p:cNvPr id="7" name="文本占位符 11">
             <a:extLst>
               <a:ext uri="{FF2B5EF4-FFF2-40B4-BE49-F238E27FC236}">
-                <a16:creationId xmlns:a16="http://schemas.microsoft.com/office/drawing/2014/main" xmlns="" id="{1930036D-D72C-4CCE-A8B5-F36A6CED80C0}"/>
+                <a16:creationId xmlns="" xmlns:a16="http://schemas.microsoft.com/office/drawing/2014/main" id="{1930036D-D72C-4CCE-A8B5-F36A6CED80C0}"/>
               </a:ext>
             </a:extLst>
           </p:cNvPr>
@@ -7505,7 +7760,7 @@
           <p:cNvPr id="5" name="文本占位符 6">
             <a:extLst>
               <a:ext uri="{FF2B5EF4-FFF2-40B4-BE49-F238E27FC236}">
-                <a16:creationId xmlns:a16="http://schemas.microsoft.com/office/drawing/2014/main" xmlns="" id="{F42028AA-AAD4-4ECF-9CE4-2593FC0667E3}"/>
+                <a16:creationId xmlns="" xmlns:a16="http://schemas.microsoft.com/office/drawing/2014/main" id="{F42028AA-AAD4-4ECF-9CE4-2593FC0667E3}"/>
               </a:ext>
             </a:extLst>
           </p:cNvPr>
@@ -7555,7 +7810,7 @@
           <p:cNvPr id="6" name="文本占位符 8">
             <a:extLst>
               <a:ext uri="{FF2B5EF4-FFF2-40B4-BE49-F238E27FC236}">
-                <a16:creationId xmlns:a16="http://schemas.microsoft.com/office/drawing/2014/main" xmlns="" id="{F04FD123-3F81-471E-B691-7AC2169FD91E}"/>
+                <a16:creationId xmlns="" xmlns:a16="http://schemas.microsoft.com/office/drawing/2014/main" id="{F04FD123-3F81-471E-B691-7AC2169FD91E}"/>
               </a:ext>
             </a:extLst>
           </p:cNvPr>
@@ -7604,7 +7859,7 @@
           <p:cNvPr id="7" name="文本占位符 11">
             <a:extLst>
               <a:ext uri="{FF2B5EF4-FFF2-40B4-BE49-F238E27FC236}">
-                <a16:creationId xmlns:a16="http://schemas.microsoft.com/office/drawing/2014/main" xmlns="" id="{8B01A031-0936-4C98-8265-C881A42E60C5}"/>
+                <a16:creationId xmlns="" xmlns:a16="http://schemas.microsoft.com/office/drawing/2014/main" id="{8B01A031-0936-4C98-8265-C881A42E60C5}"/>
               </a:ext>
             </a:extLst>
           </p:cNvPr>
@@ -7737,7 +7992,7 @@
           <p:cNvPr id="2" name="文本占位符 6">
             <a:extLst>
               <a:ext uri="{FF2B5EF4-FFF2-40B4-BE49-F238E27FC236}">
-                <a16:creationId xmlns:a16="http://schemas.microsoft.com/office/drawing/2014/main" xmlns="" id="{82D1EFC9-E519-4111-8C38-4B57190B86EC}"/>
+                <a16:creationId xmlns="" xmlns:a16="http://schemas.microsoft.com/office/drawing/2014/main" id="{82D1EFC9-E519-4111-8C38-4B57190B86EC}"/>
               </a:ext>
             </a:extLst>
           </p:cNvPr>
@@ -7787,7 +8042,7 @@
           <p:cNvPr id="3" name="文本占位符 8">
             <a:extLst>
               <a:ext uri="{FF2B5EF4-FFF2-40B4-BE49-F238E27FC236}">
-                <a16:creationId xmlns:a16="http://schemas.microsoft.com/office/drawing/2014/main" xmlns="" id="{473BCE00-9475-4662-8BEF-1B095C41FE03}"/>
+                <a16:creationId xmlns="" xmlns:a16="http://schemas.microsoft.com/office/drawing/2014/main" id="{473BCE00-9475-4662-8BEF-1B095C41FE03}"/>
               </a:ext>
             </a:extLst>
           </p:cNvPr>
@@ -7836,7 +8091,7 @@
           <p:cNvPr id="4" name="文本占位符 11">
             <a:extLst>
               <a:ext uri="{FF2B5EF4-FFF2-40B4-BE49-F238E27FC236}">
-                <a16:creationId xmlns:a16="http://schemas.microsoft.com/office/drawing/2014/main" xmlns="" id="{0E9FCC39-2201-4121-8A9E-C49180965FCA}"/>
+                <a16:creationId xmlns="" xmlns:a16="http://schemas.microsoft.com/office/drawing/2014/main" id="{0E9FCC39-2201-4121-8A9E-C49180965FCA}"/>
               </a:ext>
             </a:extLst>
           </p:cNvPr>
@@ -7977,7 +8232,7 @@
           <p:cNvPr id="5" name="文本占位符 6">
             <a:extLst>
               <a:ext uri="{FF2B5EF4-FFF2-40B4-BE49-F238E27FC236}">
-                <a16:creationId xmlns:a16="http://schemas.microsoft.com/office/drawing/2014/main" xmlns="" id="{CB50B7AD-8FE4-4F4C-B409-949AC0FC18E3}"/>
+                <a16:creationId xmlns="" xmlns:a16="http://schemas.microsoft.com/office/drawing/2014/main" id="{CB50B7AD-8FE4-4F4C-B409-949AC0FC18E3}"/>
               </a:ext>
             </a:extLst>
           </p:cNvPr>
@@ -8027,7 +8282,7 @@
           <p:cNvPr id="6" name="文本占位符 8">
             <a:extLst>
               <a:ext uri="{FF2B5EF4-FFF2-40B4-BE49-F238E27FC236}">
-                <a16:creationId xmlns:a16="http://schemas.microsoft.com/office/drawing/2014/main" xmlns="" id="{90600837-2451-4D1F-99EE-7326548CA00C}"/>
+                <a16:creationId xmlns="" xmlns:a16="http://schemas.microsoft.com/office/drawing/2014/main" id="{90600837-2451-4D1F-99EE-7326548CA00C}"/>
               </a:ext>
             </a:extLst>
           </p:cNvPr>
@@ -8076,7 +8331,7 @@
           <p:cNvPr id="7" name="文本占位符 11">
             <a:extLst>
               <a:ext uri="{FF2B5EF4-FFF2-40B4-BE49-F238E27FC236}">
-                <a16:creationId xmlns:a16="http://schemas.microsoft.com/office/drawing/2014/main" xmlns="" id="{300F0159-D8C7-4290-AE75-D6FDBAECC408}"/>
+                <a16:creationId xmlns="" xmlns:a16="http://schemas.microsoft.com/office/drawing/2014/main" id="{300F0159-D8C7-4290-AE75-D6FDBAECC408}"/>
               </a:ext>
             </a:extLst>
           </p:cNvPr>
@@ -8202,7 +8457,7 @@
           <p:cNvPr id="5" name="文本占位符 6">
             <a:extLst>
               <a:ext uri="{FF2B5EF4-FFF2-40B4-BE49-F238E27FC236}">
-                <a16:creationId xmlns:a16="http://schemas.microsoft.com/office/drawing/2014/main" xmlns="" id="{6CD4A9A4-23D0-4C44-B00F-A83844CC9EAF}"/>
+                <a16:creationId xmlns="" xmlns:a16="http://schemas.microsoft.com/office/drawing/2014/main" id="{6CD4A9A4-23D0-4C44-B00F-A83844CC9EAF}"/>
               </a:ext>
             </a:extLst>
           </p:cNvPr>
@@ -8252,7 +8507,7 @@
           <p:cNvPr id="6" name="文本占位符 8">
             <a:extLst>
               <a:ext uri="{FF2B5EF4-FFF2-40B4-BE49-F238E27FC236}">
-                <a16:creationId xmlns:a16="http://schemas.microsoft.com/office/drawing/2014/main" xmlns="" id="{FE7F5983-AC3C-4E73-A62F-AA518DC36617}"/>
+                <a16:creationId xmlns="" xmlns:a16="http://schemas.microsoft.com/office/drawing/2014/main" id="{FE7F5983-AC3C-4E73-A62F-AA518DC36617}"/>
               </a:ext>
             </a:extLst>
           </p:cNvPr>
@@ -8301,7 +8556,7 @@
           <p:cNvPr id="7" name="文本占位符 11">
             <a:extLst>
               <a:ext uri="{FF2B5EF4-FFF2-40B4-BE49-F238E27FC236}">
-                <a16:creationId xmlns:a16="http://schemas.microsoft.com/office/drawing/2014/main" xmlns="" id="{5CE6CE51-9735-4E73-ABDB-6D6E79F54154}"/>
+                <a16:creationId xmlns="" xmlns:a16="http://schemas.microsoft.com/office/drawing/2014/main" id="{5CE6CE51-9735-4E73-ABDB-6D6E79F54154}"/>
               </a:ext>
             </a:extLst>
           </p:cNvPr>
@@ -8427,7 +8682,7 @@
           <p:cNvPr id="5" name="文本占位符 6">
             <a:extLst>
               <a:ext uri="{FF2B5EF4-FFF2-40B4-BE49-F238E27FC236}">
-                <a16:creationId xmlns:a16="http://schemas.microsoft.com/office/drawing/2014/main" xmlns="" id="{51B747F8-F775-4C03-8006-695EBF5BC79A}"/>
+                <a16:creationId xmlns="" xmlns:a16="http://schemas.microsoft.com/office/drawing/2014/main" id="{51B747F8-F775-4C03-8006-695EBF5BC79A}"/>
               </a:ext>
             </a:extLst>
           </p:cNvPr>
@@ -8477,7 +8732,7 @@
           <p:cNvPr id="6" name="文本占位符 8">
             <a:extLst>
               <a:ext uri="{FF2B5EF4-FFF2-40B4-BE49-F238E27FC236}">
-                <a16:creationId xmlns:a16="http://schemas.microsoft.com/office/drawing/2014/main" xmlns="" id="{260DE32A-59D5-4F2D-886A-335919159D59}"/>
+                <a16:creationId xmlns="" xmlns:a16="http://schemas.microsoft.com/office/drawing/2014/main" id="{260DE32A-59D5-4F2D-886A-335919159D59}"/>
               </a:ext>
             </a:extLst>
           </p:cNvPr>
@@ -8526,7 +8781,7 @@
           <p:cNvPr id="7" name="文本占位符 11">
             <a:extLst>
               <a:ext uri="{FF2B5EF4-FFF2-40B4-BE49-F238E27FC236}">
-                <a16:creationId xmlns:a16="http://schemas.microsoft.com/office/drawing/2014/main" xmlns="" id="{EA7EDEE9-3A42-49B2-BD47-C46085EC2BEA}"/>
+                <a16:creationId xmlns="" xmlns:a16="http://schemas.microsoft.com/office/drawing/2014/main" id="{EA7EDEE9-3A42-49B2-BD47-C46085EC2BEA}"/>
               </a:ext>
             </a:extLst>
           </p:cNvPr>
@@ -8652,7 +8907,7 @@
           <p:cNvPr id="8" name="文本占位符 6">
             <a:extLst>
               <a:ext uri="{FF2B5EF4-FFF2-40B4-BE49-F238E27FC236}">
-                <a16:creationId xmlns:a16="http://schemas.microsoft.com/office/drawing/2014/main" xmlns="" id="{0FFA9827-5965-4F98-9704-22F6894680AD}"/>
+                <a16:creationId xmlns="" xmlns:a16="http://schemas.microsoft.com/office/drawing/2014/main" id="{0FFA9827-5965-4F98-9704-22F6894680AD}"/>
               </a:ext>
             </a:extLst>
           </p:cNvPr>
@@ -8702,7 +8957,7 @@
           <p:cNvPr id="9" name="文本占位符 8">
             <a:extLst>
               <a:ext uri="{FF2B5EF4-FFF2-40B4-BE49-F238E27FC236}">
-                <a16:creationId xmlns:a16="http://schemas.microsoft.com/office/drawing/2014/main" xmlns="" id="{BC44D10F-98B3-4447-BD5F-1E13B171523F}"/>
+                <a16:creationId xmlns="" xmlns:a16="http://schemas.microsoft.com/office/drawing/2014/main" id="{BC44D10F-98B3-4447-BD5F-1E13B171523F}"/>
               </a:ext>
             </a:extLst>
           </p:cNvPr>
@@ -8751,7 +9006,7 @@
           <p:cNvPr id="10" name="文本占位符 11">
             <a:extLst>
               <a:ext uri="{FF2B5EF4-FFF2-40B4-BE49-F238E27FC236}">
-                <a16:creationId xmlns:a16="http://schemas.microsoft.com/office/drawing/2014/main" xmlns="" id="{2A8A1101-A9A6-4480-BA42-256A547D2ECA}"/>
+                <a16:creationId xmlns="" xmlns:a16="http://schemas.microsoft.com/office/drawing/2014/main" id="{2A8A1101-A9A6-4480-BA42-256A547D2ECA}"/>
               </a:ext>
             </a:extLst>
           </p:cNvPr>
@@ -8877,7 +9132,7 @@
           <p:cNvPr id="5" name="文本占位符 6">
             <a:extLst>
               <a:ext uri="{FF2B5EF4-FFF2-40B4-BE49-F238E27FC236}">
-                <a16:creationId xmlns:a16="http://schemas.microsoft.com/office/drawing/2014/main" xmlns="" id="{E5DC9E5E-C9D0-4706-B2FF-D538934AE3EC}"/>
+                <a16:creationId xmlns="" xmlns:a16="http://schemas.microsoft.com/office/drawing/2014/main" id="{E5DC9E5E-C9D0-4706-B2FF-D538934AE3EC}"/>
               </a:ext>
             </a:extLst>
           </p:cNvPr>
@@ -8927,7 +9182,7 @@
           <p:cNvPr id="6" name="文本占位符 8">
             <a:extLst>
               <a:ext uri="{FF2B5EF4-FFF2-40B4-BE49-F238E27FC236}">
-                <a16:creationId xmlns:a16="http://schemas.microsoft.com/office/drawing/2014/main" xmlns="" id="{1B0DC6BA-C7D1-4FAE-A338-9C2CC67AEDE6}"/>
+                <a16:creationId xmlns="" xmlns:a16="http://schemas.microsoft.com/office/drawing/2014/main" id="{1B0DC6BA-C7D1-4FAE-A338-9C2CC67AEDE6}"/>
               </a:ext>
             </a:extLst>
           </p:cNvPr>
@@ -8976,7 +9231,7 @@
           <p:cNvPr id="7" name="文本占位符 11">
             <a:extLst>
               <a:ext uri="{FF2B5EF4-FFF2-40B4-BE49-F238E27FC236}">
-                <a16:creationId xmlns:a16="http://schemas.microsoft.com/office/drawing/2014/main" xmlns="" id="{A26542D8-C68A-42A7-A137-D300C381F05A}"/>
+                <a16:creationId xmlns="" xmlns:a16="http://schemas.microsoft.com/office/drawing/2014/main" id="{A26542D8-C68A-42A7-A137-D300C381F05A}"/>
               </a:ext>
             </a:extLst>
           </p:cNvPr>
@@ -9109,7 +9364,7 @@
           <p:cNvPr id="5" name="文本占位符 6">
             <a:extLst>
               <a:ext uri="{FF2B5EF4-FFF2-40B4-BE49-F238E27FC236}">
-                <a16:creationId xmlns:a16="http://schemas.microsoft.com/office/drawing/2014/main" xmlns="" id="{C490B658-28BC-4259-9E94-63737711DC9D}"/>
+                <a16:creationId xmlns="" xmlns:a16="http://schemas.microsoft.com/office/drawing/2014/main" id="{C490B658-28BC-4259-9E94-63737711DC9D}"/>
               </a:ext>
             </a:extLst>
           </p:cNvPr>
@@ -9159,7 +9414,7 @@
           <p:cNvPr id="6" name="文本占位符 8">
             <a:extLst>
               <a:ext uri="{FF2B5EF4-FFF2-40B4-BE49-F238E27FC236}">
-                <a16:creationId xmlns:a16="http://schemas.microsoft.com/office/drawing/2014/main" xmlns="" id="{6F86AA07-F9FC-42DE-9E68-4B610114E291}"/>
+                <a16:creationId xmlns="" xmlns:a16="http://schemas.microsoft.com/office/drawing/2014/main" id="{6F86AA07-F9FC-42DE-9E68-4B610114E291}"/>
               </a:ext>
             </a:extLst>
           </p:cNvPr>
@@ -9208,7 +9463,7 @@
           <p:cNvPr id="7" name="文本占位符 11">
             <a:extLst>
               <a:ext uri="{FF2B5EF4-FFF2-40B4-BE49-F238E27FC236}">
-                <a16:creationId xmlns:a16="http://schemas.microsoft.com/office/drawing/2014/main" xmlns="" id="{D9F34C0B-7767-4C36-B2A7-4ACEF64AAF99}"/>
+                <a16:creationId xmlns="" xmlns:a16="http://schemas.microsoft.com/office/drawing/2014/main" id="{D9F34C0B-7767-4C36-B2A7-4ACEF64AAF99}"/>
               </a:ext>
             </a:extLst>
           </p:cNvPr>
@@ -9341,7 +9596,7 @@
           <p:cNvPr id="5" name="文本占位符 6">
             <a:extLst>
               <a:ext uri="{FF2B5EF4-FFF2-40B4-BE49-F238E27FC236}">
-                <a16:creationId xmlns:a16="http://schemas.microsoft.com/office/drawing/2014/main" xmlns="" id="{BA7409D7-F1CB-4000-8188-61FC2BE4B64D}"/>
+                <a16:creationId xmlns="" xmlns:a16="http://schemas.microsoft.com/office/drawing/2014/main" id="{BA7409D7-F1CB-4000-8188-61FC2BE4B64D}"/>
               </a:ext>
             </a:extLst>
           </p:cNvPr>
@@ -9391,7 +9646,7 @@
           <p:cNvPr id="6" name="文本占位符 8">
             <a:extLst>
               <a:ext uri="{FF2B5EF4-FFF2-40B4-BE49-F238E27FC236}">
-                <a16:creationId xmlns:a16="http://schemas.microsoft.com/office/drawing/2014/main" xmlns="" id="{C07AF260-D626-4456-8D45-B918B55E2AB6}"/>
+                <a16:creationId xmlns="" xmlns:a16="http://schemas.microsoft.com/office/drawing/2014/main" id="{C07AF260-D626-4456-8D45-B918B55E2AB6}"/>
               </a:ext>
             </a:extLst>
           </p:cNvPr>
@@ -9440,7 +9695,7 @@
           <p:cNvPr id="7" name="文本占位符 11">
             <a:extLst>
               <a:ext uri="{FF2B5EF4-FFF2-40B4-BE49-F238E27FC236}">
-                <a16:creationId xmlns:a16="http://schemas.microsoft.com/office/drawing/2014/main" xmlns="" id="{C862E896-F984-4D87-9C64-4C33973A8E3B}"/>
+                <a16:creationId xmlns="" xmlns:a16="http://schemas.microsoft.com/office/drawing/2014/main" id="{C862E896-F984-4D87-9C64-4C33973A8E3B}"/>
               </a:ext>
             </a:extLst>
           </p:cNvPr>
@@ -9578,7 +9833,7 @@
           <p:cNvPr id="7" name="图片 6">
             <a:extLst>
               <a:ext uri="{FF2B5EF4-FFF2-40B4-BE49-F238E27FC236}">
-                <a16:creationId xmlns:a16="http://schemas.microsoft.com/office/drawing/2014/main" xmlns="" id="{81F67F6C-528C-46AA-AA05-6EAB68DE62D5}"/>
+                <a16:creationId xmlns="" xmlns:a16="http://schemas.microsoft.com/office/drawing/2014/main" id="{81F67F6C-528C-46AA-AA05-6EAB68DE62D5}"/>
               </a:ext>
             </a:extLst>
           </p:cNvPr>
@@ -9614,7 +9869,7 @@
           <p:cNvPr id="8" name="合并 3">
             <a:extLst>
               <a:ext uri="{FF2B5EF4-FFF2-40B4-BE49-F238E27FC236}">
-                <a16:creationId xmlns:a16="http://schemas.microsoft.com/office/drawing/2014/main" xmlns="" id="{E5EAD751-ABE6-490C-B213-7282BB046774}"/>
+                <a16:creationId xmlns="" xmlns:a16="http://schemas.microsoft.com/office/drawing/2014/main" id="{E5EAD751-ABE6-490C-B213-7282BB046774}"/>
               </a:ext>
             </a:extLst>
           </p:cNvPr>
@@ -9666,7 +9921,7 @@
           <p:cNvPr id="9" name="直线连接符 4">
             <a:extLst>
               <a:ext uri="{FF2B5EF4-FFF2-40B4-BE49-F238E27FC236}">
-                <a16:creationId xmlns:a16="http://schemas.microsoft.com/office/drawing/2014/main" xmlns="" id="{00BD2E93-B041-4871-8BE5-198A7F200D3E}"/>
+                <a16:creationId xmlns="" xmlns:a16="http://schemas.microsoft.com/office/drawing/2014/main" id="{00BD2E93-B041-4871-8BE5-198A7F200D3E}"/>
               </a:ext>
             </a:extLst>
           </p:cNvPr>
@@ -9709,7 +9964,7 @@
           <p:cNvPr id="11" name="文本框 10">
             <a:extLst>
               <a:ext uri="{FF2B5EF4-FFF2-40B4-BE49-F238E27FC236}">
-                <a16:creationId xmlns:a16="http://schemas.microsoft.com/office/drawing/2014/main" xmlns="" id="{33B8CB84-C75F-4981-8B43-853040BE138F}"/>
+                <a16:creationId xmlns="" xmlns:a16="http://schemas.microsoft.com/office/drawing/2014/main" id="{33B8CB84-C75F-4981-8B43-853040BE138F}"/>
               </a:ext>
             </a:extLst>
           </p:cNvPr>
@@ -10079,7 +10334,7 @@
           <p:cNvPr id="4" name="图片 3">
             <a:extLst>
               <a:ext uri="{FF2B5EF4-FFF2-40B4-BE49-F238E27FC236}">
-                <a16:creationId xmlns:a16="http://schemas.microsoft.com/office/drawing/2014/main" xmlns="" id="{539E9A19-E764-4C57-A32C-8C5B93CDBD67}"/>
+                <a16:creationId xmlns="" xmlns:a16="http://schemas.microsoft.com/office/drawing/2014/main" id="{539E9A19-E764-4C57-A32C-8C5B93CDBD67}"/>
               </a:ext>
             </a:extLst>
           </p:cNvPr>
@@ -10115,7 +10370,7 @@
           <p:cNvPr id="12" name="图片 11">
             <a:extLst>
               <a:ext uri="{FF2B5EF4-FFF2-40B4-BE49-F238E27FC236}">
-                <a16:creationId xmlns:a16="http://schemas.microsoft.com/office/drawing/2014/main" xmlns="" id="{3FB7AB57-3B51-4DC1-B38E-49095123550F}"/>
+                <a16:creationId xmlns="" xmlns:a16="http://schemas.microsoft.com/office/drawing/2014/main" id="{3FB7AB57-3B51-4DC1-B38E-49095123550F}"/>
               </a:ext>
             </a:extLst>
           </p:cNvPr>
@@ -10151,7 +10406,7 @@
           <p:cNvPr id="7" name="文本框 8">
             <a:extLst>
               <a:ext uri="{FF2B5EF4-FFF2-40B4-BE49-F238E27FC236}">
-                <a16:creationId xmlns:a16="http://schemas.microsoft.com/office/drawing/2014/main" xmlns="" id="{BFB5A34E-F0E4-412F-A1F0-9678D92435C7}"/>
+                <a16:creationId xmlns="" xmlns:a16="http://schemas.microsoft.com/office/drawing/2014/main" id="{BFB5A34E-F0E4-412F-A1F0-9678D92435C7}"/>
               </a:ext>
             </a:extLst>
           </p:cNvPr>
@@ -10212,6 +10467,603 @@
     <p:extLst>
       <p:ext uri="{BB962C8B-B14F-4D97-AF65-F5344CB8AC3E}">
         <p14:creationId xmlns:p14="http://schemas.microsoft.com/office/powerpoint/2010/main" val="1018980469"/>
+      </p:ext>
+    </p:extLst>
+  </p:cSld>
+  <p:clrMapOvr>
+    <a:masterClrMapping/>
+  </p:clrMapOvr>
+  <p:timing>
+    <p:tnLst>
+      <p:par>
+        <p:cTn id="1" dur="indefinite" restart="never" nodeType="tmRoot"/>
+      </p:par>
+    </p:tnLst>
+  </p:timing>
+</p:sld>
+</file>
+
+<file path=ppt/slides/slide10.xml><?xml version="1.0" encoding="utf-8"?>
+<p:sld xmlns:a="http://schemas.openxmlformats.org/drawingml/2006/main" xmlns:r="http://schemas.openxmlformats.org/officeDocument/2006/relationships" xmlns:p="http://schemas.openxmlformats.org/presentationml/2006/main">
+  <p:cSld>
+    <p:spTree>
+      <p:nvGrpSpPr>
+        <p:cNvPr id="1" name=""/>
+        <p:cNvGrpSpPr/>
+        <p:nvPr/>
+      </p:nvGrpSpPr>
+      <p:grpSpPr>
+        <a:xfrm>
+          <a:off x="0" y="0"/>
+          <a:ext cx="0" cy="0"/>
+          <a:chOff x="0" y="0"/>
+          <a:chExt cx="0" cy="0"/>
+        </a:xfrm>
+      </p:grpSpPr>
+      <p:sp>
+        <p:nvSpPr>
+          <p:cNvPr id="3" name="文本占位符 2"/>
+          <p:cNvSpPr>
+            <a:spLocks noGrp="1"/>
+          </p:cNvSpPr>
+          <p:nvPr>
+            <p:ph type="body" sz="quarter" idx="12"/>
+          </p:nvPr>
+        </p:nvSpPr>
+        <p:spPr>
+          <a:xfrm>
+            <a:off x="1101369" y="497241"/>
+            <a:ext cx="3061055" cy="369534"/>
+          </a:xfrm>
+        </p:spPr>
+        <p:txBody>
+          <a:bodyPr/>
+          <a:lstStyle/>
+          <a:p>
+            <a:r>
+              <a:rPr lang="en-US" altLang="zh-CN" b="0" dirty="0" smtClean="0">
+                <a:solidFill>
+                  <a:srgbClr val="92D050"/>
+                </a:solidFill>
+                <a:latin typeface="Century Schoolbook" panose="02040604050505020304" pitchFamily="18" charset="0"/>
+              </a:rPr>
+              <a:t>5</a:t>
+            </a:r>
+            <a:r>
+              <a:rPr lang="zh-CN" altLang="en-US" b="0" dirty="0" smtClean="0">
+                <a:solidFill>
+                  <a:srgbClr val="92D050"/>
+                </a:solidFill>
+                <a:latin typeface="Century Schoolbook" panose="02040604050505020304" pitchFamily="18" charset="0"/>
+              </a:rPr>
+              <a:t>、部门协同与服务提供</a:t>
+            </a:r>
+            <a:endParaRPr lang="zh-CN" altLang="en-US" b="0" dirty="0">
+              <a:solidFill>
+                <a:srgbClr val="92D050"/>
+              </a:solidFill>
+              <a:latin typeface="Century Schoolbook" panose="02040604050505020304" pitchFamily="18" charset="0"/>
+            </a:endParaRPr>
+          </a:p>
+        </p:txBody>
+      </p:sp>
+      <p:sp>
+        <p:nvSpPr>
+          <p:cNvPr id="5" name="文本占位符 3"/>
+          <p:cNvSpPr>
+            <a:spLocks noGrp="1"/>
+          </p:cNvSpPr>
+          <p:nvPr>
+            <p:ph type="body" sz="quarter" idx="13"/>
+          </p:nvPr>
+        </p:nvSpPr>
+        <p:spPr>
+          <a:xfrm>
+            <a:off x="1279526" y="1490135"/>
+            <a:ext cx="8845550" cy="3971772"/>
+          </a:xfrm>
+        </p:spPr>
+        <p:txBody>
+          <a:bodyPr/>
+          <a:lstStyle/>
+          <a:p>
+            <a:r>
+              <a:rPr lang="en-US" altLang="zh-CN" sz="2400" dirty="0">
+                <a:solidFill>
+                  <a:srgbClr val="92D050"/>
+                </a:solidFill>
+              </a:rPr>
+              <a:t>1</a:t>
+            </a:r>
+            <a:r>
+              <a:rPr lang="zh-CN" altLang="en-US" sz="2400" dirty="0" smtClean="0">
+                <a:solidFill>
+                  <a:srgbClr val="92D050"/>
+                </a:solidFill>
+              </a:rPr>
+              <a:t>、运维部门</a:t>
+            </a:r>
+            <a:r>
+              <a:rPr lang="en-US" altLang="zh-CN" sz="2400" dirty="0" smtClean="0">
+                <a:solidFill>
+                  <a:srgbClr val="92D050"/>
+                </a:solidFill>
+              </a:rPr>
+              <a:t>(</a:t>
+            </a:r>
+            <a:r>
+              <a:rPr lang="zh-CN" altLang="en-US" sz="2400" dirty="0" smtClean="0">
+                <a:solidFill>
+                  <a:srgbClr val="92D050"/>
+                </a:solidFill>
+              </a:rPr>
+              <a:t>沈总</a:t>
+            </a:r>
+            <a:r>
+              <a:rPr lang="en-US" altLang="zh-CN" sz="2400" dirty="0" smtClean="0">
+                <a:solidFill>
+                  <a:srgbClr val="92D050"/>
+                </a:solidFill>
+              </a:rPr>
+              <a:t>)</a:t>
+            </a:r>
+            <a:r>
+              <a:rPr lang="zh-CN" altLang="en-US" sz="2400" dirty="0" smtClean="0">
+                <a:solidFill>
+                  <a:srgbClr val="92D050"/>
+                </a:solidFill>
+              </a:rPr>
+              <a:t>：</a:t>
+            </a:r>
+            <a:r>
+              <a:rPr lang="en-US" altLang="zh-CN" sz="2400" dirty="0" err="1" smtClean="0">
+                <a:solidFill>
+                  <a:srgbClr val="92D050"/>
+                </a:solidFill>
+              </a:rPr>
+              <a:t>Mycat</a:t>
+            </a:r>
+            <a:r>
+              <a:rPr lang="zh-CN" altLang="en-US" sz="2400" dirty="0" smtClean="0">
+                <a:solidFill>
+                  <a:srgbClr val="92D050"/>
+                </a:solidFill>
+              </a:rPr>
+              <a:t>、</a:t>
+            </a:r>
+            <a:r>
+              <a:rPr lang="en-US" altLang="zh-CN" sz="2400" dirty="0" err="1" smtClean="0">
+                <a:solidFill>
+                  <a:srgbClr val="92D050"/>
+                </a:solidFill>
+              </a:rPr>
+              <a:t>RockMq</a:t>
+            </a:r>
+            <a:r>
+              <a:rPr lang="zh-CN" altLang="en-US" sz="2400" dirty="0" smtClean="0">
+                <a:solidFill>
+                  <a:srgbClr val="92D050"/>
+                </a:solidFill>
+              </a:rPr>
+              <a:t>等中间件以及</a:t>
+            </a:r>
+            <a:r>
+              <a:rPr lang="en-US" altLang="zh-CN" sz="2400" dirty="0" err="1" smtClean="0">
+                <a:solidFill>
+                  <a:srgbClr val="92D050"/>
+                </a:solidFill>
+              </a:rPr>
+              <a:t>CICD</a:t>
+            </a:r>
+            <a:r>
+              <a:rPr lang="zh-CN" altLang="en-US" sz="2400" dirty="0" smtClean="0">
+                <a:solidFill>
+                  <a:srgbClr val="92D050"/>
+                </a:solidFill>
+              </a:rPr>
+              <a:t>能力</a:t>
+            </a:r>
+            <a:endParaRPr lang="en-US" altLang="zh-CN" sz="2400" dirty="0" smtClean="0">
+              <a:solidFill>
+                <a:srgbClr val="92D050"/>
+              </a:solidFill>
+            </a:endParaRPr>
+          </a:p>
+          <a:p>
+            <a:endParaRPr lang="en-US" altLang="zh-CN" sz="2400" dirty="0">
+              <a:solidFill>
+                <a:srgbClr val="92D050"/>
+              </a:solidFill>
+            </a:endParaRPr>
+          </a:p>
+          <a:p>
+            <a:r>
+              <a:rPr lang="en-US" altLang="zh-CN" sz="2400" dirty="0" smtClean="0">
+                <a:solidFill>
+                  <a:srgbClr val="92D050"/>
+                </a:solidFill>
+              </a:rPr>
+              <a:t>2</a:t>
+            </a:r>
+            <a:r>
+              <a:rPr lang="zh-CN" altLang="en-US" sz="2400" dirty="0" smtClean="0">
+                <a:solidFill>
+                  <a:srgbClr val="92D050"/>
+                </a:solidFill>
+              </a:rPr>
+              <a:t>、大数据部门</a:t>
+            </a:r>
+            <a:r>
+              <a:rPr lang="en-US" altLang="zh-CN" sz="2400" dirty="0" smtClean="0">
+                <a:solidFill>
+                  <a:srgbClr val="92D050"/>
+                </a:solidFill>
+              </a:rPr>
+              <a:t>(</a:t>
+            </a:r>
+            <a:r>
+              <a:rPr lang="zh-CN" altLang="en-US" sz="2400" dirty="0" smtClean="0">
+                <a:solidFill>
+                  <a:srgbClr val="92D050"/>
+                </a:solidFill>
+              </a:rPr>
+              <a:t>冯总</a:t>
+            </a:r>
+            <a:r>
+              <a:rPr lang="en-US" altLang="zh-CN" sz="2400" dirty="0" smtClean="0">
+                <a:solidFill>
+                  <a:srgbClr val="92D050"/>
+                </a:solidFill>
+              </a:rPr>
+              <a:t>)</a:t>
+            </a:r>
+            <a:r>
+              <a:rPr lang="zh-CN" altLang="en-US" sz="2400" dirty="0" smtClean="0">
+                <a:solidFill>
+                  <a:srgbClr val="92D050"/>
+                </a:solidFill>
+              </a:rPr>
+              <a:t>：行业透视、数据清洗</a:t>
+            </a:r>
+            <a:endParaRPr lang="en-US" altLang="zh-CN" sz="2400" dirty="0" smtClean="0">
+              <a:solidFill>
+                <a:srgbClr val="92D050"/>
+              </a:solidFill>
+            </a:endParaRPr>
+          </a:p>
+          <a:p>
+            <a:pPr marL="0" indent="0">
+              <a:buNone/>
+            </a:pPr>
+            <a:endParaRPr lang="en-US" altLang="zh-CN" sz="2400" dirty="0" smtClean="0">
+              <a:solidFill>
+                <a:srgbClr val="92D050"/>
+              </a:solidFill>
+            </a:endParaRPr>
+          </a:p>
+          <a:p>
+            <a:r>
+              <a:rPr lang="en-US" altLang="zh-CN" sz="2400" dirty="0" smtClean="0">
+                <a:solidFill>
+                  <a:srgbClr val="92D050"/>
+                </a:solidFill>
+              </a:rPr>
+              <a:t>3</a:t>
+            </a:r>
+            <a:r>
+              <a:rPr lang="zh-CN" altLang="en-US" sz="2400" dirty="0" smtClean="0">
+                <a:solidFill>
+                  <a:srgbClr val="92D050"/>
+                </a:solidFill>
+              </a:rPr>
+              <a:t>、</a:t>
+            </a:r>
+            <a:r>
+              <a:rPr lang="en-US" altLang="zh-CN" sz="2400" dirty="0" smtClean="0">
+                <a:solidFill>
+                  <a:srgbClr val="92D050"/>
+                </a:solidFill>
+              </a:rPr>
+              <a:t>Boss</a:t>
+            </a:r>
+            <a:r>
+              <a:rPr lang="zh-CN" altLang="en-US" sz="2400" dirty="0" smtClean="0">
+                <a:solidFill>
+                  <a:srgbClr val="92D050"/>
+                </a:solidFill>
+              </a:rPr>
+              <a:t>系统</a:t>
+            </a:r>
+            <a:r>
+              <a:rPr lang="en-US" altLang="zh-CN" sz="2400" dirty="0" smtClean="0">
+                <a:solidFill>
+                  <a:srgbClr val="92D050"/>
+                </a:solidFill>
+              </a:rPr>
+              <a:t>(</a:t>
+            </a:r>
+            <a:r>
+              <a:rPr lang="zh-CN" altLang="en-US" sz="2400" dirty="0" smtClean="0">
+                <a:solidFill>
+                  <a:srgbClr val="92D050"/>
+                </a:solidFill>
+              </a:rPr>
+              <a:t>毛总</a:t>
+            </a:r>
+            <a:r>
+              <a:rPr lang="en-US" altLang="zh-CN" sz="2400" dirty="0" smtClean="0">
+                <a:solidFill>
+                  <a:srgbClr val="92D050"/>
+                </a:solidFill>
+              </a:rPr>
+              <a:t>)</a:t>
+            </a:r>
+            <a:r>
+              <a:rPr lang="zh-CN" altLang="en-US" sz="2400" dirty="0" smtClean="0">
+                <a:solidFill>
+                  <a:srgbClr val="92D050"/>
+                </a:solidFill>
+              </a:rPr>
+              <a:t>：运营与下单处理</a:t>
+            </a:r>
+            <a:endParaRPr lang="en-US" altLang="zh-CN" sz="2400" dirty="0" smtClean="0">
+              <a:solidFill>
+                <a:srgbClr val="92D050"/>
+              </a:solidFill>
+            </a:endParaRPr>
+          </a:p>
+          <a:p>
+            <a:pPr marL="0" indent="0">
+              <a:buNone/>
+            </a:pPr>
+            <a:endParaRPr lang="en-US" altLang="zh-CN" sz="2400" dirty="0" smtClean="0">
+              <a:solidFill>
+                <a:srgbClr val="92D050"/>
+              </a:solidFill>
+            </a:endParaRPr>
+          </a:p>
+          <a:p>
+            <a:r>
+              <a:rPr lang="en-US" altLang="zh-CN" sz="2400" dirty="0" smtClean="0">
+                <a:solidFill>
+                  <a:srgbClr val="92D050"/>
+                </a:solidFill>
+              </a:rPr>
+              <a:t>4</a:t>
+            </a:r>
+            <a:r>
+              <a:rPr lang="zh-CN" altLang="en-US" sz="2400" dirty="0" smtClean="0">
+                <a:solidFill>
+                  <a:srgbClr val="92D050"/>
+                </a:solidFill>
+              </a:rPr>
+              <a:t>、</a:t>
+            </a:r>
+            <a:r>
+              <a:rPr lang="zh-CN" altLang="en-US" sz="2400" dirty="0" smtClean="0">
+                <a:solidFill>
+                  <a:srgbClr val="92D050"/>
+                </a:solidFill>
+              </a:rPr>
+              <a:t>电商中台能力：提供矩阵网关集群服务能力</a:t>
+            </a:r>
+            <a:r>
+              <a:rPr lang="en-US" altLang="zh-CN" sz="2400" dirty="0" smtClean="0">
+                <a:solidFill>
+                  <a:srgbClr val="92D050"/>
+                </a:solidFill>
+              </a:rPr>
+              <a:t>(Https-API)</a:t>
+            </a:r>
+          </a:p>
+          <a:p>
+            <a:pPr marL="0" indent="0">
+              <a:buNone/>
+            </a:pPr>
+            <a:endParaRPr lang="en-US" altLang="zh-CN" sz="2400" dirty="0" smtClean="0">
+              <a:solidFill>
+                <a:srgbClr val="92D050"/>
+              </a:solidFill>
+            </a:endParaRPr>
+          </a:p>
+          <a:p>
+            <a:r>
+              <a:rPr lang="en-US" altLang="zh-CN" sz="2400" dirty="0" smtClean="0">
+                <a:solidFill>
+                  <a:srgbClr val="92D050"/>
+                </a:solidFill>
+              </a:rPr>
+              <a:t>5</a:t>
+            </a:r>
+            <a:r>
+              <a:rPr lang="zh-CN" altLang="en-US" sz="2400" dirty="0" smtClean="0">
+                <a:solidFill>
+                  <a:srgbClr val="92D050"/>
+                </a:solidFill>
+              </a:rPr>
+              <a:t>、</a:t>
+            </a:r>
+            <a:r>
+              <a:rPr lang="zh-CN" altLang="en-US" sz="2400" dirty="0" smtClean="0">
+                <a:solidFill>
+                  <a:srgbClr val="92D050"/>
+                </a:solidFill>
+              </a:rPr>
+              <a:t>支持私有化部署能力</a:t>
+            </a:r>
+            <a:endParaRPr lang="en-US" altLang="zh-CN" sz="2400" dirty="0" smtClean="0">
+              <a:solidFill>
+                <a:srgbClr val="92D050"/>
+              </a:solidFill>
+            </a:endParaRPr>
+          </a:p>
+        </p:txBody>
+      </p:sp>
+    </p:spTree>
+    <p:extLst>
+      <p:ext uri="{BB962C8B-B14F-4D97-AF65-F5344CB8AC3E}">
+        <p14:creationId xmlns:p14="http://schemas.microsoft.com/office/powerpoint/2010/main" val="1512451251"/>
+      </p:ext>
+    </p:extLst>
+  </p:cSld>
+  <p:clrMapOvr>
+    <a:masterClrMapping/>
+  </p:clrMapOvr>
+  <p:timing>
+    <p:tnLst>
+      <p:par>
+        <p:cTn id="1" dur="indefinite" restart="never" nodeType="tmRoot"/>
+      </p:par>
+    </p:tnLst>
+  </p:timing>
+</p:sld>
+</file>
+
+<file path=ppt/slides/slide11.xml><?xml version="1.0" encoding="utf-8"?>
+<p:sld xmlns:a="http://schemas.openxmlformats.org/drawingml/2006/main" xmlns:r="http://schemas.openxmlformats.org/officeDocument/2006/relationships" xmlns:p="http://schemas.openxmlformats.org/presentationml/2006/main">
+  <p:cSld>
+    <p:spTree>
+      <p:nvGrpSpPr>
+        <p:cNvPr id="1" name=""/>
+        <p:cNvGrpSpPr/>
+        <p:nvPr/>
+      </p:nvGrpSpPr>
+      <p:grpSpPr>
+        <a:xfrm>
+          <a:off x="0" y="0"/>
+          <a:ext cx="0" cy="0"/>
+          <a:chOff x="0" y="0"/>
+          <a:chExt cx="0" cy="0"/>
+        </a:xfrm>
+      </p:grpSpPr>
+      <p:pic>
+        <p:nvPicPr>
+          <p:cNvPr id="4" name="图片 3">
+            <a:extLst>
+              <a:ext uri="{FF2B5EF4-FFF2-40B4-BE49-F238E27FC236}">
+                <a16:creationId xmlns="" xmlns:a16="http://schemas.microsoft.com/office/drawing/2014/main" id="{539E9A19-E764-4C57-A32C-8C5B93CDBD67}"/>
+              </a:ext>
+            </a:extLst>
+          </p:cNvPr>
+          <p:cNvPicPr>
+            <a:picLocks noChangeAspect="1"/>
+          </p:cNvPicPr>
+          <p:nvPr/>
+        </p:nvPicPr>
+        <p:blipFill>
+          <a:blip r:embed="rId2">
+            <a:extLst>
+              <a:ext uri="{28A0092B-C50C-407E-A947-70E740481C1C}">
+                <a14:useLocalDpi xmlns:a14="http://schemas.microsoft.com/office/drawing/2010/main" val="0"/>
+              </a:ext>
+            </a:extLst>
+          </a:blip>
+          <a:stretch>
+            <a:fillRect/>
+          </a:stretch>
+        </p:blipFill>
+        <p:spPr>
+          <a:xfrm>
+            <a:off x="0" y="4139"/>
+            <a:ext cx="12192000" cy="6853861"/>
+          </a:xfrm>
+          <a:prstGeom prst="rect">
+            <a:avLst/>
+          </a:prstGeom>
+        </p:spPr>
+      </p:pic>
+      <p:pic>
+        <p:nvPicPr>
+          <p:cNvPr id="12" name="图片 11">
+            <a:extLst>
+              <a:ext uri="{FF2B5EF4-FFF2-40B4-BE49-F238E27FC236}">
+                <a16:creationId xmlns="" xmlns:a16="http://schemas.microsoft.com/office/drawing/2014/main" id="{3FB7AB57-3B51-4DC1-B38E-49095123550F}"/>
+              </a:ext>
+            </a:extLst>
+          </p:cNvPr>
+          <p:cNvPicPr>
+            <a:picLocks noChangeAspect="1"/>
+          </p:cNvPicPr>
+          <p:nvPr/>
+        </p:nvPicPr>
+        <p:blipFill>
+          <a:blip r:embed="rId3" cstate="print">
+            <a:biLevel thresh="25000"/>
+            <a:extLst>
+              <a:ext uri="{28A0092B-C50C-407E-A947-70E740481C1C}">
+                <a14:useLocalDpi xmlns:a14="http://schemas.microsoft.com/office/drawing/2010/main" val="0"/>
+              </a:ext>
+            </a:extLst>
+          </a:blip>
+          <a:stretch>
+            <a:fillRect/>
+          </a:stretch>
+        </p:blipFill>
+        <p:spPr>
+          <a:xfrm>
+            <a:off x="5722084" y="52359"/>
+            <a:ext cx="734349" cy="736162"/>
+          </a:xfrm>
+          <a:prstGeom prst="rect">
+            <a:avLst/>
+          </a:prstGeom>
+        </p:spPr>
+      </p:pic>
+      <p:sp>
+        <p:nvSpPr>
+          <p:cNvPr id="7" name="文本框 6">
+            <a:extLst>
+              <a:ext uri="{FF2B5EF4-FFF2-40B4-BE49-F238E27FC236}">
+                <a16:creationId xmlns="" xmlns:a16="http://schemas.microsoft.com/office/drawing/2014/main" id="{571E9C28-A33E-4F62-82A5-E5D95985049D}"/>
+              </a:ext>
+            </a:extLst>
+          </p:cNvPr>
+          <p:cNvSpPr txBox="1"/>
+          <p:nvPr/>
+        </p:nvSpPr>
+        <p:spPr>
+          <a:xfrm>
+            <a:off x="659167" y="2472804"/>
+            <a:ext cx="11264623" cy="1200329"/>
+          </a:xfrm>
+          <a:prstGeom prst="rect">
+            <a:avLst/>
+          </a:prstGeom>
+          <a:noFill/>
+        </p:spPr>
+        <p:txBody>
+          <a:bodyPr wrap="none" rtlCol="0">
+            <a:spAutoFit/>
+          </a:bodyPr>
+          <a:lstStyle/>
+          <a:p>
+            <a:pPr algn="ctr"/>
+            <a:r>
+              <a:rPr kumimoji="1" lang="zh-CN" altLang="en-US" sz="7200" dirty="0" smtClean="0">
+                <a:solidFill>
+                  <a:srgbClr val="92D050"/>
+                </a:solidFill>
+                <a:latin typeface="Microsoft YaHei" charset="-122"/>
+                <a:ea typeface="Microsoft YaHei" charset="-122"/>
+                <a:cs typeface="Microsoft YaHei" charset="-122"/>
+              </a:rPr>
+              <a:t>谢谢您的聆听，汇报完毕！</a:t>
+            </a:r>
+            <a:endParaRPr kumimoji="1" lang="zh-CN" altLang="en-US" sz="7200" dirty="0">
+              <a:solidFill>
+                <a:srgbClr val="92D050"/>
+              </a:solidFill>
+              <a:latin typeface="Microsoft YaHei" charset="-122"/>
+              <a:ea typeface="Microsoft YaHei" charset="-122"/>
+              <a:cs typeface="Microsoft YaHei" charset="-122"/>
+            </a:endParaRPr>
+          </a:p>
+        </p:txBody>
+      </p:sp>
+    </p:spTree>
+    <p:extLst>
+      <p:ext uri="{BB962C8B-B14F-4D97-AF65-F5344CB8AC3E}">
+        <p14:creationId xmlns:p14="http://schemas.microsoft.com/office/powerpoint/2010/main" val="1260156656"/>
       </p:ext>
     </p:extLst>
   </p:cSld>
@@ -10424,11 +11276,7 @@
             </a:r>
             <a:r>
               <a:rPr lang="zh-CN" altLang="en-US" sz="2400" dirty="0" smtClean="0"/>
-              <a:t>层：</a:t>
-            </a:r>
-            <a:r>
-              <a:rPr lang="zh-CN" altLang="en-US" sz="2400" dirty="0" smtClean="0"/>
-              <a:t>技术专家组</a:t>
+              <a:t>层：技术专家组</a:t>
             </a:r>
             <a:r>
               <a:rPr lang="en-US" altLang="zh-CN" sz="2400" dirty="0" smtClean="0"/>
@@ -10444,11 +11292,7 @@
             </a:r>
             <a:r>
               <a:rPr lang="zh-CN" altLang="en-US" sz="2400" dirty="0" smtClean="0"/>
-              <a:t>电商中台</a:t>
-            </a:r>
-            <a:r>
-              <a:rPr lang="zh-CN" altLang="en-US" sz="2400" dirty="0" smtClean="0"/>
-              <a:t>化</a:t>
+              <a:t>电商中台化</a:t>
             </a:r>
             <a:endParaRPr lang="en-US" altLang="zh-CN" sz="2400" dirty="0" smtClean="0"/>
           </a:p>
@@ -10459,11 +11303,7 @@
             </a:r>
             <a:r>
               <a:rPr lang="zh-CN" altLang="en-US" sz="2400" dirty="0" smtClean="0"/>
-              <a:t>层</a:t>
-            </a:r>
-            <a:r>
-              <a:rPr lang="zh-CN" altLang="en-US" sz="2400" dirty="0" smtClean="0"/>
-              <a:t>：降低硬件成本；节约人力资源投入；提高净利润收入</a:t>
+              <a:t>层：降低硬件成本；节约人力资源投入；提高净利润收入</a:t>
             </a:r>
             <a:endParaRPr lang="en-US" altLang="zh-CN" sz="2400" dirty="0" smtClean="0"/>
           </a:p>
@@ -10590,16 +11430,7 @@
                 </a:solidFill>
                 <a:latin typeface="Century Schoolbook" panose="02040604050505020304" pitchFamily="18" charset="0"/>
               </a:rPr>
-              <a:t>部门</a:t>
-            </a:r>
-            <a:r>
-              <a:rPr lang="zh-CN" altLang="en-US" b="0" dirty="0" smtClean="0">
-                <a:solidFill>
-                  <a:srgbClr val="92D050"/>
-                </a:solidFill>
-                <a:latin typeface="Century Schoolbook" panose="02040604050505020304" pitchFamily="18" charset="0"/>
-              </a:rPr>
-              <a:t>职责</a:t>
+              <a:t>部门职责</a:t>
             </a:r>
             <a:endParaRPr lang="zh-CN" altLang="en-US" b="0" dirty="0">
               <a:solidFill>
@@ -10870,8 +11701,8 @@
               <a:t>制定</a:t>
             </a:r>
             <a:r>
-              <a:rPr lang="zh-CN" altLang="en-US" sz="1600" dirty="0"/>
-              <a:t>规范和开发</a:t>
+              <a:rPr lang="zh-CN" altLang="en-US" sz="1600" dirty="0" smtClean="0"/>
+              <a:t>规范、开发</a:t>
             </a:r>
             <a:r>
               <a:rPr lang="zh-CN" altLang="en-US" sz="1600" dirty="0" smtClean="0"/>
@@ -10938,12 +11769,6 @@
               </a:rPr>
               <a:t>技术专家组</a:t>
             </a:r>
-            <a:endParaRPr lang="zh-CN" altLang="en-US" b="0" dirty="0">
-              <a:solidFill>
-                <a:srgbClr val="92D050"/>
-              </a:solidFill>
-              <a:latin typeface="Century Schoolbook" panose="02040604050505020304" pitchFamily="18" charset="0"/>
-            </a:endParaRPr>
           </a:p>
         </p:txBody>
       </p:sp>
@@ -10976,12 +11801,6 @@
               </a:rPr>
               <a:t>电商中台化</a:t>
             </a:r>
-            <a:endParaRPr lang="zh-CN" altLang="en-US" b="0" dirty="0">
-              <a:solidFill>
-                <a:srgbClr val="92D050"/>
-              </a:solidFill>
-              <a:latin typeface="Century Schoolbook" panose="02040604050505020304" pitchFamily="18" charset="0"/>
-            </a:endParaRPr>
           </a:p>
         </p:txBody>
       </p:sp>
@@ -11014,12 +11833,6 @@
               </a:rPr>
               <a:t>核心代码剥离</a:t>
             </a:r>
-            <a:endParaRPr lang="zh-CN" altLang="en-US" b="0" dirty="0">
-              <a:solidFill>
-                <a:srgbClr val="92D050"/>
-              </a:solidFill>
-              <a:latin typeface="Century Schoolbook" panose="02040604050505020304" pitchFamily="18" charset="0"/>
-            </a:endParaRPr>
           </a:p>
         </p:txBody>
       </p:sp>
@@ -11059,11 +11872,42 @@
           <a:p>
             <a:r>
               <a:rPr lang="zh-CN" altLang="en-US" sz="1600" dirty="0" smtClean="0"/>
-              <a:t>架构反哺：从代码架构设计层避开遇到的开发问题，对基层开发者形成无感化，</a:t>
-            </a:r>
-            <a:r>
-              <a:rPr lang="zh-CN" altLang="en-US" sz="1600" smtClean="0"/>
-              <a:t>降低开发难度</a:t>
+              <a:t>架构反哺：从代码架构设计层避开遇到的开发问题，对基层开发者形成无感化，降低开发难度</a:t>
+            </a:r>
+            <a:endParaRPr lang="zh-CN" altLang="en-US" sz="1600" dirty="0"/>
+          </a:p>
+        </p:txBody>
+      </p:sp>
+      <p:sp>
+        <p:nvSpPr>
+          <p:cNvPr id="8" name="文本占位符 3"/>
+          <p:cNvSpPr>
+            <a:spLocks noGrp="1"/>
+          </p:cNvSpPr>
+          <p:nvPr>
+            <p:ph type="body" sz="quarter" idx="13"/>
+          </p:nvPr>
+        </p:nvSpPr>
+        <p:spPr>
+          <a:xfrm>
+            <a:off x="2420261" y="4848081"/>
+            <a:ext cx="9575581" cy="866920"/>
+          </a:xfrm>
+        </p:spPr>
+        <p:txBody>
+          <a:bodyPr/>
+          <a:lstStyle/>
+          <a:p>
+            <a:r>
+              <a:rPr lang="zh-CN" altLang="en-US" sz="1600" dirty="0" smtClean="0"/>
+              <a:t>抽离公共电商能力，形成开放网关</a:t>
+            </a:r>
+            <a:endParaRPr lang="en-US" altLang="zh-CN" sz="1600" dirty="0" smtClean="0"/>
+          </a:p>
+          <a:p>
+            <a:r>
+              <a:rPr lang="zh-CN" altLang="en-US" sz="1600" dirty="0" smtClean="0"/>
+              <a:t>跨部门、跨业务线服务</a:t>
             </a:r>
             <a:endParaRPr lang="zh-CN" altLang="en-US" sz="1600" dirty="0"/>
           </a:p>
@@ -11118,6 +11962,1416 @@
         </p:nvSpPr>
         <p:spPr>
           <a:xfrm>
+            <a:off x="1091845" y="449616"/>
+            <a:ext cx="5127886" cy="392356"/>
+          </a:xfrm>
+        </p:spPr>
+        <p:txBody>
+          <a:bodyPr/>
+          <a:lstStyle/>
+          <a:p>
+            <a:r>
+              <a:rPr lang="zh-CN" altLang="en-US" b="0" dirty="0" smtClean="0">
+                <a:solidFill>
+                  <a:srgbClr val="92D050"/>
+                </a:solidFill>
+                <a:latin typeface="Century Schoolbook" panose="02040604050505020304" pitchFamily="18" charset="0"/>
+              </a:rPr>
+              <a:t>部门职责 </a:t>
+            </a:r>
+            <a:r>
+              <a:rPr lang="en-US" altLang="zh-CN" b="0" dirty="0" smtClean="0">
+                <a:solidFill>
+                  <a:srgbClr val="92D050"/>
+                </a:solidFill>
+                <a:latin typeface="Century Schoolbook" panose="02040604050505020304" pitchFamily="18" charset="0"/>
+              </a:rPr>
+              <a:t>- </a:t>
+            </a:r>
+            <a:r>
+              <a:rPr lang="zh-CN" altLang="en-US" b="0" dirty="0" smtClean="0">
+                <a:solidFill>
+                  <a:srgbClr val="92D050"/>
+                </a:solidFill>
+                <a:latin typeface="Century Schoolbook" panose="02040604050505020304" pitchFamily="18" charset="0"/>
+              </a:rPr>
+              <a:t>成本</a:t>
+            </a:r>
+            <a:r>
+              <a:rPr lang="zh-CN" altLang="en-US" b="0" dirty="0">
+                <a:solidFill>
+                  <a:srgbClr val="92D050"/>
+                </a:solidFill>
+                <a:latin typeface="Century Schoolbook" panose="02040604050505020304" pitchFamily="18" charset="0"/>
+              </a:rPr>
+              <a:t>层</a:t>
+            </a:r>
+            <a:endParaRPr lang="zh-CN" altLang="en-US" b="0" dirty="0">
+              <a:solidFill>
+                <a:srgbClr val="92D050"/>
+              </a:solidFill>
+              <a:latin typeface="Century Schoolbook" panose="02040604050505020304" pitchFamily="18" charset="0"/>
+            </a:endParaRPr>
+          </a:p>
+          <a:p>
+            <a:endParaRPr lang="zh-CN" altLang="en-US" b="0" dirty="0">
+              <a:solidFill>
+                <a:srgbClr val="92D050"/>
+              </a:solidFill>
+              <a:latin typeface="Century Schoolbook" panose="02040604050505020304" pitchFamily="18" charset="0"/>
+            </a:endParaRPr>
+          </a:p>
+        </p:txBody>
+      </p:sp>
+      <p:sp>
+        <p:nvSpPr>
+          <p:cNvPr id="4" name="文本占位符 3"/>
+          <p:cNvSpPr>
+            <a:spLocks noGrp="1"/>
+          </p:cNvSpPr>
+          <p:nvPr>
+            <p:ph type="body" sz="quarter" idx="13"/>
+          </p:nvPr>
+        </p:nvSpPr>
+        <p:spPr>
+          <a:xfrm>
+            <a:off x="2420262" y="1386995"/>
+            <a:ext cx="6415920" cy="1338109"/>
+          </a:xfrm>
+        </p:spPr>
+        <p:txBody>
+          <a:bodyPr/>
+          <a:lstStyle/>
+          <a:p>
+            <a:r>
+              <a:rPr lang="zh-CN" altLang="en-US" sz="1600" dirty="0"/>
+              <a:t>电</a:t>
+            </a:r>
+            <a:r>
+              <a:rPr lang="zh-CN" altLang="en-US" sz="1600" dirty="0" smtClean="0"/>
+              <a:t>商业务服务器自定义扩容 </a:t>
+            </a:r>
+            <a:r>
+              <a:rPr lang="en-US" altLang="zh-CN" sz="1600" dirty="0" smtClean="0"/>
+              <a:t>– Docker</a:t>
+            </a:r>
+            <a:r>
+              <a:rPr lang="zh-CN" altLang="en-US" sz="1600" dirty="0" smtClean="0"/>
+              <a:t>容器化部署</a:t>
+            </a:r>
+            <a:endParaRPr lang="en-US" altLang="zh-CN" sz="1600" dirty="0" smtClean="0"/>
+          </a:p>
+          <a:p>
+            <a:r>
+              <a:rPr lang="zh-CN" altLang="en-US" sz="1600" dirty="0"/>
+              <a:t>大</a:t>
+            </a:r>
+            <a:r>
+              <a:rPr lang="zh-CN" altLang="en-US" sz="1600" dirty="0" smtClean="0"/>
+              <a:t>中小三级数据库分组模式</a:t>
+            </a:r>
+            <a:endParaRPr lang="en-US" altLang="zh-CN" sz="1600" dirty="0" smtClean="0"/>
+          </a:p>
+          <a:p>
+            <a:r>
+              <a:rPr lang="zh-CN" altLang="en-US" sz="1600" dirty="0" smtClean="0"/>
+              <a:t>大幅度提高系统请求吐吞量 </a:t>
+            </a:r>
+            <a:r>
+              <a:rPr lang="en-US" altLang="zh-CN" sz="1600" dirty="0" smtClean="0"/>
+              <a:t>– </a:t>
+            </a:r>
+            <a:r>
+              <a:rPr lang="zh-CN" altLang="en-US" sz="1600" dirty="0" smtClean="0"/>
+              <a:t>降低服务器内存资源</a:t>
+            </a:r>
+            <a:endParaRPr lang="en-US" altLang="zh-CN" sz="1600" dirty="0" smtClean="0"/>
+          </a:p>
+          <a:p>
+            <a:endParaRPr lang="en-US" altLang="zh-CN" sz="1600" dirty="0" smtClean="0"/>
+          </a:p>
+          <a:p>
+            <a:endParaRPr lang="zh-CN" altLang="en-US" sz="1600" dirty="0"/>
+          </a:p>
+        </p:txBody>
+      </p:sp>
+      <p:sp>
+        <p:nvSpPr>
+          <p:cNvPr id="5" name="文本占位符 2"/>
+          <p:cNvSpPr>
+            <a:spLocks noGrp="1"/>
+          </p:cNvSpPr>
+          <p:nvPr>
+            <p:ph type="body" sz="quarter" idx="12"/>
+          </p:nvPr>
+        </p:nvSpPr>
+        <p:spPr>
+          <a:xfrm>
+            <a:off x="1429810" y="1112330"/>
+            <a:ext cx="1729849" cy="392356"/>
+          </a:xfrm>
+        </p:spPr>
+        <p:txBody>
+          <a:bodyPr/>
+          <a:lstStyle/>
+          <a:p>
+            <a:r>
+              <a:rPr lang="zh-CN" altLang="en-US" b="0" dirty="0">
+                <a:solidFill>
+                  <a:srgbClr val="92D050"/>
+                </a:solidFill>
+                <a:latin typeface="Century Schoolbook" panose="02040604050505020304" pitchFamily="18" charset="0"/>
+              </a:rPr>
+              <a:t>降低硬件成本</a:t>
+            </a:r>
+            <a:endParaRPr lang="zh-CN" altLang="en-US" b="0" dirty="0">
+              <a:solidFill>
+                <a:srgbClr val="92D050"/>
+              </a:solidFill>
+              <a:latin typeface="Century Schoolbook" panose="02040604050505020304" pitchFamily="18" charset="0"/>
+            </a:endParaRPr>
+          </a:p>
+        </p:txBody>
+      </p:sp>
+      <p:sp>
+        <p:nvSpPr>
+          <p:cNvPr id="6" name="文本占位符 2"/>
+          <p:cNvSpPr>
+            <a:spLocks noGrp="1"/>
+          </p:cNvSpPr>
+          <p:nvPr>
+            <p:ph type="body" sz="quarter" idx="12"/>
+          </p:nvPr>
+        </p:nvSpPr>
+        <p:spPr>
+          <a:xfrm>
+            <a:off x="1429808" y="4350181"/>
+            <a:ext cx="4350506" cy="392356"/>
+          </a:xfrm>
+        </p:spPr>
+        <p:txBody>
+          <a:bodyPr/>
+          <a:lstStyle/>
+          <a:p>
+            <a:r>
+              <a:rPr lang="zh-CN" altLang="en-US" b="0" dirty="0">
+                <a:solidFill>
+                  <a:srgbClr val="92D050"/>
+                </a:solidFill>
+                <a:latin typeface="Century Schoolbook" panose="02040604050505020304" pitchFamily="18" charset="0"/>
+              </a:rPr>
+              <a:t>提高净利润</a:t>
+            </a:r>
+            <a:r>
+              <a:rPr lang="zh-CN" altLang="en-US" b="0" dirty="0" smtClean="0">
+                <a:solidFill>
+                  <a:srgbClr val="92D050"/>
+                </a:solidFill>
+                <a:latin typeface="Century Schoolbook" panose="02040604050505020304" pitchFamily="18" charset="0"/>
+              </a:rPr>
+              <a:t>收入，帮助业务增长</a:t>
+            </a:r>
+            <a:endParaRPr lang="zh-CN" altLang="en-US" b="0" dirty="0">
+              <a:solidFill>
+                <a:srgbClr val="92D050"/>
+              </a:solidFill>
+              <a:latin typeface="Century Schoolbook" panose="02040604050505020304" pitchFamily="18" charset="0"/>
+            </a:endParaRPr>
+          </a:p>
+        </p:txBody>
+      </p:sp>
+      <p:sp>
+        <p:nvSpPr>
+          <p:cNvPr id="10" name="文本占位符 2"/>
+          <p:cNvSpPr>
+            <a:spLocks noGrp="1"/>
+          </p:cNvSpPr>
+          <p:nvPr>
+            <p:ph type="body" sz="quarter" idx="12"/>
+          </p:nvPr>
+        </p:nvSpPr>
+        <p:spPr>
+          <a:xfrm>
+            <a:off x="1429809" y="2685539"/>
+            <a:ext cx="2366584" cy="392356"/>
+          </a:xfrm>
+        </p:spPr>
+        <p:txBody>
+          <a:bodyPr/>
+          <a:lstStyle/>
+          <a:p>
+            <a:r>
+              <a:rPr lang="zh-CN" altLang="en-US" b="0" dirty="0">
+                <a:solidFill>
+                  <a:srgbClr val="92D050"/>
+                </a:solidFill>
+                <a:latin typeface="Century Schoolbook" panose="02040604050505020304" pitchFamily="18" charset="0"/>
+              </a:rPr>
+              <a:t>节约人力资源投入</a:t>
+            </a:r>
+            <a:endParaRPr lang="zh-CN" altLang="en-US" b="0" dirty="0">
+              <a:solidFill>
+                <a:srgbClr val="92D050"/>
+              </a:solidFill>
+              <a:latin typeface="Century Schoolbook" panose="02040604050505020304" pitchFamily="18" charset="0"/>
+            </a:endParaRPr>
+          </a:p>
+        </p:txBody>
+      </p:sp>
+      <p:sp>
+        <p:nvSpPr>
+          <p:cNvPr id="11" name="文本占位符 3"/>
+          <p:cNvSpPr>
+            <a:spLocks noGrp="1"/>
+          </p:cNvSpPr>
+          <p:nvPr>
+            <p:ph type="body" sz="quarter" idx="13"/>
+          </p:nvPr>
+        </p:nvSpPr>
+        <p:spPr>
+          <a:xfrm>
+            <a:off x="2420261" y="3038330"/>
+            <a:ext cx="9575581" cy="1338109"/>
+          </a:xfrm>
+        </p:spPr>
+        <p:txBody>
+          <a:bodyPr/>
+          <a:lstStyle/>
+          <a:p>
+            <a:r>
+              <a:rPr lang="zh-CN" altLang="en-US" sz="1600" dirty="0" smtClean="0"/>
+              <a:t>单人成本降低：依托分布式核心底层，降低开发者入门难度，刚毕业的大学生即可胜任业务开发工作</a:t>
+            </a:r>
+            <a:endParaRPr lang="en-US" altLang="zh-CN" sz="1600" dirty="0" smtClean="0"/>
+          </a:p>
+          <a:p>
+            <a:r>
+              <a:rPr lang="zh-CN" altLang="en-US" sz="1600" dirty="0" smtClean="0"/>
+              <a:t>组间支援，减少招聘：技术路线统一，各个小组、模块的开发者可以无障碍阅读对方代码</a:t>
+            </a:r>
+            <a:endParaRPr lang="en-US" altLang="zh-CN" sz="1600" dirty="0" smtClean="0"/>
+          </a:p>
+          <a:p>
+            <a:r>
+              <a:rPr lang="zh-CN" altLang="en-US" sz="1600" dirty="0" smtClean="0"/>
+              <a:t>单人工效提升：开发者不在研究耗时技术难点，只写增删改查，显著提升单人工作效率</a:t>
+            </a:r>
+            <a:endParaRPr lang="zh-CN" altLang="en-US" sz="1600" dirty="0"/>
+          </a:p>
+        </p:txBody>
+      </p:sp>
+      <p:sp>
+        <p:nvSpPr>
+          <p:cNvPr id="8" name="文本占位符 3"/>
+          <p:cNvSpPr>
+            <a:spLocks noGrp="1"/>
+          </p:cNvSpPr>
+          <p:nvPr>
+            <p:ph type="body" sz="quarter" idx="13"/>
+          </p:nvPr>
+        </p:nvSpPr>
+        <p:spPr>
+          <a:xfrm>
+            <a:off x="2420261" y="4848080"/>
+            <a:ext cx="9575581" cy="1738023"/>
+          </a:xfrm>
+        </p:spPr>
+        <p:txBody>
+          <a:bodyPr/>
+          <a:lstStyle/>
+          <a:p>
+            <a:r>
+              <a:rPr lang="zh-CN" altLang="en-US" sz="1600" dirty="0" smtClean="0"/>
+              <a:t>降低了两大成本来源：人力成本和硬件服务器成本</a:t>
+            </a:r>
+            <a:endParaRPr lang="en-US" altLang="zh-CN" sz="1600" dirty="0" smtClean="0"/>
+          </a:p>
+          <a:p>
+            <a:r>
+              <a:rPr lang="zh-CN" altLang="en-US" sz="1600" dirty="0" smtClean="0"/>
+              <a:t>长期合作：流畅的用户体验与周边附加功能留住我们的客户</a:t>
+            </a:r>
+            <a:endParaRPr lang="en-US" altLang="zh-CN" sz="1600" dirty="0" smtClean="0"/>
+          </a:p>
+          <a:p>
+            <a:r>
+              <a:rPr lang="zh-CN" altLang="en-US" sz="1600" dirty="0" smtClean="0"/>
+              <a:t>大幅提升销售业绩：让销售人员更有底气 </a:t>
+            </a:r>
+            <a:r>
+              <a:rPr lang="en-US" altLang="zh-CN" sz="1600" dirty="0" smtClean="0"/>
+              <a:t>- </a:t>
+            </a:r>
+            <a:r>
+              <a:rPr lang="zh-CN" altLang="en-US" sz="1600" dirty="0" smtClean="0"/>
+              <a:t>更丰富的产品功能，更稳定的系统，大数据支持。</a:t>
+            </a:r>
+            <a:endParaRPr lang="en-US" altLang="zh-CN" sz="1600" dirty="0" smtClean="0"/>
+          </a:p>
+          <a:p>
+            <a:r>
+              <a:rPr lang="zh-CN" altLang="en-US" sz="1600" dirty="0" smtClean="0"/>
+              <a:t>大客户的垂青：完美的私有化解决方案 </a:t>
+            </a:r>
+            <a:r>
+              <a:rPr lang="en-US" altLang="zh-CN" sz="1600" dirty="0" smtClean="0"/>
+              <a:t>- </a:t>
+            </a:r>
+            <a:r>
+              <a:rPr lang="zh-CN" altLang="en-US" sz="1600" dirty="0" smtClean="0"/>
+              <a:t>技术</a:t>
+            </a:r>
+            <a:r>
+              <a:rPr lang="zh-CN" altLang="en-US" sz="1600" dirty="0"/>
+              <a:t>路线</a:t>
+            </a:r>
+            <a:r>
+              <a:rPr lang="zh-CN" altLang="en-US" sz="1600" dirty="0" smtClean="0"/>
+              <a:t>统一，极简化部署，短周期定制。</a:t>
+            </a:r>
+            <a:endParaRPr lang="zh-CN" altLang="en-US" sz="1600" dirty="0"/>
+          </a:p>
+        </p:txBody>
+      </p:sp>
+    </p:spTree>
+    <p:extLst>
+      <p:ext uri="{BB962C8B-B14F-4D97-AF65-F5344CB8AC3E}">
+        <p14:creationId xmlns:p14="http://schemas.microsoft.com/office/powerpoint/2010/main" val="1977712072"/>
+      </p:ext>
+    </p:extLst>
+  </p:cSld>
+  <p:clrMapOvr>
+    <a:masterClrMapping/>
+  </p:clrMapOvr>
+  <p:timing>
+    <p:tnLst>
+      <p:par>
+        <p:cTn id="1" dur="indefinite" restart="never" nodeType="tmRoot"/>
+      </p:par>
+    </p:tnLst>
+  </p:timing>
+</p:sld>
+</file>
+
+<file path=ppt/slides/slide6.xml><?xml version="1.0" encoding="utf-8"?>
+<p:sld xmlns:a="http://schemas.openxmlformats.org/drawingml/2006/main" xmlns:r="http://schemas.openxmlformats.org/officeDocument/2006/relationships" xmlns:p="http://schemas.openxmlformats.org/presentationml/2006/main">
+  <p:cSld>
+    <p:spTree>
+      <p:nvGrpSpPr>
+        <p:cNvPr id="1" name=""/>
+        <p:cNvGrpSpPr/>
+        <p:nvPr/>
+      </p:nvGrpSpPr>
+      <p:grpSpPr>
+        <a:xfrm>
+          <a:off x="0" y="0"/>
+          <a:ext cx="0" cy="0"/>
+          <a:chOff x="0" y="0"/>
+          <a:chExt cx="0" cy="0"/>
+        </a:xfrm>
+      </p:grpSpPr>
+      <p:sp>
+        <p:nvSpPr>
+          <p:cNvPr id="3" name="文本占位符 2"/>
+          <p:cNvSpPr>
+            <a:spLocks noGrp="1"/>
+          </p:cNvSpPr>
+          <p:nvPr>
+            <p:ph type="body" sz="quarter" idx="12"/>
+          </p:nvPr>
+        </p:nvSpPr>
+        <p:spPr>
+          <a:xfrm>
+            <a:off x="1091845" y="449616"/>
+            <a:ext cx="5127886" cy="392356"/>
+          </a:xfrm>
+        </p:spPr>
+        <p:txBody>
+          <a:bodyPr/>
+          <a:lstStyle/>
+          <a:p>
+            <a:r>
+              <a:rPr lang="zh-CN" altLang="en-US" b="0" dirty="0" smtClean="0">
+                <a:solidFill>
+                  <a:srgbClr val="92D050"/>
+                </a:solidFill>
+                <a:latin typeface="Century Schoolbook" panose="02040604050505020304" pitchFamily="18" charset="0"/>
+              </a:rPr>
+              <a:t>部门职责 </a:t>
+            </a:r>
+            <a:r>
+              <a:rPr lang="en-US" altLang="zh-CN" b="0" dirty="0" smtClean="0">
+                <a:solidFill>
+                  <a:srgbClr val="92D050"/>
+                </a:solidFill>
+                <a:latin typeface="Century Schoolbook" panose="02040604050505020304" pitchFamily="18" charset="0"/>
+              </a:rPr>
+              <a:t>- </a:t>
+            </a:r>
+            <a:r>
+              <a:rPr lang="zh-CN" altLang="en-US" b="0" dirty="0" smtClean="0">
+                <a:solidFill>
+                  <a:srgbClr val="92D050"/>
+                </a:solidFill>
+                <a:latin typeface="Century Schoolbook" panose="02040604050505020304" pitchFamily="18" charset="0"/>
+              </a:rPr>
+              <a:t>产品</a:t>
+            </a:r>
+            <a:r>
+              <a:rPr lang="zh-CN" altLang="en-US" b="0" dirty="0">
+                <a:solidFill>
+                  <a:srgbClr val="92D050"/>
+                </a:solidFill>
+                <a:latin typeface="Century Schoolbook" panose="02040604050505020304" pitchFamily="18" charset="0"/>
+              </a:rPr>
+              <a:t>层</a:t>
+            </a:r>
+            <a:endParaRPr lang="zh-CN" altLang="en-US" b="0" dirty="0">
+              <a:solidFill>
+                <a:srgbClr val="92D050"/>
+              </a:solidFill>
+              <a:latin typeface="Century Schoolbook" panose="02040604050505020304" pitchFamily="18" charset="0"/>
+            </a:endParaRPr>
+          </a:p>
+          <a:p>
+            <a:endParaRPr lang="zh-CN" altLang="en-US" b="0" dirty="0">
+              <a:solidFill>
+                <a:srgbClr val="92D050"/>
+              </a:solidFill>
+              <a:latin typeface="Century Schoolbook" panose="02040604050505020304" pitchFamily="18" charset="0"/>
+            </a:endParaRPr>
+          </a:p>
+        </p:txBody>
+      </p:sp>
+      <p:sp>
+        <p:nvSpPr>
+          <p:cNvPr id="4" name="文本占位符 3"/>
+          <p:cNvSpPr>
+            <a:spLocks noGrp="1"/>
+          </p:cNvSpPr>
+          <p:nvPr>
+            <p:ph type="body" sz="quarter" idx="13"/>
+          </p:nvPr>
+        </p:nvSpPr>
+        <p:spPr>
+          <a:xfrm>
+            <a:off x="2420262" y="1386995"/>
+            <a:ext cx="8617852" cy="1853714"/>
+          </a:xfrm>
+        </p:spPr>
+        <p:txBody>
+          <a:bodyPr/>
+          <a:lstStyle/>
+          <a:p>
+            <a:r>
+              <a:rPr lang="zh-CN" altLang="en-US" sz="1600" dirty="0"/>
+              <a:t>美</a:t>
+            </a:r>
+            <a:r>
+              <a:rPr lang="zh-CN" altLang="en-US" sz="1600" dirty="0" smtClean="0"/>
+              <a:t>团</a:t>
+            </a:r>
+            <a:r>
+              <a:rPr lang="zh-CN" altLang="en-US" sz="1600" dirty="0" smtClean="0"/>
+              <a:t>、有赞、微盟等常见会员、门店、营销、优惠券、微信</a:t>
+            </a:r>
+            <a:r>
+              <a:rPr lang="en-US" altLang="zh-CN" sz="1600" dirty="0" smtClean="0"/>
+              <a:t>/</a:t>
+            </a:r>
+            <a:r>
+              <a:rPr lang="zh-CN" altLang="en-US" sz="1600" dirty="0" smtClean="0"/>
+              <a:t>支付宝 玩儿法支持</a:t>
+            </a:r>
+            <a:endParaRPr lang="en-US" altLang="zh-CN" sz="1600" dirty="0" smtClean="0"/>
+          </a:p>
+          <a:p>
+            <a:r>
+              <a:rPr lang="en-US" altLang="zh-CN" sz="1600" dirty="0" smtClean="0"/>
+              <a:t>Android + IOS</a:t>
+            </a:r>
+            <a:r>
+              <a:rPr lang="zh-CN" altLang="en-US" sz="1600" dirty="0" smtClean="0"/>
+              <a:t>客户端为客户定制 </a:t>
+            </a:r>
+            <a:r>
+              <a:rPr lang="en-US" altLang="zh-CN" sz="1600" dirty="0" smtClean="0"/>
+              <a:t>– </a:t>
+            </a:r>
+            <a:r>
+              <a:rPr lang="zh-CN" altLang="en-US" sz="1600" dirty="0" smtClean="0"/>
+              <a:t>基于通用代码修改</a:t>
+            </a:r>
+            <a:r>
+              <a:rPr lang="en-US" altLang="zh-CN" sz="1600" dirty="0" smtClean="0"/>
+              <a:t>~</a:t>
+            </a:r>
+            <a:r>
+              <a:rPr lang="zh-CN" altLang="en-US" sz="1600" dirty="0" smtClean="0"/>
+              <a:t>发布到应用市场</a:t>
+            </a:r>
+            <a:endParaRPr lang="en-US" altLang="zh-CN" sz="1600" dirty="0" smtClean="0"/>
+          </a:p>
+          <a:p>
+            <a:r>
+              <a:rPr lang="zh-CN" altLang="en-US" sz="1600" dirty="0"/>
+              <a:t>全</a:t>
+            </a:r>
+            <a:r>
+              <a:rPr lang="zh-CN" altLang="en-US" sz="1600" dirty="0" smtClean="0"/>
+              <a:t>网门户</a:t>
+            </a:r>
+            <a:r>
+              <a:rPr lang="en-US" altLang="zh-CN" sz="1600" dirty="0" smtClean="0"/>
+              <a:t>/</a:t>
+            </a:r>
+            <a:r>
+              <a:rPr lang="zh-CN" altLang="en-US" sz="1600" dirty="0" smtClean="0"/>
+              <a:t>集团门户：客户公司网站定制</a:t>
+            </a:r>
+            <a:r>
+              <a:rPr lang="en-US" altLang="zh-CN" sz="1600" dirty="0"/>
+              <a:t> </a:t>
+            </a:r>
+            <a:r>
+              <a:rPr lang="en-US" altLang="zh-CN" sz="1600" dirty="0" smtClean="0"/>
+              <a:t>| </a:t>
+            </a:r>
+            <a:r>
+              <a:rPr lang="zh-CN" altLang="en-US" sz="1600" dirty="0" smtClean="0"/>
+              <a:t>半价、八折、白送</a:t>
+            </a:r>
+            <a:r>
+              <a:rPr lang="en-US" altLang="zh-CN" sz="1600" dirty="0" smtClean="0">
+                <a:solidFill>
+                  <a:schemeClr val="bg1">
+                    <a:lumMod val="95000"/>
+                  </a:schemeClr>
+                </a:solidFill>
+              </a:rPr>
+              <a:t>(</a:t>
+            </a:r>
+            <a:r>
+              <a:rPr lang="zh-CN" altLang="en-US" sz="1600" dirty="0" smtClean="0">
+                <a:solidFill>
+                  <a:schemeClr val="bg1">
+                    <a:lumMod val="95000"/>
+                  </a:schemeClr>
+                </a:solidFill>
+              </a:rPr>
+              <a:t>大客户私有化</a:t>
+            </a:r>
+            <a:r>
+              <a:rPr lang="en-US" altLang="zh-CN" sz="1600" dirty="0" smtClean="0">
+                <a:solidFill>
+                  <a:schemeClr val="bg1">
+                    <a:lumMod val="95000"/>
+                  </a:schemeClr>
+                </a:solidFill>
+              </a:rPr>
+              <a:t>)</a:t>
+            </a:r>
+          </a:p>
+          <a:p>
+            <a:r>
+              <a:rPr lang="zh-CN" altLang="en-US" sz="1600" dirty="0"/>
+              <a:t>大</a:t>
+            </a:r>
+            <a:r>
+              <a:rPr lang="zh-CN" altLang="en-US" sz="1600" dirty="0" smtClean="0"/>
+              <a:t>数据支持：同行业透视能力</a:t>
+            </a:r>
+            <a:r>
+              <a:rPr lang="en-US" altLang="zh-CN" sz="1600" dirty="0" smtClean="0"/>
+              <a:t>/</a:t>
+            </a:r>
+            <a:r>
+              <a:rPr lang="zh-CN" altLang="en-US" sz="1600" dirty="0" smtClean="0"/>
+              <a:t>跨行业关联分析</a:t>
+            </a:r>
+            <a:r>
+              <a:rPr lang="en-US" altLang="zh-CN" sz="1600" dirty="0" smtClean="0"/>
+              <a:t>/</a:t>
+            </a:r>
+            <a:r>
+              <a:rPr lang="zh-CN" altLang="en-US" sz="1600" dirty="0"/>
+              <a:t>潜在</a:t>
+            </a:r>
+            <a:r>
+              <a:rPr lang="zh-CN" altLang="en-US" sz="1600" dirty="0" smtClean="0"/>
+              <a:t>会员分部</a:t>
+            </a:r>
+            <a:r>
+              <a:rPr lang="en-US" altLang="zh-CN" sz="1600" dirty="0" smtClean="0"/>
+              <a:t>+</a:t>
+            </a:r>
+            <a:r>
+              <a:rPr lang="zh-CN" altLang="en-US" sz="1600" dirty="0" smtClean="0"/>
+              <a:t>需求挖掘</a:t>
+            </a:r>
+            <a:r>
+              <a:rPr lang="en-US" altLang="zh-CN" sz="1600" dirty="0" smtClean="0"/>
+              <a:t>/</a:t>
+            </a:r>
+            <a:r>
+              <a:rPr lang="zh-CN" altLang="en-US" sz="1600" dirty="0" smtClean="0"/>
+              <a:t>通用商业报表</a:t>
+            </a:r>
+            <a:endParaRPr lang="en-US" altLang="zh-CN" sz="1600" dirty="0" smtClean="0"/>
+          </a:p>
+          <a:p>
+            <a:endParaRPr lang="en-US" altLang="zh-CN" sz="1600" dirty="0" smtClean="0"/>
+          </a:p>
+          <a:p>
+            <a:endParaRPr lang="zh-CN" altLang="en-US" sz="1600" dirty="0"/>
+          </a:p>
+        </p:txBody>
+      </p:sp>
+      <p:sp>
+        <p:nvSpPr>
+          <p:cNvPr id="5" name="文本占位符 2"/>
+          <p:cNvSpPr>
+            <a:spLocks noGrp="1"/>
+          </p:cNvSpPr>
+          <p:nvPr>
+            <p:ph type="body" sz="quarter" idx="12"/>
+          </p:nvPr>
+        </p:nvSpPr>
+        <p:spPr>
+          <a:xfrm>
+            <a:off x="1429810" y="1112330"/>
+            <a:ext cx="3321804" cy="392356"/>
+          </a:xfrm>
+        </p:spPr>
+        <p:txBody>
+          <a:bodyPr/>
+          <a:lstStyle/>
+          <a:p>
+            <a:r>
+              <a:rPr lang="zh-CN" altLang="en-US" b="0" dirty="0">
+                <a:solidFill>
+                  <a:srgbClr val="92D050"/>
+                </a:solidFill>
+                <a:latin typeface="Century Schoolbook" panose="02040604050505020304" pitchFamily="18" charset="0"/>
+              </a:rPr>
+              <a:t>对比友商提高核心竞争力</a:t>
+            </a:r>
+            <a:endParaRPr lang="zh-CN" altLang="en-US" b="0" dirty="0">
+              <a:solidFill>
+                <a:srgbClr val="92D050"/>
+              </a:solidFill>
+              <a:latin typeface="Century Schoolbook" panose="02040604050505020304" pitchFamily="18" charset="0"/>
+            </a:endParaRPr>
+          </a:p>
+        </p:txBody>
+      </p:sp>
+      <p:sp>
+        <p:nvSpPr>
+          <p:cNvPr id="6" name="文本占位符 2"/>
+          <p:cNvSpPr>
+            <a:spLocks noGrp="1"/>
+          </p:cNvSpPr>
+          <p:nvPr>
+            <p:ph type="body" sz="quarter" idx="12"/>
+          </p:nvPr>
+        </p:nvSpPr>
+        <p:spPr>
+          <a:xfrm>
+            <a:off x="1429808" y="4358343"/>
+            <a:ext cx="2660499" cy="392356"/>
+          </a:xfrm>
+        </p:spPr>
+        <p:txBody>
+          <a:bodyPr/>
+          <a:lstStyle/>
+          <a:p>
+            <a:r>
+              <a:rPr lang="zh-CN" altLang="en-US" b="0" dirty="0">
+                <a:solidFill>
+                  <a:srgbClr val="92D050"/>
+                </a:solidFill>
+                <a:latin typeface="Century Schoolbook" panose="02040604050505020304" pitchFamily="18" charset="0"/>
+              </a:rPr>
+              <a:t>多</a:t>
+            </a:r>
+            <a:r>
+              <a:rPr lang="zh-CN" altLang="en-US" b="0" dirty="0" smtClean="0">
+                <a:solidFill>
+                  <a:srgbClr val="92D050"/>
+                </a:solidFill>
+                <a:latin typeface="Century Schoolbook" panose="02040604050505020304" pitchFamily="18" charset="0"/>
+              </a:rPr>
+              <a:t>客户端</a:t>
+            </a:r>
+            <a:r>
+              <a:rPr lang="en-US" altLang="zh-CN" b="0" dirty="0" smtClean="0">
+                <a:solidFill>
+                  <a:srgbClr val="92D050"/>
+                </a:solidFill>
+                <a:latin typeface="Century Schoolbook" panose="02040604050505020304" pitchFamily="18" charset="0"/>
+              </a:rPr>
+              <a:t>/</a:t>
+            </a:r>
+            <a:r>
+              <a:rPr lang="zh-CN" altLang="en-US" b="0" dirty="0" smtClean="0">
+                <a:solidFill>
+                  <a:srgbClr val="92D050"/>
+                </a:solidFill>
+                <a:latin typeface="Century Schoolbook" panose="02040604050505020304" pitchFamily="18" charset="0"/>
+              </a:rPr>
+              <a:t>多渠道</a:t>
+            </a:r>
+            <a:endParaRPr lang="zh-CN" altLang="en-US" b="0" dirty="0">
+              <a:solidFill>
+                <a:srgbClr val="92D050"/>
+              </a:solidFill>
+              <a:latin typeface="Century Schoolbook" panose="02040604050505020304" pitchFamily="18" charset="0"/>
+            </a:endParaRPr>
+          </a:p>
+        </p:txBody>
+      </p:sp>
+      <p:sp>
+        <p:nvSpPr>
+          <p:cNvPr id="10" name="文本占位符 2"/>
+          <p:cNvSpPr>
+            <a:spLocks noGrp="1"/>
+          </p:cNvSpPr>
+          <p:nvPr>
+            <p:ph type="body" sz="quarter" idx="12"/>
+          </p:nvPr>
+        </p:nvSpPr>
+        <p:spPr>
+          <a:xfrm>
+            <a:off x="1429809" y="3134577"/>
+            <a:ext cx="2366584" cy="392356"/>
+          </a:xfrm>
+        </p:spPr>
+        <p:txBody>
+          <a:bodyPr/>
+          <a:lstStyle/>
+          <a:p>
+            <a:r>
+              <a:rPr lang="zh-CN" altLang="en-US" b="0" dirty="0">
+                <a:solidFill>
+                  <a:srgbClr val="92D050"/>
+                </a:solidFill>
+                <a:latin typeface="Century Schoolbook" panose="02040604050505020304" pitchFamily="18" charset="0"/>
+              </a:rPr>
+              <a:t>多业务场景支持</a:t>
+            </a:r>
+            <a:endParaRPr lang="zh-CN" altLang="en-US" b="0" dirty="0">
+              <a:solidFill>
+                <a:srgbClr val="92D050"/>
+              </a:solidFill>
+              <a:latin typeface="Century Schoolbook" panose="02040604050505020304" pitchFamily="18" charset="0"/>
+            </a:endParaRPr>
+          </a:p>
+        </p:txBody>
+      </p:sp>
+      <p:sp>
+        <p:nvSpPr>
+          <p:cNvPr id="11" name="文本占位符 3"/>
+          <p:cNvSpPr>
+            <a:spLocks noGrp="1"/>
+          </p:cNvSpPr>
+          <p:nvPr>
+            <p:ph type="body" sz="quarter" idx="13"/>
+          </p:nvPr>
+        </p:nvSpPr>
+        <p:spPr>
+          <a:xfrm>
+            <a:off x="2420261" y="3487369"/>
+            <a:ext cx="9575581" cy="872364"/>
+          </a:xfrm>
+        </p:spPr>
+        <p:txBody>
+          <a:bodyPr/>
+          <a:lstStyle/>
+          <a:p>
+            <a:r>
+              <a:rPr lang="zh-CN" altLang="en-US" sz="1600" dirty="0" smtClean="0"/>
+              <a:t>车万家门店、制造业、餐饮业、美业、旅游业、文化</a:t>
+            </a:r>
+            <a:r>
+              <a:rPr lang="en-US" altLang="zh-CN" sz="1600" dirty="0" smtClean="0"/>
+              <a:t>/</a:t>
+            </a:r>
+            <a:r>
+              <a:rPr lang="zh-CN" altLang="en-US" sz="1600" dirty="0" smtClean="0"/>
+              <a:t>娱乐行业、教育行业、基础服务</a:t>
+            </a:r>
+            <a:r>
+              <a:rPr lang="en-US" altLang="zh-CN" sz="1600" dirty="0" smtClean="0"/>
+              <a:t>/</a:t>
+            </a:r>
+            <a:r>
+              <a:rPr lang="zh-CN" altLang="en-US" sz="1600" dirty="0" smtClean="0"/>
+              <a:t>劳务行业</a:t>
+            </a:r>
+            <a:endParaRPr lang="en-US" altLang="zh-CN" sz="1600" dirty="0" smtClean="0"/>
+          </a:p>
+          <a:p>
+            <a:r>
+              <a:rPr lang="zh-CN" altLang="en-US" sz="1600" dirty="0" smtClean="0"/>
+              <a:t>行业模板</a:t>
+            </a:r>
+            <a:r>
+              <a:rPr lang="en-US" altLang="zh-CN" sz="1600" dirty="0" smtClean="0"/>
+              <a:t>/</a:t>
+            </a:r>
+            <a:r>
+              <a:rPr lang="zh-CN" altLang="en-US" sz="1600" dirty="0" smtClean="0"/>
+              <a:t>代码架构</a:t>
+            </a:r>
+            <a:r>
+              <a:rPr lang="en-US" altLang="zh-CN" sz="1600" dirty="0" smtClean="0"/>
+              <a:t>/</a:t>
+            </a:r>
+            <a:r>
+              <a:rPr lang="zh-CN" altLang="en-US" sz="1600" dirty="0" smtClean="0"/>
+              <a:t>组件化开发</a:t>
+            </a:r>
+            <a:r>
+              <a:rPr lang="en-US" altLang="zh-CN" sz="1600" dirty="0" smtClean="0"/>
+              <a:t>/</a:t>
+            </a:r>
+            <a:r>
+              <a:rPr lang="zh-CN" altLang="en-US" sz="1600" dirty="0" smtClean="0"/>
+              <a:t>集群化部署</a:t>
+            </a:r>
+            <a:endParaRPr lang="zh-CN" altLang="en-US" sz="1600" dirty="0"/>
+          </a:p>
+        </p:txBody>
+      </p:sp>
+      <p:sp>
+        <p:nvSpPr>
+          <p:cNvPr id="8" name="文本占位符 3"/>
+          <p:cNvSpPr>
+            <a:spLocks noGrp="1"/>
+          </p:cNvSpPr>
+          <p:nvPr>
+            <p:ph type="body" sz="quarter" idx="13"/>
+          </p:nvPr>
+        </p:nvSpPr>
+        <p:spPr>
+          <a:xfrm>
+            <a:off x="2420261" y="4856243"/>
+            <a:ext cx="9575581" cy="1756828"/>
+          </a:xfrm>
+        </p:spPr>
+        <p:txBody>
+          <a:bodyPr/>
+          <a:lstStyle/>
+          <a:p>
+            <a:r>
+              <a:rPr lang="zh-CN" altLang="en-US" sz="1600" dirty="0" smtClean="0"/>
+              <a:t>微信商城 </a:t>
+            </a:r>
+            <a:r>
+              <a:rPr lang="en-US" altLang="zh-CN" sz="1600" dirty="0" smtClean="0"/>
+              <a:t>/ </a:t>
+            </a:r>
+            <a:r>
+              <a:rPr lang="zh-CN" altLang="en-US" sz="1600" dirty="0" smtClean="0"/>
+              <a:t>小程序 </a:t>
+            </a:r>
+            <a:r>
+              <a:rPr lang="en-US" altLang="zh-CN" sz="1600" dirty="0" smtClean="0"/>
+              <a:t>/ </a:t>
+            </a:r>
+            <a:r>
+              <a:rPr lang="en-US" altLang="zh-CN" sz="1600" dirty="0" err="1" smtClean="0"/>
+              <a:t>H5</a:t>
+            </a:r>
+            <a:endParaRPr lang="en-US" altLang="zh-CN" sz="1600" dirty="0" smtClean="0"/>
+          </a:p>
+          <a:p>
+            <a:r>
+              <a:rPr lang="zh-CN" altLang="en-US" sz="1600" dirty="0"/>
+              <a:t>支付</a:t>
+            </a:r>
+            <a:r>
+              <a:rPr lang="zh-CN" altLang="en-US" sz="1600" dirty="0" smtClean="0"/>
+              <a:t>宝</a:t>
+            </a:r>
+            <a:endParaRPr lang="en-US" altLang="zh-CN" sz="1600" dirty="0" smtClean="0"/>
+          </a:p>
+          <a:p>
+            <a:r>
+              <a:rPr lang="en-US" altLang="zh-CN" sz="1600" dirty="0" smtClean="0"/>
+              <a:t>Android</a:t>
+            </a:r>
+            <a:r>
+              <a:rPr lang="zh-CN" altLang="en-US" sz="1600" dirty="0" smtClean="0"/>
+              <a:t>客户端 </a:t>
+            </a:r>
+            <a:r>
+              <a:rPr lang="en-US" altLang="zh-CN" sz="1600" dirty="0" smtClean="0"/>
+              <a:t>/ </a:t>
+            </a:r>
+            <a:r>
+              <a:rPr lang="en-US" altLang="zh-CN" sz="1600" dirty="0"/>
+              <a:t>IOS</a:t>
+            </a:r>
+            <a:r>
+              <a:rPr lang="zh-CN" altLang="en-US" sz="1600" dirty="0"/>
+              <a:t>客户端</a:t>
+            </a:r>
+            <a:endParaRPr lang="en-US" altLang="zh-CN" sz="1600" dirty="0" smtClean="0"/>
+          </a:p>
+          <a:p>
+            <a:r>
+              <a:rPr lang="en-US" altLang="zh-CN" sz="1600" dirty="0" smtClean="0"/>
+              <a:t>PC</a:t>
+            </a:r>
+            <a:r>
+              <a:rPr lang="zh-CN" altLang="en-US" sz="1600" dirty="0" smtClean="0"/>
+              <a:t>官网</a:t>
+            </a:r>
+            <a:endParaRPr lang="zh-CN" altLang="en-US" sz="1600" dirty="0"/>
+          </a:p>
+        </p:txBody>
+      </p:sp>
+    </p:spTree>
+    <p:extLst>
+      <p:ext uri="{BB962C8B-B14F-4D97-AF65-F5344CB8AC3E}">
+        <p14:creationId xmlns:p14="http://schemas.microsoft.com/office/powerpoint/2010/main" val="3169414150"/>
+      </p:ext>
+    </p:extLst>
+  </p:cSld>
+  <p:clrMapOvr>
+    <a:masterClrMapping/>
+  </p:clrMapOvr>
+  <p:timing>
+    <p:tnLst>
+      <p:par>
+        <p:cTn id="1" dur="indefinite" restart="never" nodeType="tmRoot"/>
+      </p:par>
+    </p:tnLst>
+  </p:timing>
+</p:sld>
+</file>
+
+<file path=ppt/slides/slide7.xml><?xml version="1.0" encoding="utf-8"?>
+<p:sld xmlns:a="http://schemas.openxmlformats.org/drawingml/2006/main" xmlns:r="http://schemas.openxmlformats.org/officeDocument/2006/relationships" xmlns:p="http://schemas.openxmlformats.org/presentationml/2006/main">
+  <p:cSld>
+    <p:spTree>
+      <p:nvGrpSpPr>
+        <p:cNvPr id="1" name=""/>
+        <p:cNvGrpSpPr/>
+        <p:nvPr/>
+      </p:nvGrpSpPr>
+      <p:grpSpPr>
+        <a:xfrm>
+          <a:off x="0" y="0"/>
+          <a:ext cx="0" cy="0"/>
+          <a:chOff x="0" y="0"/>
+          <a:chExt cx="0" cy="0"/>
+        </a:xfrm>
+      </p:grpSpPr>
+      <p:sp>
+        <p:nvSpPr>
+          <p:cNvPr id="3" name="文本占位符 2"/>
+          <p:cNvSpPr>
+            <a:spLocks noGrp="1"/>
+          </p:cNvSpPr>
+          <p:nvPr>
+            <p:ph type="body" sz="quarter" idx="12"/>
+          </p:nvPr>
+        </p:nvSpPr>
+        <p:spPr>
+          <a:xfrm>
+            <a:off x="1091845" y="449616"/>
+            <a:ext cx="5127886" cy="392356"/>
+          </a:xfrm>
+        </p:spPr>
+        <p:txBody>
+          <a:bodyPr/>
+          <a:lstStyle/>
+          <a:p>
+            <a:r>
+              <a:rPr lang="zh-CN" altLang="en-US" b="0" dirty="0" smtClean="0">
+                <a:solidFill>
+                  <a:srgbClr val="92D050"/>
+                </a:solidFill>
+                <a:latin typeface="Century Schoolbook" panose="02040604050505020304" pitchFamily="18" charset="0"/>
+              </a:rPr>
+              <a:t>技术架构优势与技术能力沉淀</a:t>
+            </a:r>
+            <a:endParaRPr lang="zh-CN" altLang="en-US" b="0" dirty="0">
+              <a:solidFill>
+                <a:srgbClr val="92D050"/>
+              </a:solidFill>
+              <a:latin typeface="Century Schoolbook" panose="02040604050505020304" pitchFamily="18" charset="0"/>
+            </a:endParaRPr>
+          </a:p>
+          <a:p>
+            <a:endParaRPr lang="zh-CN" altLang="en-US" b="0" dirty="0">
+              <a:solidFill>
+                <a:srgbClr val="92D050"/>
+              </a:solidFill>
+              <a:latin typeface="Century Schoolbook" panose="02040604050505020304" pitchFamily="18" charset="0"/>
+            </a:endParaRPr>
+          </a:p>
+        </p:txBody>
+      </p:sp>
+      <p:sp>
+        <p:nvSpPr>
+          <p:cNvPr id="4" name="文本占位符 3"/>
+          <p:cNvSpPr>
+            <a:spLocks noGrp="1"/>
+          </p:cNvSpPr>
+          <p:nvPr>
+            <p:ph type="body" sz="quarter" idx="13"/>
+          </p:nvPr>
+        </p:nvSpPr>
+        <p:spPr>
+          <a:xfrm>
+            <a:off x="2420262" y="1623756"/>
+            <a:ext cx="8617852" cy="1853714"/>
+          </a:xfrm>
+        </p:spPr>
+        <p:txBody>
+          <a:bodyPr/>
+          <a:lstStyle/>
+          <a:p>
+            <a:r>
+              <a:rPr lang="zh-CN" altLang="en-US" sz="1600" dirty="0" smtClean="0"/>
+              <a:t>大型分布式集群</a:t>
+            </a:r>
+            <a:r>
+              <a:rPr lang="en-US" altLang="zh-CN" sz="1600" dirty="0" smtClean="0"/>
+              <a:t>+3</a:t>
+            </a:r>
+            <a:r>
+              <a:rPr lang="zh-CN" altLang="en-US" sz="1600" dirty="0" smtClean="0"/>
+              <a:t>级缓存支撑的业务平台，让我们在技术上对友商处于绝对优势</a:t>
+            </a:r>
+            <a:endParaRPr lang="en-US" altLang="zh-CN" sz="1600" dirty="0" smtClean="0"/>
+          </a:p>
+          <a:p>
+            <a:r>
+              <a:rPr lang="zh-CN" altLang="en-US" sz="1600" dirty="0"/>
+              <a:t>高</a:t>
+            </a:r>
+            <a:r>
+              <a:rPr lang="zh-CN" altLang="en-US" sz="1600" dirty="0" smtClean="0"/>
+              <a:t>可用</a:t>
+            </a:r>
+            <a:r>
+              <a:rPr lang="en-US" altLang="zh-CN" sz="1600" dirty="0" smtClean="0"/>
+              <a:t>API</a:t>
+            </a:r>
+            <a:r>
+              <a:rPr lang="zh-CN" altLang="en-US" sz="1600" dirty="0" smtClean="0"/>
+              <a:t>网关集群</a:t>
+            </a:r>
+            <a:r>
+              <a:rPr lang="en-US" altLang="zh-CN" sz="1600" dirty="0" smtClean="0"/>
+              <a:t>/</a:t>
+            </a:r>
+            <a:r>
+              <a:rPr lang="zh-CN" altLang="en-US" sz="1600" dirty="0" smtClean="0"/>
+              <a:t>分布式定时任务管理能力</a:t>
+            </a:r>
+            <a:r>
+              <a:rPr lang="en-US" altLang="zh-CN" sz="1600" dirty="0" smtClean="0"/>
+              <a:t>/</a:t>
+            </a:r>
+            <a:r>
+              <a:rPr lang="zh-CN" altLang="en-US" sz="1600" dirty="0" smtClean="0"/>
+              <a:t>分布式服务节点路由</a:t>
+            </a:r>
+            <a:endParaRPr lang="en-US" altLang="zh-CN" sz="1600" dirty="0" smtClean="0"/>
+          </a:p>
+          <a:p>
+            <a:r>
+              <a:rPr lang="zh-CN" altLang="en-US" sz="1600" dirty="0"/>
+              <a:t>极</a:t>
+            </a:r>
+            <a:r>
+              <a:rPr lang="zh-CN" altLang="en-US" sz="1600" dirty="0" smtClean="0"/>
+              <a:t>高的系统性能</a:t>
+            </a:r>
+            <a:r>
+              <a:rPr lang="en-US" altLang="zh-CN" sz="1600" dirty="0" smtClean="0"/>
+              <a:t>/</a:t>
+            </a:r>
+            <a:r>
+              <a:rPr lang="zh-CN" altLang="en-US" sz="1600" dirty="0" smtClean="0"/>
+              <a:t>吞吐量峰值：商品浏览</a:t>
+            </a:r>
+            <a:r>
+              <a:rPr lang="en-US" altLang="zh-CN" sz="1600" dirty="0" smtClean="0"/>
+              <a:t>30</a:t>
+            </a:r>
+            <a:r>
+              <a:rPr lang="zh-CN" altLang="en-US" sz="1600" dirty="0" smtClean="0"/>
+              <a:t>万次</a:t>
+            </a:r>
+            <a:r>
+              <a:rPr lang="en-US" altLang="zh-CN" sz="1600" dirty="0" smtClean="0"/>
+              <a:t>/</a:t>
+            </a:r>
+            <a:r>
+              <a:rPr lang="zh-CN" altLang="en-US" sz="1600" dirty="0" smtClean="0"/>
+              <a:t>秒 </a:t>
+            </a:r>
+            <a:r>
+              <a:rPr lang="en-US" altLang="zh-CN" sz="1600" dirty="0" smtClean="0"/>
+              <a:t>&amp;&amp; </a:t>
+            </a:r>
+            <a:r>
+              <a:rPr lang="zh-CN" altLang="en-US" sz="1600" dirty="0" smtClean="0"/>
+              <a:t>商品下单</a:t>
+            </a:r>
+            <a:r>
+              <a:rPr lang="en-US" altLang="zh-CN" sz="1600" dirty="0" smtClean="0"/>
+              <a:t>3</a:t>
+            </a:r>
+            <a:r>
+              <a:rPr lang="zh-CN" altLang="en-US" sz="1600" dirty="0" smtClean="0"/>
+              <a:t>万次</a:t>
+            </a:r>
+            <a:r>
+              <a:rPr lang="en-US" altLang="zh-CN" sz="1600" dirty="0" smtClean="0"/>
+              <a:t>/</a:t>
+            </a:r>
+            <a:r>
+              <a:rPr lang="zh-CN" altLang="en-US" sz="1600" dirty="0" smtClean="0"/>
+              <a:t>秒</a:t>
+            </a:r>
+            <a:endParaRPr lang="en-US" altLang="zh-CN" sz="1600" dirty="0" smtClean="0"/>
+          </a:p>
+          <a:p>
+            <a:r>
+              <a:rPr lang="zh-CN" altLang="en-US" sz="1600" dirty="0" smtClean="0"/>
+              <a:t>细粒度电商业务划分：精细化设计每一个业务细节，高可复用</a:t>
+            </a:r>
+            <a:r>
+              <a:rPr lang="en-US" altLang="zh-CN" sz="1600" dirty="0" smtClean="0"/>
+              <a:t>/</a:t>
+            </a:r>
+            <a:r>
+              <a:rPr lang="zh-CN" altLang="en-US" sz="1600" dirty="0"/>
+              <a:t>组件</a:t>
+            </a:r>
+            <a:r>
+              <a:rPr lang="zh-CN" altLang="en-US" sz="1600" dirty="0" smtClean="0"/>
+              <a:t>化</a:t>
+            </a:r>
+            <a:r>
+              <a:rPr lang="en-US" altLang="zh-CN" sz="1600" dirty="0" smtClean="0"/>
+              <a:t>/</a:t>
+            </a:r>
+            <a:r>
+              <a:rPr lang="zh-CN" altLang="en-US" sz="1600" dirty="0" smtClean="0"/>
+              <a:t>平台无关化</a:t>
+            </a:r>
+            <a:endParaRPr lang="zh-CN" altLang="en-US" sz="1600" dirty="0"/>
+          </a:p>
+        </p:txBody>
+      </p:sp>
+      <p:sp>
+        <p:nvSpPr>
+          <p:cNvPr id="5" name="文本占位符 2"/>
+          <p:cNvSpPr>
+            <a:spLocks noGrp="1"/>
+          </p:cNvSpPr>
+          <p:nvPr>
+            <p:ph type="body" sz="quarter" idx="12"/>
+          </p:nvPr>
+        </p:nvSpPr>
+        <p:spPr>
+          <a:xfrm>
+            <a:off x="1429810" y="1112330"/>
+            <a:ext cx="3321804" cy="392356"/>
+          </a:xfrm>
+        </p:spPr>
+        <p:txBody>
+          <a:bodyPr/>
+          <a:lstStyle/>
+          <a:p>
+            <a:r>
+              <a:rPr lang="zh-CN" altLang="en-US" b="0" dirty="0" smtClean="0">
+                <a:solidFill>
+                  <a:srgbClr val="92D050"/>
+                </a:solidFill>
+                <a:latin typeface="Century Schoolbook" panose="02040604050505020304" pitchFamily="18" charset="0"/>
+              </a:rPr>
+              <a:t>技术架构优势</a:t>
+            </a:r>
+            <a:endParaRPr lang="zh-CN" altLang="en-US" b="0" dirty="0">
+              <a:solidFill>
+                <a:srgbClr val="92D050"/>
+              </a:solidFill>
+              <a:latin typeface="Century Schoolbook" panose="02040604050505020304" pitchFamily="18" charset="0"/>
+            </a:endParaRPr>
+          </a:p>
+        </p:txBody>
+      </p:sp>
+      <p:sp>
+        <p:nvSpPr>
+          <p:cNvPr id="10" name="文本占位符 2"/>
+          <p:cNvSpPr>
+            <a:spLocks noGrp="1"/>
+          </p:cNvSpPr>
+          <p:nvPr>
+            <p:ph type="body" sz="quarter" idx="12"/>
+          </p:nvPr>
+        </p:nvSpPr>
+        <p:spPr>
+          <a:xfrm>
+            <a:off x="1429809" y="3485639"/>
+            <a:ext cx="2366584" cy="392356"/>
+          </a:xfrm>
+        </p:spPr>
+        <p:txBody>
+          <a:bodyPr/>
+          <a:lstStyle/>
+          <a:p>
+            <a:r>
+              <a:rPr lang="zh-CN" altLang="en-US" b="0" dirty="0" smtClean="0">
+                <a:solidFill>
+                  <a:srgbClr val="92D050"/>
+                </a:solidFill>
+                <a:latin typeface="Century Schoolbook" panose="02040604050505020304" pitchFamily="18" charset="0"/>
+              </a:rPr>
+              <a:t>技术能力沉淀</a:t>
+            </a:r>
+            <a:endParaRPr lang="zh-CN" altLang="en-US" b="0" dirty="0">
+              <a:solidFill>
+                <a:srgbClr val="92D050"/>
+              </a:solidFill>
+              <a:latin typeface="Century Schoolbook" panose="02040604050505020304" pitchFamily="18" charset="0"/>
+            </a:endParaRPr>
+          </a:p>
+        </p:txBody>
+      </p:sp>
+      <p:sp>
+        <p:nvSpPr>
+          <p:cNvPr id="11" name="文本占位符 3"/>
+          <p:cNvSpPr>
+            <a:spLocks noGrp="1"/>
+          </p:cNvSpPr>
+          <p:nvPr>
+            <p:ph type="body" sz="quarter" idx="13"/>
+          </p:nvPr>
+        </p:nvSpPr>
+        <p:spPr>
+          <a:xfrm>
+            <a:off x="2420261" y="3838430"/>
+            <a:ext cx="8715825" cy="2766477"/>
+          </a:xfrm>
+        </p:spPr>
+        <p:txBody>
+          <a:bodyPr/>
+          <a:lstStyle/>
+          <a:p>
+            <a:r>
+              <a:rPr lang="zh-CN" altLang="en-US" sz="1600" dirty="0" smtClean="0"/>
+              <a:t>有公共电商行为的网关</a:t>
+            </a:r>
+            <a:r>
+              <a:rPr lang="en-US" altLang="zh-CN" sz="1600" dirty="0" smtClean="0"/>
+              <a:t>API</a:t>
+            </a:r>
+            <a:r>
+              <a:rPr lang="zh-CN" altLang="en-US" sz="1600" dirty="0" smtClean="0"/>
+              <a:t>接口</a:t>
+            </a:r>
+            <a:endParaRPr lang="en-US" altLang="zh-CN" sz="1600" dirty="0" smtClean="0"/>
+          </a:p>
+          <a:p>
+            <a:r>
+              <a:rPr lang="zh-CN" altLang="en-US" sz="1600" dirty="0" smtClean="0"/>
+              <a:t>分布式定时任务</a:t>
+            </a:r>
+            <a:endParaRPr lang="en-US" altLang="zh-CN" sz="1600" dirty="0" smtClean="0"/>
+          </a:p>
+          <a:p>
+            <a:r>
+              <a:rPr lang="zh-CN" altLang="en-US" sz="1600" dirty="0" smtClean="0"/>
+              <a:t>多级缓存结构设计图</a:t>
+            </a:r>
+            <a:endParaRPr lang="en-US" altLang="zh-CN" sz="1600" dirty="0" smtClean="0"/>
+          </a:p>
+          <a:p>
+            <a:r>
+              <a:rPr lang="zh-CN" altLang="en-US" sz="1600" dirty="0" smtClean="0"/>
+              <a:t>平台设计思想</a:t>
+            </a:r>
+            <a:endParaRPr lang="en-US" altLang="zh-CN" sz="1600" dirty="0" smtClean="0"/>
+          </a:p>
+          <a:p>
+            <a:r>
+              <a:rPr lang="zh-CN" altLang="en-US" sz="1600" dirty="0"/>
+              <a:t>专家</a:t>
+            </a:r>
+            <a:r>
+              <a:rPr lang="zh-CN" altLang="en-US" sz="1600" dirty="0" smtClean="0"/>
+              <a:t>组成员</a:t>
+            </a:r>
+            <a:endParaRPr lang="en-US" altLang="zh-CN" sz="1600" dirty="0" smtClean="0"/>
+          </a:p>
+          <a:p>
+            <a:r>
+              <a:rPr lang="zh-CN" altLang="en-US" sz="1600" dirty="0" smtClean="0"/>
+              <a:t>技术能力培训、分享</a:t>
+            </a:r>
+            <a:endParaRPr lang="zh-CN" altLang="en-US" sz="1600" dirty="0"/>
+          </a:p>
+        </p:txBody>
+      </p:sp>
+    </p:spTree>
+    <p:extLst>
+      <p:ext uri="{BB962C8B-B14F-4D97-AF65-F5344CB8AC3E}">
+        <p14:creationId xmlns:p14="http://schemas.microsoft.com/office/powerpoint/2010/main" val="3116827993"/>
+      </p:ext>
+    </p:extLst>
+  </p:cSld>
+  <p:clrMapOvr>
+    <a:masterClrMapping/>
+  </p:clrMapOvr>
+  <p:timing>
+    <p:tnLst>
+      <p:par>
+        <p:cTn id="1" dur="indefinite" restart="never" nodeType="tmRoot"/>
+      </p:par>
+    </p:tnLst>
+  </p:timing>
+</p:sld>
+</file>
+
+<file path=ppt/slides/slide8.xml><?xml version="1.0" encoding="utf-8"?>
+<p:sld xmlns:a="http://schemas.openxmlformats.org/drawingml/2006/main" xmlns:r="http://schemas.openxmlformats.org/officeDocument/2006/relationships" xmlns:p="http://schemas.openxmlformats.org/presentationml/2006/main">
+  <p:cSld>
+    <p:spTree>
+      <p:nvGrpSpPr>
+        <p:cNvPr id="1" name=""/>
+        <p:cNvGrpSpPr/>
+        <p:nvPr/>
+      </p:nvGrpSpPr>
+      <p:grpSpPr>
+        <a:xfrm>
+          <a:off x="0" y="0"/>
+          <a:ext cx="0" cy="0"/>
+          <a:chOff x="0" y="0"/>
+          <a:chExt cx="0" cy="0"/>
+        </a:xfrm>
+      </p:grpSpPr>
+      <p:sp>
+        <p:nvSpPr>
+          <p:cNvPr id="3" name="文本占位符 2"/>
+          <p:cNvSpPr>
+            <a:spLocks noGrp="1"/>
+          </p:cNvSpPr>
+          <p:nvPr>
+            <p:ph type="body" sz="quarter" idx="12"/>
+          </p:nvPr>
+        </p:nvSpPr>
+        <p:spPr>
+          <a:xfrm>
             <a:off x="1101370" y="401991"/>
             <a:ext cx="2236788" cy="419100"/>
           </a:xfrm>
@@ -11162,7 +13416,7 @@
           <p:nvPr>
             <p:extLst>
               <p:ext uri="{D42A27DB-BD31-4B8C-83A1-F6EECF244321}">
-                <p14:modId xmlns:p14="http://schemas.microsoft.com/office/powerpoint/2010/main" val="380849931"/>
+                <p14:modId xmlns:p14="http://schemas.microsoft.com/office/powerpoint/2010/main" val="4116951436"/>
               </p:ext>
             </p:extLst>
           </p:nvPr>
@@ -11396,8 +13650,16 @@
                     <a:lstStyle/>
                     <a:p>
                       <a:r>
-                        <a:rPr lang="zh-CN" altLang="en-US" sz="1400" smtClean="0"/>
-                        <a:t>不断优化、改进只能运营系统，将其职能融入到其他电商平台中。</a:t>
+                        <a:rPr lang="zh-CN" altLang="en-US" sz="1400" dirty="0" smtClean="0"/>
+                        <a:t>不断优化、</a:t>
+                      </a:r>
+                      <a:r>
+                        <a:rPr lang="zh-CN" altLang="en-US" sz="1400" dirty="0" smtClean="0"/>
+                        <a:t>改进智能运营</a:t>
+                      </a:r>
+                      <a:r>
+                        <a:rPr lang="zh-CN" altLang="en-US" sz="1400" dirty="0" smtClean="0"/>
+                        <a:t>系统，将其职能融入到其他电商平台中。</a:t>
                       </a:r>
                       <a:endParaRPr lang="zh-CN" altLang="en-US" sz="1400" dirty="0" smtClean="0">
                         <a:solidFill>
@@ -11716,7 +13978,7 @@
 </p:sld>
 </file>
 
-<file path=ppt/slides/slide6.xml><?xml version="1.0" encoding="utf-8"?>
+<file path=ppt/slides/slide9.xml><?xml version="1.0" encoding="utf-8"?>
 <p:sld xmlns:a="http://schemas.openxmlformats.org/drawingml/2006/main" xmlns:r="http://schemas.openxmlformats.org/officeDocument/2006/relationships" xmlns:p="http://schemas.openxmlformats.org/presentationml/2006/main">
   <p:cSld>
     <p:spTree>
@@ -12002,525 +14264,6 @@
     <p:extLst>
       <p:ext uri="{BB962C8B-B14F-4D97-AF65-F5344CB8AC3E}">
         <p14:creationId xmlns:p14="http://schemas.microsoft.com/office/powerpoint/2010/main" val="2452757896"/>
-      </p:ext>
-    </p:extLst>
-  </p:cSld>
-  <p:clrMapOvr>
-    <a:masterClrMapping/>
-  </p:clrMapOvr>
-  <p:timing>
-    <p:tnLst>
-      <p:par>
-        <p:cTn id="1" dur="indefinite" restart="never" nodeType="tmRoot"/>
-      </p:par>
-    </p:tnLst>
-  </p:timing>
-</p:sld>
-</file>
-
-<file path=ppt/slides/slide7.xml><?xml version="1.0" encoding="utf-8"?>
-<p:sld xmlns:a="http://schemas.openxmlformats.org/drawingml/2006/main" xmlns:r="http://schemas.openxmlformats.org/officeDocument/2006/relationships" xmlns:p="http://schemas.openxmlformats.org/presentationml/2006/main">
-  <p:cSld>
-    <p:spTree>
-      <p:nvGrpSpPr>
-        <p:cNvPr id="1" name=""/>
-        <p:cNvGrpSpPr/>
-        <p:nvPr/>
-      </p:nvGrpSpPr>
-      <p:grpSpPr>
-        <a:xfrm>
-          <a:off x="0" y="0"/>
-          <a:ext cx="0" cy="0"/>
-          <a:chOff x="0" y="0"/>
-          <a:chExt cx="0" cy="0"/>
-        </a:xfrm>
-      </p:grpSpPr>
-      <p:sp>
-        <p:nvSpPr>
-          <p:cNvPr id="3" name="文本占位符 2"/>
-          <p:cNvSpPr>
-            <a:spLocks noGrp="1"/>
-          </p:cNvSpPr>
-          <p:nvPr>
-            <p:ph type="body" sz="quarter" idx="12"/>
-          </p:nvPr>
-        </p:nvSpPr>
-        <p:spPr>
-          <a:xfrm>
-            <a:off x="1101369" y="497241"/>
-            <a:ext cx="3061055" cy="369534"/>
-          </a:xfrm>
-        </p:spPr>
-        <p:txBody>
-          <a:bodyPr/>
-          <a:lstStyle/>
-          <a:p>
-            <a:r>
-              <a:rPr lang="en-US" altLang="zh-CN" b="0" dirty="0" smtClean="0">
-                <a:solidFill>
-                  <a:srgbClr val="92D050"/>
-                </a:solidFill>
-                <a:latin typeface="Century Schoolbook" panose="02040604050505020304" pitchFamily="18" charset="0"/>
-              </a:rPr>
-              <a:t>5</a:t>
-            </a:r>
-            <a:r>
-              <a:rPr lang="zh-CN" altLang="en-US" b="0" dirty="0" smtClean="0">
-                <a:solidFill>
-                  <a:srgbClr val="92D050"/>
-                </a:solidFill>
-                <a:latin typeface="Century Schoolbook" panose="02040604050505020304" pitchFamily="18" charset="0"/>
-              </a:rPr>
-              <a:t>、部门协同与服务提供</a:t>
-            </a:r>
-            <a:endParaRPr lang="zh-CN" altLang="en-US" b="0" dirty="0">
-              <a:solidFill>
-                <a:srgbClr val="92D050"/>
-              </a:solidFill>
-              <a:latin typeface="Century Schoolbook" panose="02040604050505020304" pitchFamily="18" charset="0"/>
-            </a:endParaRPr>
-          </a:p>
-        </p:txBody>
-      </p:sp>
-      <p:sp>
-        <p:nvSpPr>
-          <p:cNvPr id="5" name="文本占位符 3"/>
-          <p:cNvSpPr>
-            <a:spLocks noGrp="1"/>
-          </p:cNvSpPr>
-          <p:nvPr>
-            <p:ph type="body" sz="quarter" idx="13"/>
-          </p:nvPr>
-        </p:nvSpPr>
-        <p:spPr>
-          <a:xfrm>
-            <a:off x="1279526" y="1490135"/>
-            <a:ext cx="8845550" cy="3634315"/>
-          </a:xfrm>
-        </p:spPr>
-        <p:txBody>
-          <a:bodyPr/>
-          <a:lstStyle/>
-          <a:p>
-            <a:r>
-              <a:rPr lang="en-US" altLang="zh-CN" sz="2400" dirty="0">
-                <a:solidFill>
-                  <a:srgbClr val="92D050"/>
-                </a:solidFill>
-              </a:rPr>
-              <a:t>1</a:t>
-            </a:r>
-            <a:r>
-              <a:rPr lang="zh-CN" altLang="en-US" sz="2400" dirty="0" smtClean="0">
-                <a:solidFill>
-                  <a:srgbClr val="92D050"/>
-                </a:solidFill>
-              </a:rPr>
-              <a:t>、运维部门</a:t>
-            </a:r>
-            <a:r>
-              <a:rPr lang="en-US" altLang="zh-CN" sz="2400" dirty="0" smtClean="0">
-                <a:solidFill>
-                  <a:srgbClr val="92D050"/>
-                </a:solidFill>
-              </a:rPr>
-              <a:t>(</a:t>
-            </a:r>
-            <a:r>
-              <a:rPr lang="zh-CN" altLang="en-US" sz="2400" dirty="0" smtClean="0">
-                <a:solidFill>
-                  <a:srgbClr val="92D050"/>
-                </a:solidFill>
-              </a:rPr>
-              <a:t>沈总</a:t>
-            </a:r>
-            <a:r>
-              <a:rPr lang="en-US" altLang="zh-CN" sz="2400" dirty="0" smtClean="0">
-                <a:solidFill>
-                  <a:srgbClr val="92D050"/>
-                </a:solidFill>
-              </a:rPr>
-              <a:t>)</a:t>
-            </a:r>
-            <a:r>
-              <a:rPr lang="zh-CN" altLang="en-US" sz="2400" dirty="0" smtClean="0">
-                <a:solidFill>
-                  <a:srgbClr val="92D050"/>
-                </a:solidFill>
-              </a:rPr>
-              <a:t>：</a:t>
-            </a:r>
-            <a:r>
-              <a:rPr lang="en-US" altLang="zh-CN" sz="2400" dirty="0" err="1" smtClean="0">
-                <a:solidFill>
-                  <a:srgbClr val="92D050"/>
-                </a:solidFill>
-              </a:rPr>
-              <a:t>Mycat</a:t>
-            </a:r>
-            <a:r>
-              <a:rPr lang="zh-CN" altLang="en-US" sz="2400" dirty="0" smtClean="0">
-                <a:solidFill>
-                  <a:srgbClr val="92D050"/>
-                </a:solidFill>
-              </a:rPr>
-              <a:t>、</a:t>
-            </a:r>
-            <a:r>
-              <a:rPr lang="en-US" altLang="zh-CN" sz="2400" dirty="0" err="1" smtClean="0">
-                <a:solidFill>
-                  <a:srgbClr val="92D050"/>
-                </a:solidFill>
-              </a:rPr>
-              <a:t>RockMq</a:t>
-            </a:r>
-            <a:r>
-              <a:rPr lang="zh-CN" altLang="en-US" sz="2400" dirty="0" smtClean="0">
-                <a:solidFill>
-                  <a:srgbClr val="92D050"/>
-                </a:solidFill>
-              </a:rPr>
-              <a:t>等中间件以及</a:t>
-            </a:r>
-            <a:r>
-              <a:rPr lang="en-US" altLang="zh-CN" sz="2400" dirty="0" err="1" smtClean="0">
-                <a:solidFill>
-                  <a:srgbClr val="92D050"/>
-                </a:solidFill>
-              </a:rPr>
-              <a:t>CICD</a:t>
-            </a:r>
-            <a:r>
-              <a:rPr lang="zh-CN" altLang="en-US" sz="2400" dirty="0" smtClean="0">
-                <a:solidFill>
-                  <a:srgbClr val="92D050"/>
-                </a:solidFill>
-              </a:rPr>
-              <a:t>能力</a:t>
-            </a:r>
-            <a:endParaRPr lang="en-US" altLang="zh-CN" sz="2400" dirty="0" smtClean="0">
-              <a:solidFill>
-                <a:srgbClr val="92D050"/>
-              </a:solidFill>
-            </a:endParaRPr>
-          </a:p>
-          <a:p>
-            <a:pPr marL="0" indent="0">
-              <a:buNone/>
-            </a:pPr>
-            <a:endParaRPr lang="en-US" altLang="zh-CN" sz="2400" dirty="0" smtClean="0">
-              <a:solidFill>
-                <a:srgbClr val="92D050"/>
-              </a:solidFill>
-            </a:endParaRPr>
-          </a:p>
-          <a:p>
-            <a:r>
-              <a:rPr lang="en-US" altLang="zh-CN" sz="2400" dirty="0" smtClean="0">
-                <a:solidFill>
-                  <a:srgbClr val="92D050"/>
-                </a:solidFill>
-              </a:rPr>
-              <a:t>2</a:t>
-            </a:r>
-            <a:r>
-              <a:rPr lang="zh-CN" altLang="en-US" sz="2400" dirty="0" smtClean="0">
-                <a:solidFill>
-                  <a:srgbClr val="92D050"/>
-                </a:solidFill>
-              </a:rPr>
-              <a:t>、</a:t>
-            </a:r>
-            <a:r>
-              <a:rPr lang="en-US" altLang="zh-CN" sz="2400" dirty="0" smtClean="0">
-                <a:solidFill>
-                  <a:srgbClr val="92D050"/>
-                </a:solidFill>
-              </a:rPr>
-              <a:t>Boss</a:t>
-            </a:r>
-            <a:r>
-              <a:rPr lang="zh-CN" altLang="en-US" sz="2400" dirty="0" smtClean="0">
-                <a:solidFill>
-                  <a:srgbClr val="92D050"/>
-                </a:solidFill>
-              </a:rPr>
-              <a:t>系统</a:t>
-            </a:r>
-            <a:r>
-              <a:rPr lang="en-US" altLang="zh-CN" sz="2400" dirty="0" smtClean="0">
-                <a:solidFill>
-                  <a:srgbClr val="92D050"/>
-                </a:solidFill>
-              </a:rPr>
-              <a:t>(</a:t>
-            </a:r>
-            <a:r>
-              <a:rPr lang="zh-CN" altLang="en-US" sz="2400" dirty="0" smtClean="0">
-                <a:solidFill>
-                  <a:srgbClr val="92D050"/>
-                </a:solidFill>
-              </a:rPr>
-              <a:t>毛总</a:t>
-            </a:r>
-            <a:r>
-              <a:rPr lang="en-US" altLang="zh-CN" sz="2400" dirty="0" smtClean="0">
-                <a:solidFill>
-                  <a:srgbClr val="92D050"/>
-                </a:solidFill>
-              </a:rPr>
-              <a:t>)</a:t>
-            </a:r>
-            <a:r>
-              <a:rPr lang="zh-CN" altLang="en-US" sz="2400" dirty="0" smtClean="0">
-                <a:solidFill>
-                  <a:srgbClr val="92D050"/>
-                </a:solidFill>
-              </a:rPr>
-              <a:t>：运营与下单处理</a:t>
-            </a:r>
-            <a:endParaRPr lang="en-US" altLang="zh-CN" sz="2400" dirty="0" smtClean="0">
-              <a:solidFill>
-                <a:srgbClr val="92D050"/>
-              </a:solidFill>
-            </a:endParaRPr>
-          </a:p>
-          <a:p>
-            <a:pPr marL="0" indent="0">
-              <a:buNone/>
-            </a:pPr>
-            <a:endParaRPr lang="en-US" altLang="zh-CN" sz="2400" dirty="0" smtClean="0">
-              <a:solidFill>
-                <a:srgbClr val="92D050"/>
-              </a:solidFill>
-            </a:endParaRPr>
-          </a:p>
-          <a:p>
-            <a:r>
-              <a:rPr lang="en-US" altLang="zh-CN" sz="2400" dirty="0" smtClean="0">
-                <a:solidFill>
-                  <a:srgbClr val="92D050"/>
-                </a:solidFill>
-              </a:rPr>
-              <a:t>3</a:t>
-            </a:r>
-            <a:r>
-              <a:rPr lang="zh-CN" altLang="en-US" sz="2400" dirty="0" smtClean="0">
-                <a:solidFill>
-                  <a:srgbClr val="92D050"/>
-                </a:solidFill>
-              </a:rPr>
-              <a:t>、电商中台能力：提供矩阵网关集群服务能力</a:t>
-            </a:r>
-            <a:r>
-              <a:rPr lang="en-US" altLang="zh-CN" sz="2400" dirty="0" smtClean="0">
-                <a:solidFill>
-                  <a:srgbClr val="92D050"/>
-                </a:solidFill>
-              </a:rPr>
-              <a:t>(Https-API)</a:t>
-            </a:r>
-          </a:p>
-          <a:p>
-            <a:pPr marL="0" indent="0">
-              <a:buNone/>
-            </a:pPr>
-            <a:endParaRPr lang="en-US" altLang="zh-CN" sz="2400" dirty="0" smtClean="0">
-              <a:solidFill>
-                <a:srgbClr val="92D050"/>
-              </a:solidFill>
-            </a:endParaRPr>
-          </a:p>
-          <a:p>
-            <a:r>
-              <a:rPr lang="en-US" altLang="zh-CN" sz="2400" dirty="0" smtClean="0">
-                <a:solidFill>
-                  <a:srgbClr val="92D050"/>
-                </a:solidFill>
-              </a:rPr>
-              <a:t>4</a:t>
-            </a:r>
-            <a:r>
-              <a:rPr lang="zh-CN" altLang="en-US" sz="2400" dirty="0" smtClean="0">
-                <a:solidFill>
-                  <a:srgbClr val="92D050"/>
-                </a:solidFill>
-              </a:rPr>
-              <a:t>、支持私有化部署能力</a:t>
-            </a:r>
-            <a:endParaRPr lang="en-US" altLang="zh-CN" sz="2400" dirty="0" smtClean="0">
-              <a:solidFill>
-                <a:srgbClr val="92D050"/>
-              </a:solidFill>
-            </a:endParaRPr>
-          </a:p>
-        </p:txBody>
-      </p:sp>
-    </p:spTree>
-    <p:extLst>
-      <p:ext uri="{BB962C8B-B14F-4D97-AF65-F5344CB8AC3E}">
-        <p14:creationId xmlns:p14="http://schemas.microsoft.com/office/powerpoint/2010/main" val="1512451251"/>
-      </p:ext>
-    </p:extLst>
-  </p:cSld>
-  <p:clrMapOvr>
-    <a:masterClrMapping/>
-  </p:clrMapOvr>
-  <p:timing>
-    <p:tnLst>
-      <p:par>
-        <p:cTn id="1" dur="indefinite" restart="never" nodeType="tmRoot"/>
-      </p:par>
-    </p:tnLst>
-  </p:timing>
-</p:sld>
-</file>
-
-<file path=ppt/slides/slide8.xml><?xml version="1.0" encoding="utf-8"?>
-<p:sld xmlns:a="http://schemas.openxmlformats.org/drawingml/2006/main" xmlns:r="http://schemas.openxmlformats.org/officeDocument/2006/relationships" xmlns:p="http://schemas.openxmlformats.org/presentationml/2006/main">
-  <p:cSld>
-    <p:spTree>
-      <p:nvGrpSpPr>
-        <p:cNvPr id="1" name=""/>
-        <p:cNvGrpSpPr/>
-        <p:nvPr/>
-      </p:nvGrpSpPr>
-      <p:grpSpPr>
-        <a:xfrm>
-          <a:off x="0" y="0"/>
-          <a:ext cx="0" cy="0"/>
-          <a:chOff x="0" y="0"/>
-          <a:chExt cx="0" cy="0"/>
-        </a:xfrm>
-      </p:grpSpPr>
-      <p:pic>
-        <p:nvPicPr>
-          <p:cNvPr id="4" name="图片 3">
-            <a:extLst>
-              <a:ext uri="{FF2B5EF4-FFF2-40B4-BE49-F238E27FC236}">
-                <a16:creationId xmlns:a16="http://schemas.microsoft.com/office/drawing/2014/main" xmlns="" id="{539E9A19-E764-4C57-A32C-8C5B93CDBD67}"/>
-              </a:ext>
-            </a:extLst>
-          </p:cNvPr>
-          <p:cNvPicPr>
-            <a:picLocks noChangeAspect="1"/>
-          </p:cNvPicPr>
-          <p:nvPr/>
-        </p:nvPicPr>
-        <p:blipFill>
-          <a:blip r:embed="rId2">
-            <a:extLst>
-              <a:ext uri="{28A0092B-C50C-407E-A947-70E740481C1C}">
-                <a14:useLocalDpi xmlns:a14="http://schemas.microsoft.com/office/drawing/2010/main" val="0"/>
-              </a:ext>
-            </a:extLst>
-          </a:blip>
-          <a:stretch>
-            <a:fillRect/>
-          </a:stretch>
-        </p:blipFill>
-        <p:spPr>
-          <a:xfrm>
-            <a:off x="0" y="4139"/>
-            <a:ext cx="12192000" cy="6853861"/>
-          </a:xfrm>
-          <a:prstGeom prst="rect">
-            <a:avLst/>
-          </a:prstGeom>
-        </p:spPr>
-      </p:pic>
-      <p:pic>
-        <p:nvPicPr>
-          <p:cNvPr id="12" name="图片 11">
-            <a:extLst>
-              <a:ext uri="{FF2B5EF4-FFF2-40B4-BE49-F238E27FC236}">
-                <a16:creationId xmlns:a16="http://schemas.microsoft.com/office/drawing/2014/main" xmlns="" id="{3FB7AB57-3B51-4DC1-B38E-49095123550F}"/>
-              </a:ext>
-            </a:extLst>
-          </p:cNvPr>
-          <p:cNvPicPr>
-            <a:picLocks noChangeAspect="1"/>
-          </p:cNvPicPr>
-          <p:nvPr/>
-        </p:nvPicPr>
-        <p:blipFill>
-          <a:blip r:embed="rId3" cstate="print">
-            <a:biLevel thresh="25000"/>
-            <a:extLst>
-              <a:ext uri="{28A0092B-C50C-407E-A947-70E740481C1C}">
-                <a14:useLocalDpi xmlns:a14="http://schemas.microsoft.com/office/drawing/2010/main" val="0"/>
-              </a:ext>
-            </a:extLst>
-          </a:blip>
-          <a:stretch>
-            <a:fillRect/>
-          </a:stretch>
-        </p:blipFill>
-        <p:spPr>
-          <a:xfrm>
-            <a:off x="5722084" y="52359"/>
-            <a:ext cx="734349" cy="736162"/>
-          </a:xfrm>
-          <a:prstGeom prst="rect">
-            <a:avLst/>
-          </a:prstGeom>
-        </p:spPr>
-      </p:pic>
-      <p:sp>
-        <p:nvSpPr>
-          <p:cNvPr id="7" name="文本框 6">
-            <a:extLst>
-              <a:ext uri="{FF2B5EF4-FFF2-40B4-BE49-F238E27FC236}">
-                <a16:creationId xmlns:a16="http://schemas.microsoft.com/office/drawing/2014/main" xmlns="" id="{571E9C28-A33E-4F62-82A5-E5D95985049D}"/>
-              </a:ext>
-            </a:extLst>
-          </p:cNvPr>
-          <p:cNvSpPr txBox="1"/>
-          <p:nvPr/>
-        </p:nvSpPr>
-        <p:spPr>
-          <a:xfrm>
-            <a:off x="659167" y="2472804"/>
-            <a:ext cx="11264623" cy="1200329"/>
-          </a:xfrm>
-          <a:prstGeom prst="rect">
-            <a:avLst/>
-          </a:prstGeom>
-          <a:noFill/>
-        </p:spPr>
-        <p:txBody>
-          <a:bodyPr wrap="none" rtlCol="0">
-            <a:spAutoFit/>
-          </a:bodyPr>
-          <a:lstStyle/>
-          <a:p>
-            <a:pPr algn="ctr"/>
-            <a:r>
-              <a:rPr kumimoji="1" lang="zh-CN" altLang="en-US" sz="7200" dirty="0" smtClean="0">
-                <a:solidFill>
-                  <a:srgbClr val="92D050"/>
-                </a:solidFill>
-                <a:latin typeface="Microsoft YaHei" charset="-122"/>
-                <a:ea typeface="Microsoft YaHei" charset="-122"/>
-                <a:cs typeface="Microsoft YaHei" charset="-122"/>
-              </a:rPr>
-              <a:t>谢谢您的聆听，汇报完毕！</a:t>
-            </a:r>
-            <a:endParaRPr kumimoji="1" lang="zh-CN" altLang="en-US" sz="7200" dirty="0">
-              <a:solidFill>
-                <a:srgbClr val="92D050"/>
-              </a:solidFill>
-              <a:latin typeface="Microsoft YaHei" charset="-122"/>
-              <a:ea typeface="Microsoft YaHei" charset="-122"/>
-              <a:cs typeface="Microsoft YaHei" charset="-122"/>
-            </a:endParaRPr>
-          </a:p>
-        </p:txBody>
-      </p:sp>
-    </p:spTree>
-    <p:extLst>
-      <p:ext uri="{BB962C8B-B14F-4D97-AF65-F5344CB8AC3E}">
-        <p14:creationId xmlns:p14="http://schemas.microsoft.com/office/powerpoint/2010/main" val="1260156656"/>
       </p:ext>
     </p:extLst>
   </p:cSld>

--- a/中企动力/2019年电商中台发展规划 - 杨成琳.pptx
+++ b/中企动力/2019年电商中台发展规划 - 杨成琳.pptx
@@ -909,13 +909,13 @@
         <a:p>
           <a:pPr algn="ctr"/>
           <a:r>
-            <a:rPr lang="zh-CN" altLang="en-US" sz="1400" dirty="0" smtClean="0">
+            <a:rPr lang="en-US" altLang="zh-CN" sz="1400" dirty="0" err="1" smtClean="0">
               <a:solidFill>
                 <a:schemeClr val="tx1"/>
               </a:solidFill>
               <a:latin typeface="Century Schoolbook" panose="02040604050505020304" pitchFamily="18" charset="0"/>
             </a:rPr>
-            <a:t>电商中台</a:t>
+            <a:t>OMO</a:t>
           </a:r>
           <a:endParaRPr lang="en-US" altLang="zh-CN" sz="1400" dirty="0" smtClean="0">
             <a:solidFill>
@@ -933,7 +933,16 @@
               </a:solidFill>
               <a:latin typeface="Century Schoolbook" panose="02040604050505020304" pitchFamily="18" charset="0"/>
             </a:rPr>
-            <a:t>负责人：杨成琳</a:t>
+            <a:t>负责人</a:t>
+          </a:r>
+          <a:r>
+            <a:rPr lang="zh-CN" altLang="en-US" sz="1400" dirty="0" smtClean="0">
+              <a:solidFill>
+                <a:schemeClr val="tx1"/>
+              </a:solidFill>
+              <a:latin typeface="Century Schoolbook" panose="02040604050505020304" pitchFamily="18" charset="0"/>
+            </a:rPr>
+            <a:t>：杨成琳</a:t>
           </a:r>
           <a:endParaRPr lang="zh-CN" altLang="en-US" sz="1400" dirty="0">
             <a:solidFill>
@@ -2642,13 +2651,13 @@
             </a:spcAft>
           </a:pPr>
           <a:r>
-            <a:rPr lang="zh-CN" altLang="en-US" sz="1400" kern="1200" dirty="0" smtClean="0">
+            <a:rPr lang="en-US" altLang="zh-CN" sz="1400" kern="1200" dirty="0" err="1" smtClean="0">
               <a:solidFill>
                 <a:schemeClr val="tx1"/>
               </a:solidFill>
               <a:latin typeface="Century Schoolbook" panose="02040604050505020304" pitchFamily="18" charset="0"/>
             </a:rPr>
-            <a:t>电商中台</a:t>
+            <a:t>OMO</a:t>
           </a:r>
           <a:endParaRPr lang="en-US" altLang="zh-CN" sz="1400" kern="1200" dirty="0" smtClean="0">
             <a:solidFill>
@@ -2676,7 +2685,16 @@
               </a:solidFill>
               <a:latin typeface="Century Schoolbook" panose="02040604050505020304" pitchFamily="18" charset="0"/>
             </a:rPr>
-            <a:t>负责人：杨成琳</a:t>
+            <a:t>负责人</a:t>
+          </a:r>
+          <a:r>
+            <a:rPr lang="zh-CN" altLang="en-US" sz="1400" kern="1200" dirty="0" smtClean="0">
+              <a:solidFill>
+                <a:schemeClr val="tx1"/>
+              </a:solidFill>
+              <a:latin typeface="Century Schoolbook" panose="02040604050505020304" pitchFamily="18" charset="0"/>
+            </a:rPr>
+            <a:t>：杨成琳</a:t>
           </a:r>
           <a:endParaRPr lang="zh-CN" altLang="en-US" sz="1400" kern="1200" dirty="0">
             <a:solidFill>
@@ -6422,7 +6440,7 @@
           <a:p>
             <a:fld id="{73836E52-7A5A-41F1-8AE8-48F85CEF5D9E}" type="datetimeFigureOut">
               <a:rPr lang="zh-CN" altLang="en-US" smtClean="0"/>
-              <a:t>2019/4/9</a:t>
+              <a:t>2019/4/10</a:t>
             </a:fld>
             <a:endParaRPr lang="zh-CN" altLang="en-US"/>
           </a:p>
@@ -6587,7 +6605,7 @@
           <a:p>
             <a:fld id="{EEC0303F-1A6C-49EC-953D-6830D1FDA89A}" type="datetimeFigureOut">
               <a:rPr lang="zh-CN" altLang="en-US" smtClean="0"/>
-              <a:t>2019/4/9</a:t>
+              <a:t>2019/4/10</a:t>
             </a:fld>
             <a:endParaRPr lang="zh-CN" altLang="en-US"/>
           </a:p>
@@ -6919,7 +6937,7 @@
           <a:p>
             <a:fld id="{64C16F74-CB9C-4D11-AAE4-AF1946F93C58}" type="slidenum">
               <a:rPr lang="zh-CN" altLang="en-US" smtClean="0"/>
-              <a:t>3</a:t>
+              <a:t>1</a:t>
             </a:fld>
             <a:endParaRPr lang="zh-CN" altLang="en-US"/>
           </a:p>
@@ -6928,7 +6946,7 @@
     </p:spTree>
     <p:extLst>
       <p:ext uri="{BB962C8B-B14F-4D97-AF65-F5344CB8AC3E}">
-        <p14:creationId xmlns:p14="http://schemas.microsoft.com/office/powerpoint/2010/main" val="2779685913"/>
+        <p14:creationId xmlns:p14="http://schemas.microsoft.com/office/powerpoint/2010/main" val="3451990752"/>
       </p:ext>
     </p:extLst>
   </p:cSld>
@@ -7003,7 +7021,7 @@
           <a:p>
             <a:fld id="{64C16F74-CB9C-4D11-AAE4-AF1946F93C58}" type="slidenum">
               <a:rPr lang="zh-CN" altLang="en-US" smtClean="0"/>
-              <a:t>4</a:t>
+              <a:t>3</a:t>
             </a:fld>
             <a:endParaRPr lang="zh-CN" altLang="en-US"/>
           </a:p>
@@ -7012,7 +7030,7 @@
     </p:spTree>
     <p:extLst>
       <p:ext uri="{BB962C8B-B14F-4D97-AF65-F5344CB8AC3E}">
-        <p14:creationId xmlns:p14="http://schemas.microsoft.com/office/powerpoint/2010/main" val="1004488404"/>
+        <p14:creationId xmlns:p14="http://schemas.microsoft.com/office/powerpoint/2010/main" val="2779685913"/>
       </p:ext>
     </p:extLst>
   </p:cSld>
@@ -7066,6 +7084,10 @@
           <a:bodyPr/>
           <a:lstStyle/>
           <a:p>
+            <a:r>
+              <a:rPr lang="zh-CN" altLang="en-US" dirty="0" smtClean="0"/>
+              <a:t>互联网核心技术（软件开发框架层面）处于劣势</a:t>
+            </a:r>
             <a:endParaRPr lang="zh-CN" altLang="en-US" dirty="0"/>
           </a:p>
         </p:txBody>
@@ -7087,7 +7109,7 @@
           <a:p>
             <a:fld id="{64C16F74-CB9C-4D11-AAE4-AF1946F93C58}" type="slidenum">
               <a:rPr lang="zh-CN" altLang="en-US" smtClean="0"/>
-              <a:t>5</a:t>
+              <a:t>4</a:t>
             </a:fld>
             <a:endParaRPr lang="zh-CN" altLang="en-US"/>
           </a:p>
@@ -7096,7 +7118,7 @@
     </p:spTree>
     <p:extLst>
       <p:ext uri="{BB962C8B-B14F-4D97-AF65-F5344CB8AC3E}">
-        <p14:creationId xmlns:p14="http://schemas.microsoft.com/office/powerpoint/2010/main" val="1722757978"/>
+        <p14:creationId xmlns:p14="http://schemas.microsoft.com/office/powerpoint/2010/main" val="1004488404"/>
       </p:ext>
     </p:extLst>
   </p:cSld>
@@ -7150,6 +7172,18 @@
           <a:bodyPr/>
           <a:lstStyle/>
           <a:p>
+            <a:r>
+              <a:rPr lang="zh-CN" altLang="en-US" dirty="0" smtClean="0"/>
+              <a:t>人才资源贮备对比</a:t>
+            </a:r>
+            <a:r>
+              <a:rPr lang="en-US" altLang="zh-CN" dirty="0" smtClean="0"/>
+              <a:t>BAT</a:t>
+            </a:r>
+            <a:r>
+              <a:rPr lang="zh-CN" altLang="en-US" dirty="0" smtClean="0"/>
+              <a:t>、网易、有赞，处于劣势</a:t>
+            </a:r>
             <a:endParaRPr lang="zh-CN" altLang="en-US" dirty="0"/>
           </a:p>
         </p:txBody>
@@ -7171,7 +7205,7 @@
           <a:p>
             <a:fld id="{64C16F74-CB9C-4D11-AAE4-AF1946F93C58}" type="slidenum">
               <a:rPr lang="zh-CN" altLang="en-US" smtClean="0"/>
-              <a:t>6</a:t>
+              <a:t>5</a:t>
             </a:fld>
             <a:endParaRPr lang="zh-CN" altLang="en-US"/>
           </a:p>
@@ -7180,7 +7214,7 @@
     </p:spTree>
     <p:extLst>
       <p:ext uri="{BB962C8B-B14F-4D97-AF65-F5344CB8AC3E}">
-        <p14:creationId xmlns:p14="http://schemas.microsoft.com/office/powerpoint/2010/main" val="3341652789"/>
+        <p14:creationId xmlns:p14="http://schemas.microsoft.com/office/powerpoint/2010/main" val="1722757978"/>
       </p:ext>
     </p:extLst>
   </p:cSld>
@@ -7234,6 +7268,136 @@
           <a:bodyPr/>
           <a:lstStyle/>
           <a:p>
+            <a:r>
+              <a:rPr lang="en-US" altLang="zh-CN" dirty="0" err="1" smtClean="0"/>
+              <a:t>OMO</a:t>
+            </a:r>
+            <a:r>
+              <a:rPr lang="zh-CN" altLang="en-US" dirty="0" smtClean="0"/>
+              <a:t>也会是全网门户的销售渠道之一；全力支撑公司现有的核心业务；门店与门户相辅相成，共同发展。</a:t>
+            </a:r>
+            <a:endParaRPr lang="en-US" altLang="zh-CN" dirty="0" smtClean="0"/>
+          </a:p>
+          <a:p>
+            <a:r>
+              <a:rPr lang="en-US" altLang="zh-CN" sz="1200" dirty="0" smtClean="0"/>
+              <a:t>Android + IOS</a:t>
+            </a:r>
+            <a:r>
+              <a:rPr lang="zh-CN" altLang="en-US" sz="1200" dirty="0" smtClean="0"/>
+              <a:t>客户端除了让我们的服务周边更加丰富，更重要的意义在于打动中小企业，当别人的门店系统只有微信的东西的时候，我们提供的服务已经有客户端了，高端大气上档次！</a:t>
+            </a:r>
+            <a:endParaRPr lang="en-US" altLang="zh-CN" sz="1200" dirty="0" smtClean="0"/>
+          </a:p>
+          <a:p>
+            <a:r>
+              <a:rPr lang="zh-CN" altLang="en-US" sz="1200" dirty="0" smtClean="0"/>
+              <a:t>另外，客户端的版本维护、升级产生的周边利润也相当可观。随着手机系统的升级，</a:t>
+            </a:r>
+            <a:r>
+              <a:rPr lang="en-US" altLang="zh-CN" sz="1200" dirty="0" smtClean="0"/>
+              <a:t>2</a:t>
+            </a:r>
+            <a:r>
+              <a:rPr lang="zh-CN" altLang="en-US" sz="1200" dirty="0" smtClean="0"/>
+              <a:t>个客户端不断迭代，每次</a:t>
+            </a:r>
+            <a:r>
+              <a:rPr lang="en-US" altLang="zh-CN" sz="1200" dirty="0" smtClean="0"/>
+              <a:t>1000</a:t>
+            </a:r>
+            <a:r>
+              <a:rPr lang="zh-CN" altLang="en-US" sz="1200" dirty="0" smtClean="0"/>
+              <a:t>块钱，利润丰厚。（报价来源于猪八戒网）</a:t>
+            </a:r>
+            <a:endParaRPr lang="zh-CN" altLang="en-US" dirty="0"/>
+          </a:p>
+        </p:txBody>
+      </p:sp>
+      <p:sp>
+        <p:nvSpPr>
+          <p:cNvPr id="4" name="灯片编号占位符 3"/>
+          <p:cNvSpPr>
+            <a:spLocks noGrp="1"/>
+          </p:cNvSpPr>
+          <p:nvPr>
+            <p:ph type="sldNum" sz="quarter" idx="10"/>
+          </p:nvPr>
+        </p:nvSpPr>
+        <p:spPr/>
+        <p:txBody>
+          <a:bodyPr/>
+          <a:lstStyle/>
+          <a:p>
+            <a:fld id="{64C16F74-CB9C-4D11-AAE4-AF1946F93C58}" type="slidenum">
+              <a:rPr lang="zh-CN" altLang="en-US" smtClean="0"/>
+              <a:t>6</a:t>
+            </a:fld>
+            <a:endParaRPr lang="zh-CN" altLang="en-US"/>
+          </a:p>
+        </p:txBody>
+      </p:sp>
+    </p:spTree>
+    <p:extLst>
+      <p:ext uri="{BB962C8B-B14F-4D97-AF65-F5344CB8AC3E}">
+        <p14:creationId xmlns:p14="http://schemas.microsoft.com/office/powerpoint/2010/main" val="3341652789"/>
+      </p:ext>
+    </p:extLst>
+  </p:cSld>
+  <p:clrMapOvr>
+    <a:masterClrMapping/>
+  </p:clrMapOvr>
+</p:notes>
+</file>
+
+<file path=ppt/notesSlides/notesSlide6.xml><?xml version="1.0" encoding="utf-8"?>
+<p:notes xmlns:a="http://schemas.openxmlformats.org/drawingml/2006/main" xmlns:r="http://schemas.openxmlformats.org/officeDocument/2006/relationships" xmlns:p="http://schemas.openxmlformats.org/presentationml/2006/main">
+  <p:cSld>
+    <p:spTree>
+      <p:nvGrpSpPr>
+        <p:cNvPr id="1" name=""/>
+        <p:cNvGrpSpPr/>
+        <p:nvPr/>
+      </p:nvGrpSpPr>
+      <p:grpSpPr>
+        <a:xfrm>
+          <a:off x="0" y="0"/>
+          <a:ext cx="0" cy="0"/>
+          <a:chOff x="0" y="0"/>
+          <a:chExt cx="0" cy="0"/>
+        </a:xfrm>
+      </p:grpSpPr>
+      <p:sp>
+        <p:nvSpPr>
+          <p:cNvPr id="2" name="幻灯片图像占位符 1"/>
+          <p:cNvSpPr>
+            <a:spLocks noGrp="1" noRot="1" noChangeAspect="1"/>
+          </p:cNvSpPr>
+          <p:nvPr>
+            <p:ph type="sldImg"/>
+          </p:nvPr>
+        </p:nvSpPr>
+        <p:spPr/>
+      </p:sp>
+      <p:sp>
+        <p:nvSpPr>
+          <p:cNvPr id="3" name="备注占位符 2"/>
+          <p:cNvSpPr>
+            <a:spLocks noGrp="1"/>
+          </p:cNvSpPr>
+          <p:nvPr>
+            <p:ph type="body" idx="1"/>
+          </p:nvPr>
+        </p:nvSpPr>
+        <p:spPr/>
+        <p:txBody>
+          <a:bodyPr/>
+          <a:lstStyle/>
+          <a:p>
+            <a:r>
+              <a:rPr lang="zh-CN" altLang="en-US" smtClean="0"/>
+              <a:t>系统性能的优化一方面需要代码层面的深度优化，另一方面需要运维团队的全力保障；大公司拼到最后，实际上拼的是运维团队的技术能力。</a:t>
+            </a:r>
             <a:endParaRPr lang="zh-CN" altLang="en-US" dirty="0"/>
           </a:p>
         </p:txBody>
@@ -10344,7 +10508,7 @@
           <p:nvPr/>
         </p:nvPicPr>
         <p:blipFill>
-          <a:blip r:embed="rId2">
+          <a:blip r:embed="rId3">
             <a:extLst>
               <a:ext uri="{28A0092B-C50C-407E-A947-70E740481C1C}">
                 <a14:useLocalDpi xmlns:a14="http://schemas.microsoft.com/office/drawing/2010/main" val="0"/>
@@ -10380,7 +10544,7 @@
           <p:nvPr/>
         </p:nvPicPr>
         <p:blipFill>
-          <a:blip r:embed="rId3" cstate="print">
+          <a:blip r:embed="rId4" cstate="print">
             <a:extLst>
               <a:ext uri="{28A0092B-C50C-407E-A947-70E740481C1C}">
                 <a14:useLocalDpi xmlns:a14="http://schemas.microsoft.com/office/drawing/2010/main" val="0"/>
@@ -10415,8 +10579,8 @@
         </p:nvSpPr>
         <p:spPr>
           <a:xfrm>
-            <a:off x="3417842" y="2944351"/>
-            <a:ext cx="5480988" cy="646331"/>
+            <a:off x="3725616" y="2944351"/>
+            <a:ext cx="4865436" cy="646331"/>
           </a:xfrm>
           <a:prstGeom prst="rect">
             <a:avLst/>
@@ -10450,7 +10614,29 @@
                 <a:ea typeface="Microsoft YaHei" charset="-122"/>
                 <a:cs typeface="Microsoft YaHei" charset="-122"/>
               </a:rPr>
-              <a:t>年电商中台规划报告</a:t>
+              <a:t>年</a:t>
+            </a:r>
+            <a:r>
+              <a:rPr kumimoji="1" lang="en-US" altLang="zh-CN" sz="3600" b="1" dirty="0" err="1" smtClean="0">
+                <a:solidFill>
+                  <a:srgbClr val="92D050"/>
+                </a:solidFill>
+                <a:latin typeface="Microsoft YaHei" charset="-122"/>
+                <a:ea typeface="Microsoft YaHei" charset="-122"/>
+                <a:cs typeface="Microsoft YaHei" charset="-122"/>
+              </a:rPr>
+              <a:t>OMO</a:t>
+            </a:r>
+            <a:r>
+              <a:rPr kumimoji="1" lang="zh-CN" altLang="en-US" sz="3600" b="1" dirty="0" smtClean="0">
+                <a:solidFill>
+                  <a:srgbClr val="92D050"/>
+                </a:solidFill>
+                <a:latin typeface="Microsoft YaHei" charset="-122"/>
+                <a:ea typeface="Microsoft YaHei" charset="-122"/>
+                <a:cs typeface="Microsoft YaHei" charset="-122"/>
+              </a:rPr>
+              <a:t>规划报告</a:t>
             </a:r>
             <a:endParaRPr kumimoji="1" lang="en-US" altLang="zh-CN" sz="3600" b="1" dirty="0" smtClean="0">
               <a:solidFill>
@@ -10837,15 +11023,7 @@
                   <a:srgbClr val="92D050"/>
                 </a:solidFill>
               </a:rPr>
-              <a:t>、</a:t>
-            </a:r>
-            <a:r>
-              <a:rPr lang="zh-CN" altLang="en-US" sz="2400" dirty="0" smtClean="0">
-                <a:solidFill>
-                  <a:srgbClr val="92D050"/>
-                </a:solidFill>
-              </a:rPr>
-              <a:t>电商中台能力：提供矩阵网关集群服务能力</a:t>
+              <a:t>、电商中台能力：提供矩阵网关集群服务能力</a:t>
             </a:r>
             <a:r>
               <a:rPr lang="en-US" altLang="zh-CN" sz="2400" dirty="0" smtClean="0">
@@ -10881,15 +11059,7 @@
                   <a:srgbClr val="92D050"/>
                 </a:solidFill>
               </a:rPr>
-              <a:t>、</a:t>
-            </a:r>
-            <a:r>
-              <a:rPr lang="zh-CN" altLang="en-US" sz="2400" dirty="0" smtClean="0">
-                <a:solidFill>
-                  <a:srgbClr val="92D050"/>
-                </a:solidFill>
-              </a:rPr>
-              <a:t>支持私有化部署能力</a:t>
+              <a:t>、支持私有化部署能力</a:t>
             </a:r>
             <a:endParaRPr lang="en-US" altLang="zh-CN" sz="2400" dirty="0" smtClean="0">
               <a:solidFill>
@@ -11151,7 +11321,7 @@
           <p:nvPr>
             <p:extLst>
               <p:ext uri="{D42A27DB-BD31-4B8C-83A1-F6EECF244321}">
-                <p14:modId xmlns:p14="http://schemas.microsoft.com/office/powerpoint/2010/main" val="3740651409"/>
+                <p14:modId xmlns:p14="http://schemas.microsoft.com/office/powerpoint/2010/main" val="2197473143"/>
               </p:ext>
             </p:extLst>
           </p:nvPr>
@@ -11271,94 +11441,94 @@
           <a:lstStyle/>
           <a:p>
             <a:r>
-              <a:rPr lang="zh-CN" altLang="en-US" sz="2400" dirty="0"/>
+              <a:rPr lang="zh-CN" altLang="en-US" dirty="0"/>
               <a:t>代码</a:t>
             </a:r>
             <a:r>
-              <a:rPr lang="zh-CN" altLang="en-US" sz="2400" dirty="0" smtClean="0"/>
+              <a:rPr lang="zh-CN" altLang="en-US" dirty="0" smtClean="0"/>
               <a:t>层：技术专家组</a:t>
             </a:r>
             <a:r>
-              <a:rPr lang="en-US" altLang="zh-CN" sz="2400" dirty="0" smtClean="0"/>
+              <a:rPr lang="en-US" altLang="zh-CN" dirty="0" smtClean="0"/>
               <a:t>-&gt;</a:t>
             </a:r>
             <a:r>
-              <a:rPr lang="zh-CN" altLang="en-US" sz="2400" dirty="0" smtClean="0"/>
+              <a:rPr lang="zh-CN" altLang="en-US" dirty="0" smtClean="0"/>
               <a:t>核心代码剥离</a:t>
             </a:r>
             <a:r>
-              <a:rPr lang="en-US" altLang="zh-CN" sz="2400" dirty="0" smtClean="0"/>
+              <a:rPr lang="en-US" altLang="zh-CN" dirty="0" smtClean="0"/>
               <a:t>-&gt;</a:t>
             </a:r>
             <a:r>
-              <a:rPr lang="zh-CN" altLang="en-US" sz="2400" dirty="0" smtClean="0"/>
+              <a:rPr lang="zh-CN" altLang="en-US" dirty="0" smtClean="0"/>
               <a:t>电商中台化</a:t>
             </a:r>
-            <a:endParaRPr lang="en-US" altLang="zh-CN" sz="2400" dirty="0" smtClean="0"/>
-          </a:p>
-          <a:p>
-            <a:r>
-              <a:rPr lang="zh-CN" altLang="en-US" sz="2400" dirty="0"/>
+            <a:endParaRPr lang="en-US" altLang="zh-CN" dirty="0" smtClean="0"/>
+          </a:p>
+          <a:p>
+            <a:r>
+              <a:rPr lang="zh-CN" altLang="en-US" dirty="0"/>
               <a:t>成本</a:t>
             </a:r>
             <a:r>
-              <a:rPr lang="zh-CN" altLang="en-US" sz="2400" dirty="0" smtClean="0"/>
+              <a:rPr lang="zh-CN" altLang="en-US" dirty="0" smtClean="0"/>
               <a:t>层：降低硬件成本；节约人力资源投入；提高净利润收入</a:t>
             </a:r>
-            <a:endParaRPr lang="en-US" altLang="zh-CN" sz="2400" dirty="0" smtClean="0"/>
-          </a:p>
-          <a:p>
-            <a:r>
-              <a:rPr lang="zh-CN" altLang="en-US" sz="2400" dirty="0"/>
+            <a:endParaRPr lang="en-US" altLang="zh-CN" dirty="0" smtClean="0"/>
+          </a:p>
+          <a:p>
+            <a:r>
+              <a:rPr lang="zh-CN" altLang="en-US" dirty="0"/>
               <a:t>产品层</a:t>
             </a:r>
             <a:r>
-              <a:rPr lang="zh-CN" altLang="en-US" sz="2400" dirty="0" smtClean="0"/>
+              <a:rPr lang="zh-CN" altLang="en-US" dirty="0" smtClean="0"/>
               <a:t>：</a:t>
             </a:r>
             <a:r>
-              <a:rPr lang="zh-CN" altLang="en-US" sz="2400" dirty="0"/>
+              <a:rPr lang="zh-CN" altLang="en-US" dirty="0"/>
               <a:t>对比友商提高核心</a:t>
             </a:r>
             <a:r>
-              <a:rPr lang="zh-CN" altLang="en-US" sz="2400" dirty="0" smtClean="0"/>
+              <a:rPr lang="zh-CN" altLang="en-US" dirty="0" smtClean="0"/>
               <a:t>竞争力；电商多</a:t>
             </a:r>
             <a:r>
-              <a:rPr lang="zh-CN" altLang="en-US" sz="2400" dirty="0"/>
+              <a:rPr lang="zh-CN" altLang="en-US" dirty="0"/>
               <a:t>业务</a:t>
             </a:r>
             <a:r>
-              <a:rPr lang="zh-CN" altLang="en-US" sz="2400" dirty="0" smtClean="0"/>
+              <a:rPr lang="zh-CN" altLang="en-US" dirty="0" smtClean="0"/>
               <a:t>场景支持；多客户端</a:t>
             </a:r>
-            <a:endParaRPr lang="en-US" altLang="zh-CN" sz="2400" dirty="0" smtClean="0"/>
-          </a:p>
-          <a:p>
-            <a:r>
-              <a:rPr lang="zh-CN" altLang="en-US" sz="2400" dirty="0"/>
+            <a:endParaRPr lang="en-US" altLang="zh-CN" dirty="0" smtClean="0"/>
+          </a:p>
+          <a:p>
+            <a:r>
+              <a:rPr lang="zh-CN" altLang="en-US" dirty="0"/>
               <a:t>体验</a:t>
             </a:r>
             <a:r>
-              <a:rPr lang="zh-CN" altLang="en-US" sz="2400" dirty="0" smtClean="0"/>
+              <a:rPr lang="zh-CN" altLang="en-US" dirty="0" smtClean="0"/>
               <a:t>层：对标友商提高用户体验</a:t>
             </a:r>
             <a:r>
-              <a:rPr lang="en-US" altLang="zh-CN" sz="2400" dirty="0" smtClean="0"/>
+              <a:rPr lang="en-US" altLang="zh-CN" dirty="0" smtClean="0"/>
               <a:t>-&gt;</a:t>
             </a:r>
             <a:r>
-              <a:rPr lang="zh-CN" altLang="en-US" sz="2400" dirty="0" smtClean="0"/>
+              <a:rPr lang="zh-CN" altLang="en-US" dirty="0" smtClean="0"/>
               <a:t>针对商户运营人员</a:t>
             </a:r>
-            <a:endParaRPr lang="en-US" altLang="zh-CN" sz="2400" dirty="0" smtClean="0"/>
-          </a:p>
-          <a:p>
-            <a:r>
-              <a:rPr lang="zh-CN" altLang="en-US" sz="2400" dirty="0" smtClean="0"/>
+            <a:endParaRPr lang="en-US" altLang="zh-CN" dirty="0" smtClean="0"/>
+          </a:p>
+          <a:p>
+            <a:r>
+              <a:rPr lang="zh-CN" altLang="en-US" dirty="0" smtClean="0"/>
               <a:t>人性层：加强代码管理，减少无意义的加班，降低人员流动性</a:t>
             </a:r>
-            <a:endParaRPr lang="en-US" altLang="zh-CN" sz="2400" dirty="0" smtClean="0"/>
+            <a:endParaRPr lang="en-US" altLang="zh-CN" dirty="0" smtClean="0"/>
           </a:p>
           <a:p>
             <a:endParaRPr lang="zh-CN" altLang="en-US" sz="2400" dirty="0"/>
@@ -11462,11 +11632,11 @@
           <a:lstStyle/>
           <a:p>
             <a:r>
-              <a:rPr lang="zh-CN" altLang="en-US" sz="2400" dirty="0" smtClean="0"/>
+              <a:rPr lang="zh-CN" altLang="en-US" dirty="0" smtClean="0"/>
               <a:t>需要电商和新零售能力的业务部门</a:t>
             </a:r>
             <a:r>
-              <a:rPr lang="en-US" altLang="zh-CN" sz="2400" dirty="0" smtClean="0">
+              <a:rPr lang="en-US" altLang="zh-CN" dirty="0" smtClean="0">
                 <a:solidFill>
                   <a:schemeClr val="bg1">
                     <a:lumMod val="95000"/>
@@ -11476,7 +11646,7 @@
               <a:t>(</a:t>
             </a:r>
             <a:r>
-              <a:rPr lang="zh-CN" altLang="en-US" sz="2400" dirty="0" smtClean="0">
+              <a:rPr lang="zh-CN" altLang="en-US" dirty="0" smtClean="0">
                 <a:solidFill>
                   <a:schemeClr val="bg1">
                     <a:lumMod val="95000"/>
@@ -11486,7 +11656,7 @@
               <a:t>开放网关能力</a:t>
             </a:r>
             <a:r>
-              <a:rPr lang="en-US" altLang="zh-CN" sz="2400" dirty="0" smtClean="0">
+              <a:rPr lang="en-US" altLang="zh-CN" dirty="0" smtClean="0">
                 <a:solidFill>
                   <a:schemeClr val="bg1">
                     <a:lumMod val="95000"/>
@@ -11498,65 +11668,61 @@
           </a:p>
           <a:p>
             <a:r>
-              <a:rPr lang="en-US" altLang="zh-CN" sz="2400" dirty="0" err="1" smtClean="0"/>
+              <a:rPr lang="en-US" altLang="zh-CN" dirty="0" err="1" smtClean="0"/>
               <a:t>OMO</a:t>
             </a:r>
             <a:r>
-              <a:rPr lang="en-US" altLang="zh-CN" sz="2400" dirty="0" smtClean="0"/>
+              <a:rPr lang="en-US" altLang="zh-CN" dirty="0" smtClean="0"/>
               <a:t>+</a:t>
             </a:r>
             <a:r>
-              <a:rPr lang="zh-CN" altLang="en-US" sz="2400" dirty="0" smtClean="0"/>
+              <a:rPr lang="zh-CN" altLang="en-US" dirty="0" smtClean="0"/>
               <a:t>批零</a:t>
             </a:r>
             <a:r>
-              <a:rPr lang="en-US" altLang="zh-CN" sz="2400" dirty="0" smtClean="0"/>
+              <a:rPr lang="en-US" altLang="zh-CN" dirty="0" smtClean="0"/>
               <a:t>+</a:t>
             </a:r>
             <a:r>
-              <a:rPr lang="zh-CN" altLang="en-US" sz="2400" dirty="0" smtClean="0"/>
-              <a:t>车万家 </a:t>
-            </a:r>
-            <a:r>
-              <a:rPr lang="en-US" altLang="zh-CN" sz="2400" dirty="0" smtClean="0"/>
+              <a:rPr lang="zh-CN" altLang="en-US" dirty="0" smtClean="0"/>
+              <a:t>车万</a:t>
+            </a:r>
+            <a:r>
+              <a:rPr lang="zh-CN" altLang="en-US" dirty="0" smtClean="0"/>
+              <a:t>家</a:t>
+            </a:r>
+            <a:endParaRPr lang="en-US" altLang="zh-CN" dirty="0" smtClean="0"/>
+          </a:p>
+          <a:p>
+            <a:r>
+              <a:rPr lang="zh-CN" altLang="en-US" dirty="0" smtClean="0"/>
+              <a:t>新生事业部 </a:t>
+            </a:r>
+            <a:r>
+              <a:rPr lang="en-US" altLang="zh-CN" dirty="0" smtClean="0"/>
               <a:t>-&gt; </a:t>
             </a:r>
             <a:r>
-              <a:rPr lang="zh-CN" altLang="en-US" sz="2400" dirty="0" smtClean="0"/>
-              <a:t>三位一体</a:t>
-            </a:r>
-            <a:endParaRPr lang="en-US" altLang="zh-CN" sz="2400" dirty="0" smtClean="0"/>
-          </a:p>
-          <a:p>
-            <a:r>
-              <a:rPr lang="zh-CN" altLang="en-US" sz="2400" dirty="0" smtClean="0"/>
-              <a:t>新生事业部 </a:t>
-            </a:r>
-            <a:r>
-              <a:rPr lang="en-US" altLang="zh-CN" sz="2400" dirty="0" smtClean="0"/>
-              <a:t>-&gt; </a:t>
-            </a:r>
-            <a:r>
-              <a:rPr lang="zh-CN" altLang="en-US" sz="2400" dirty="0" smtClean="0"/>
+              <a:rPr lang="zh-CN" altLang="en-US" dirty="0" smtClean="0"/>
               <a:t>快速搭建</a:t>
             </a:r>
             <a:r>
-              <a:rPr lang="en-US" altLang="zh-CN" sz="2400" dirty="0" smtClean="0"/>
+              <a:rPr lang="en-US" altLang="zh-CN" dirty="0" smtClean="0"/>
               <a:t>-</a:t>
             </a:r>
             <a:r>
-              <a:rPr lang="zh-CN" altLang="en-US" sz="2400" dirty="0" smtClean="0"/>
+              <a:rPr lang="zh-CN" altLang="en-US" dirty="0" smtClean="0"/>
               <a:t>投入市场</a:t>
             </a:r>
             <a:r>
-              <a:rPr lang="en-US" altLang="zh-CN" sz="2400" dirty="0" smtClean="0"/>
+              <a:rPr lang="en-US" altLang="zh-CN" dirty="0" smtClean="0"/>
               <a:t>-</a:t>
             </a:r>
             <a:r>
-              <a:rPr lang="zh-CN" altLang="en-US" sz="2400" dirty="0" smtClean="0"/>
+              <a:rPr lang="zh-CN" altLang="en-US" dirty="0" smtClean="0"/>
               <a:t>快速试错</a:t>
             </a:r>
-            <a:endParaRPr lang="zh-CN" altLang="en-US" sz="2400" dirty="0"/>
+            <a:endParaRPr lang="zh-CN" altLang="en-US" dirty="0"/>
           </a:p>
         </p:txBody>
       </p:sp>
@@ -11698,15 +11864,7 @@
             </a:r>
             <a:r>
               <a:rPr lang="zh-CN" altLang="en-US" sz="1600" dirty="0" smtClean="0"/>
-              <a:t>制定</a:t>
-            </a:r>
-            <a:r>
-              <a:rPr lang="zh-CN" altLang="en-US" sz="1600" dirty="0" smtClean="0"/>
-              <a:t>规范、开发</a:t>
-            </a:r>
-            <a:r>
-              <a:rPr lang="zh-CN" altLang="en-US" sz="1600" dirty="0" smtClean="0"/>
-              <a:t>标准</a:t>
+              <a:t>制定规范、开发标准</a:t>
             </a:r>
             <a:endParaRPr lang="en-US" altLang="zh-CN" sz="1600" dirty="0" smtClean="0"/>
           </a:p>
@@ -12006,12 +12164,6 @@
               </a:rPr>
               <a:t>层</a:t>
             </a:r>
-            <a:endParaRPr lang="zh-CN" altLang="en-US" b="0" dirty="0">
-              <a:solidFill>
-                <a:srgbClr val="92D050"/>
-              </a:solidFill>
-              <a:latin typeface="Century Schoolbook" panose="02040604050505020304" pitchFamily="18" charset="0"/>
-            </a:endParaRPr>
           </a:p>
           <a:p>
             <a:endParaRPr lang="zh-CN" altLang="en-US" b="0" dirty="0">
@@ -12036,7 +12188,7 @@
         <p:spPr>
           <a:xfrm>
             <a:off x="2420262" y="1386995"/>
-            <a:ext cx="6415920" cy="1338109"/>
+            <a:ext cx="7589152" cy="1338109"/>
           </a:xfrm>
         </p:spPr>
         <p:txBody>
@@ -12057,9 +12209,33 @@
             </a:r>
             <a:r>
               <a:rPr lang="zh-CN" altLang="en-US" sz="1600" dirty="0" smtClean="0"/>
-              <a:t>容器化部署</a:t>
-            </a:r>
-            <a:endParaRPr lang="en-US" altLang="zh-CN" sz="1600" dirty="0" smtClean="0"/>
+              <a:t>容器化</a:t>
+            </a:r>
+            <a:r>
+              <a:rPr lang="zh-CN" altLang="en-US" sz="1600" dirty="0" smtClean="0"/>
+              <a:t>部署，</a:t>
+            </a:r>
+            <a:r>
+              <a:rPr lang="zh-CN" altLang="en-US" sz="1600" dirty="0" smtClean="0">
+                <a:solidFill>
+                  <a:srgbClr val="FF0000"/>
+                </a:solidFill>
+              </a:rPr>
+              <a:t>降低约</a:t>
+            </a:r>
+            <a:r>
+              <a:rPr lang="en-US" altLang="zh-CN" sz="1600" dirty="0" smtClean="0">
+                <a:solidFill>
+                  <a:srgbClr val="FF0000"/>
+                </a:solidFill>
+              </a:rPr>
+              <a:t>20%~30%</a:t>
+            </a:r>
+            <a:endParaRPr lang="en-US" altLang="zh-CN" sz="1600" dirty="0" smtClean="0">
+              <a:solidFill>
+                <a:srgbClr val="FF0000"/>
+              </a:solidFill>
+            </a:endParaRPr>
           </a:p>
           <a:p>
             <a:r>
@@ -12068,9 +12244,41 @@
             </a:r>
             <a:r>
               <a:rPr lang="zh-CN" altLang="en-US" sz="1600" dirty="0" smtClean="0"/>
-              <a:t>中小三级数据库分组模式</a:t>
-            </a:r>
-            <a:endParaRPr lang="en-US" altLang="zh-CN" sz="1600" dirty="0" smtClean="0"/>
+              <a:t>中小三级数据库分组</a:t>
+            </a:r>
+            <a:r>
+              <a:rPr lang="zh-CN" altLang="en-US" sz="1600" dirty="0"/>
+              <a:t>模式，</a:t>
+            </a:r>
+            <a:r>
+              <a:rPr lang="zh-CN" altLang="en-US" sz="1600" dirty="0">
+                <a:solidFill>
+                  <a:srgbClr val="FF0000"/>
+                </a:solidFill>
+              </a:rPr>
+              <a:t>降低</a:t>
+            </a:r>
+            <a:r>
+              <a:rPr lang="zh-CN" altLang="en-US" sz="1600" dirty="0" smtClean="0">
+                <a:solidFill>
+                  <a:srgbClr val="FF0000"/>
+                </a:solidFill>
+              </a:rPr>
+              <a:t>约</a:t>
+            </a:r>
+            <a:r>
+              <a:rPr lang="en-US" altLang="zh-CN" sz="1600" dirty="0" smtClean="0">
+                <a:solidFill>
+                  <a:srgbClr val="FF0000"/>
+                </a:solidFill>
+              </a:rPr>
+              <a:t>50%</a:t>
+            </a:r>
+            <a:endParaRPr lang="en-US" altLang="zh-CN" sz="1600" dirty="0" smtClean="0">
+              <a:solidFill>
+                <a:srgbClr val="FF0000"/>
+              </a:solidFill>
+            </a:endParaRPr>
           </a:p>
           <a:p>
             <a:r>
@@ -12083,9 +12291,41 @@
             </a:r>
             <a:r>
               <a:rPr lang="zh-CN" altLang="en-US" sz="1600" dirty="0" smtClean="0"/>
-              <a:t>降低服务器内存资源</a:t>
-            </a:r>
-            <a:endParaRPr lang="en-US" altLang="zh-CN" sz="1600" dirty="0" smtClean="0"/>
+              <a:t>降低服务器内存</a:t>
+            </a:r>
+            <a:r>
+              <a:rPr lang="zh-CN" altLang="en-US" sz="1600" dirty="0"/>
+              <a:t>资源，</a:t>
+            </a:r>
+            <a:r>
+              <a:rPr lang="zh-CN" altLang="en-US" sz="1600" dirty="0">
+                <a:solidFill>
+                  <a:srgbClr val="FF0000"/>
+                </a:solidFill>
+              </a:rPr>
+              <a:t>降低</a:t>
+            </a:r>
+            <a:r>
+              <a:rPr lang="zh-CN" altLang="en-US" sz="1600" dirty="0" smtClean="0">
+                <a:solidFill>
+                  <a:srgbClr val="FF0000"/>
+                </a:solidFill>
+              </a:rPr>
+              <a:t>约</a:t>
+            </a:r>
+            <a:r>
+              <a:rPr lang="en-US" altLang="zh-CN" sz="1600" dirty="0" smtClean="0">
+                <a:solidFill>
+                  <a:srgbClr val="FF0000"/>
+                </a:solidFill>
+              </a:rPr>
+              <a:t>40%</a:t>
+            </a:r>
+            <a:endParaRPr lang="en-US" altLang="zh-CN" sz="1600" dirty="0" smtClean="0">
+              <a:solidFill>
+                <a:srgbClr val="FF0000"/>
+              </a:solidFill>
+            </a:endParaRPr>
           </a:p>
           <a:p>
             <a:endParaRPr lang="en-US" altLang="zh-CN" sz="1600" dirty="0" smtClean="0"/>
@@ -12124,12 +12364,6 @@
               </a:rPr>
               <a:t>降低硬件成本</a:t>
             </a:r>
-            <a:endParaRPr lang="zh-CN" altLang="en-US" b="0" dirty="0">
-              <a:solidFill>
-                <a:srgbClr val="92D050"/>
-              </a:solidFill>
-              <a:latin typeface="Century Schoolbook" panose="02040604050505020304" pitchFamily="18" charset="0"/>
-            </a:endParaRPr>
           </a:p>
         </p:txBody>
       </p:sp>
@@ -12209,12 +12443,6 @@
               </a:rPr>
               <a:t>节约人力资源投入</a:t>
             </a:r>
-            <a:endParaRPr lang="zh-CN" altLang="en-US" b="0" dirty="0">
-              <a:solidFill>
-                <a:srgbClr val="92D050"/>
-              </a:solidFill>
-              <a:latin typeface="Century Schoolbook" panose="02040604050505020304" pitchFamily="18" charset="0"/>
-            </a:endParaRPr>
           </a:p>
         </p:txBody>
       </p:sp>
@@ -12240,9 +12468,49 @@
           <a:p>
             <a:r>
               <a:rPr lang="zh-CN" altLang="en-US" sz="1600" dirty="0" smtClean="0"/>
-              <a:t>单人成本降低：依托分布式核心底层，降低开发者入门难度，刚毕业的大学生即可胜任业务开发工作</a:t>
-            </a:r>
-            <a:endParaRPr lang="en-US" altLang="zh-CN" sz="1600" dirty="0" smtClean="0"/>
+              <a:t>单人成本降低：依托分布式核心底层</a:t>
+            </a:r>
+            <a:r>
+              <a:rPr lang="zh-CN" altLang="en-US" sz="1600" dirty="0" smtClean="0"/>
+              <a:t>，刚</a:t>
+            </a:r>
+            <a:r>
+              <a:rPr lang="zh-CN" altLang="en-US" sz="1600" dirty="0" smtClean="0"/>
+              <a:t>毕业的大学生即可胜任业务开发</a:t>
+            </a:r>
+            <a:r>
+              <a:rPr lang="zh-CN" altLang="en-US" sz="1600" dirty="0"/>
+              <a:t>工作，</a:t>
+            </a:r>
+            <a:r>
+              <a:rPr lang="zh-CN" altLang="en-US" sz="1600" dirty="0">
+                <a:solidFill>
+                  <a:srgbClr val="FF0000"/>
+                </a:solidFill>
+              </a:rPr>
+              <a:t>降低</a:t>
+            </a:r>
+            <a:r>
+              <a:rPr lang="zh-CN" altLang="en-US" sz="1600" dirty="0" smtClean="0">
+                <a:solidFill>
+                  <a:srgbClr val="FF0000"/>
+                </a:solidFill>
+              </a:rPr>
+              <a:t>约</a:t>
+            </a:r>
+            <a:r>
+              <a:rPr lang="en-US" altLang="zh-CN" sz="1600" dirty="0" smtClean="0">
+                <a:solidFill>
+                  <a:srgbClr val="FF0000"/>
+                </a:solidFill>
+              </a:rPr>
+              <a:t>40%</a:t>
+            </a:r>
+            <a:endParaRPr lang="en-US" altLang="zh-CN" sz="1600" dirty="0" smtClean="0">
+              <a:solidFill>
+                <a:srgbClr val="FF0000"/>
+              </a:solidFill>
+            </a:endParaRPr>
           </a:p>
           <a:p>
             <a:r>
@@ -12254,9 +12522,45 @@
           <a:p>
             <a:r>
               <a:rPr lang="zh-CN" altLang="en-US" sz="1600" dirty="0" smtClean="0"/>
-              <a:t>单人工效提升：开发者不在研究耗时技术难点，只写增删改查，显著提升单人工作效率</a:t>
-            </a:r>
-            <a:endParaRPr lang="zh-CN" altLang="en-US" sz="1600" dirty="0"/>
+              <a:t>单人工效提升：开发者不在研究耗时技术难点，只写增删改查，显著提升单人</a:t>
+            </a:r>
+            <a:r>
+              <a:rPr lang="zh-CN" altLang="en-US" sz="1600" dirty="0" smtClean="0"/>
+              <a:t>工作效率</a:t>
+            </a:r>
+            <a:r>
+              <a:rPr lang="zh-CN" altLang="en-US" sz="1600" dirty="0" smtClean="0"/>
+              <a:t>，</a:t>
+            </a:r>
+            <a:r>
+              <a:rPr lang="zh-CN" altLang="en-US" sz="1600" dirty="0" smtClean="0">
+                <a:solidFill>
+                  <a:srgbClr val="FF0000"/>
+                </a:solidFill>
+              </a:rPr>
+              <a:t>提升</a:t>
+            </a:r>
+            <a:r>
+              <a:rPr lang="en-US" altLang="zh-CN" sz="1600" dirty="0">
+                <a:solidFill>
+                  <a:srgbClr val="FF0000"/>
+                </a:solidFill>
+              </a:rPr>
+              <a:t>2</a:t>
+            </a:r>
+            <a:r>
+              <a:rPr lang="zh-CN" altLang="en-US" sz="1600" dirty="0" smtClean="0">
+                <a:solidFill>
+                  <a:srgbClr val="FF0000"/>
+                </a:solidFill>
+              </a:rPr>
+              <a:t>倍</a:t>
+            </a:r>
+            <a:endParaRPr lang="zh-CN" altLang="en-US" sz="1600" dirty="0">
+              <a:solidFill>
+                <a:srgbClr val="FF0000"/>
+              </a:solidFill>
+            </a:endParaRPr>
           </a:p>
         </p:txBody>
       </p:sp>
@@ -12426,12 +12730,6 @@
               </a:rPr>
               <a:t>层</a:t>
             </a:r>
-            <a:endParaRPr lang="zh-CN" altLang="en-US" b="0" dirty="0">
-              <a:solidFill>
-                <a:srgbClr val="92D050"/>
-              </a:solidFill>
-              <a:latin typeface="Century Schoolbook" panose="02040604050505020304" pitchFamily="18" charset="0"/>
-            </a:endParaRPr>
           </a:p>
           <a:p>
             <a:endParaRPr lang="zh-CN" altLang="en-US" b="0" dirty="0">
@@ -12469,11 +12767,7 @@
             </a:r>
             <a:r>
               <a:rPr lang="zh-CN" altLang="en-US" sz="1600" dirty="0" smtClean="0"/>
-              <a:t>团</a:t>
-            </a:r>
-            <a:r>
-              <a:rPr lang="zh-CN" altLang="en-US" sz="1600" dirty="0" smtClean="0"/>
-              <a:t>、有赞、微盟等常见会员、门店、营销、优惠券、微信</a:t>
+              <a:t>团、有赞、微盟等常见会员、门店、营销、优惠券、微信</a:t>
             </a:r>
             <a:r>
               <a:rPr lang="en-US" altLang="zh-CN" sz="1600" dirty="0" smtClean="0"/>
@@ -12656,12 +12950,6 @@
               </a:rPr>
               <a:t>对比友商提高核心竞争力</a:t>
             </a:r>
-            <a:endParaRPr lang="zh-CN" altLang="en-US" b="0" dirty="0">
-              <a:solidFill>
-                <a:srgbClr val="92D050"/>
-              </a:solidFill>
-              <a:latin typeface="Century Schoolbook" panose="02040604050505020304" pitchFamily="18" charset="0"/>
-            </a:endParaRPr>
           </a:p>
         </p:txBody>
       </p:sp>
@@ -12759,12 +13047,6 @@
               </a:rPr>
               <a:t>多业务场景支持</a:t>
             </a:r>
-            <a:endParaRPr lang="zh-CN" altLang="en-US" b="0" dirty="0">
-              <a:solidFill>
-                <a:srgbClr val="92D050"/>
-              </a:solidFill>
-              <a:latin typeface="Century Schoolbook" panose="02040604050505020304" pitchFamily="18" charset="0"/>
-            </a:endParaRPr>
           </a:p>
         </p:txBody>
       </p:sp>
@@ -12790,7 +13072,11 @@
           <a:p>
             <a:r>
               <a:rPr lang="zh-CN" altLang="en-US" sz="1600" dirty="0" smtClean="0"/>
-              <a:t>车万家门店、制造业、餐饮业、美业、旅游业、文化</a:t>
+              <a:t>制造业</a:t>
+            </a:r>
+            <a:r>
+              <a:rPr lang="zh-CN" altLang="en-US" sz="1600" dirty="0" smtClean="0"/>
+              <a:t>、餐饮业、美业、旅游业、文化</a:t>
             </a:r>
             <a:r>
               <a:rPr lang="en-US" altLang="zh-CN" sz="1600" dirty="0" smtClean="0"/>
@@ -13027,8 +13313,8 @@
         </p:nvSpPr>
         <p:spPr>
           <a:xfrm>
-            <a:off x="2420262" y="1623756"/>
-            <a:ext cx="8617852" cy="1853714"/>
+            <a:off x="2420261" y="1623756"/>
+            <a:ext cx="9483267" cy="1853714"/>
           </a:xfrm>
         </p:spPr>
         <p:txBody>
@@ -13138,10 +13424,42 @@
               <a:t>/</a:t>
             </a:r>
             <a:r>
+              <a:rPr lang="zh-CN" altLang="en-US" sz="1600" dirty="0"/>
+              <a:t>秒</a:t>
+            </a:r>
+            <a:r>
               <a:rPr lang="zh-CN" altLang="en-US" sz="1600" dirty="0" smtClean="0"/>
-              <a:t>秒</a:t>
-            </a:r>
-            <a:endParaRPr lang="en-US" altLang="zh-CN" sz="1600" dirty="0" smtClean="0"/>
+              <a:t>，</a:t>
+            </a:r>
+            <a:r>
+              <a:rPr lang="zh-CN" altLang="en-US" sz="1600" dirty="0" smtClean="0">
+                <a:solidFill>
+                  <a:srgbClr val="FF0000"/>
+                </a:solidFill>
+              </a:rPr>
+              <a:t>性能提升约</a:t>
+            </a:r>
+            <a:r>
+              <a:rPr lang="en-US" altLang="zh-CN" sz="1600" dirty="0" smtClean="0">
+                <a:solidFill>
+                  <a:srgbClr val="FF0000"/>
+                </a:solidFill>
+              </a:rPr>
+              <a:t>500</a:t>
+            </a:r>
+            <a:r>
+              <a:rPr lang="zh-CN" altLang="en-US" sz="1600" dirty="0" smtClean="0">
+                <a:solidFill>
+                  <a:srgbClr val="FF0000"/>
+                </a:solidFill>
+              </a:rPr>
+              <a:t>倍</a:t>
+            </a:r>
+            <a:endParaRPr lang="en-US" altLang="zh-CN" sz="1600" dirty="0" smtClean="0">
+              <a:solidFill>
+                <a:srgbClr val="FF0000"/>
+              </a:solidFill>
+            </a:endParaRPr>
           </a:p>
           <a:p>
             <a:r>
@@ -13416,14 +13734,14 @@
           <p:nvPr>
             <p:extLst>
               <p:ext uri="{D42A27DB-BD31-4B8C-83A1-F6EECF244321}">
-                <p14:modId xmlns:p14="http://schemas.microsoft.com/office/powerpoint/2010/main" val="4116951436"/>
+                <p14:modId xmlns:p14="http://schemas.microsoft.com/office/powerpoint/2010/main" val="205801406"/>
               </p:ext>
             </p:extLst>
           </p:nvPr>
         </p:nvGraphicFramePr>
         <p:xfrm>
           <a:off x="811039" y="1457609"/>
-          <a:ext cx="10266535" cy="4753517"/>
+          <a:ext cx="10266535" cy="4823401"/>
         </p:xfrm>
         <a:graphic>
           <a:graphicData uri="http://schemas.openxmlformats.org/drawingml/2006/table">
@@ -13594,11 +13912,26 @@
                       </a:r>
                       <a:r>
                         <a:rPr lang="zh-CN" altLang="en-US" sz="1400" dirty="0" smtClean="0"/>
-                        <a:t>个系统，解决当前遗留问题。</a:t>
+                        <a:t>个系统，解决当前遗留问题</a:t>
+                      </a:r>
+                      <a:r>
+                        <a:rPr lang="zh-CN" altLang="en-US" sz="1400" dirty="0" smtClean="0"/>
+                        <a:t>。</a:t>
+                      </a:r>
+                      <a:endParaRPr lang="en-US" altLang="zh-CN" sz="1400" dirty="0" smtClean="0"/>
+                    </a:p>
+                    <a:p>
+                      <a:r>
+                        <a:rPr lang="zh-CN" altLang="en-US" sz="1400" dirty="0" smtClean="0">
+                          <a:solidFill>
+                            <a:srgbClr val="FF0000"/>
+                          </a:solidFill>
+                        </a:rPr>
+                        <a:t>长期维护性工作</a:t>
                       </a:r>
                       <a:endParaRPr lang="zh-CN" altLang="en-US" sz="1400" dirty="0" smtClean="0">
                         <a:solidFill>
-                          <a:srgbClr val="92D050"/>
+                          <a:srgbClr val="FF0000"/>
                         </a:solidFill>
                       </a:endParaRPr>
                     </a:p>
@@ -13651,19 +13984,39 @@
                     <a:p>
                       <a:r>
                         <a:rPr lang="zh-CN" altLang="en-US" sz="1400" dirty="0" smtClean="0"/>
-                        <a:t>不断优化、</a:t>
+                        <a:t>不断优化、改进智能运营系统，将其职能融入到其他电商平台中</a:t>
                       </a:r>
                       <a:r>
                         <a:rPr lang="zh-CN" altLang="en-US" sz="1400" dirty="0" smtClean="0"/>
-                        <a:t>改进智能运营</a:t>
+                        <a:t>。</a:t>
+                      </a:r>
+                      <a:r>
+                        <a:rPr lang="en-US" altLang="zh-CN" sz="1400" dirty="0" smtClean="0"/>
+                        <a:t>2</a:t>
                       </a:r>
                       <a:r>
                         <a:rPr lang="zh-CN" altLang="en-US" sz="1400" dirty="0" smtClean="0"/>
-                        <a:t>系统，将其职能融入到其他电商平台中。</a:t>
+                        <a:t>期方案制定好以后，</a:t>
+                      </a:r>
+                      <a:r>
+                        <a:rPr lang="en-US" altLang="zh-CN" sz="1400" dirty="0" smtClean="0">
+                          <a:solidFill>
+                            <a:srgbClr val="FF0000"/>
+                          </a:solidFill>
+                        </a:rPr>
+                        <a:t>1</a:t>
+                      </a:r>
+                      <a:r>
+                        <a:rPr lang="zh-CN" altLang="en-US" sz="1400" dirty="0" smtClean="0">
+                          <a:solidFill>
+                            <a:srgbClr val="FF0000"/>
+                          </a:solidFill>
+                        </a:rPr>
+                        <a:t>个月内上线运行</a:t>
                       </a:r>
                       <a:endParaRPr lang="zh-CN" altLang="en-US" sz="1400" dirty="0" smtClean="0">
                         <a:solidFill>
-                          <a:srgbClr val="92D050"/>
+                          <a:srgbClr val="FF0000"/>
                         </a:solidFill>
                       </a:endParaRPr>
                     </a:p>
@@ -13757,15 +14110,11 @@
                       </a:r>
                       <a:r>
                         <a:rPr lang="zh-CN" altLang="en-US" sz="1400" dirty="0" smtClean="0"/>
-                        <a:t>现有</a:t>
-                      </a:r>
-                      <a:r>
-                        <a:rPr lang="en-US" altLang="zh-CN" sz="1400" dirty="0" smtClean="0"/>
-                        <a:t>75% ~ 80%</a:t>
+                        <a:t>现有的功能的重写工作</a:t>
                       </a:r>
                       <a:r>
                         <a:rPr lang="zh-CN" altLang="en-US" sz="1400" dirty="0" smtClean="0"/>
-                        <a:t>的功能开发工作。包含：会员管理、营销管理、门店管理</a:t>
+                        <a:t>。包含：会员管理、营销管理、门店管理</a:t>
                       </a:r>
                       <a:r>
                         <a:rPr lang="en-US" altLang="zh-CN" sz="1400" dirty="0" smtClean="0"/>
@@ -13788,11 +14137,31 @@
                     <a:p>
                       <a:r>
                         <a:rPr lang="zh-CN" altLang="en-US" sz="1400" dirty="0" smtClean="0"/>
-                        <a:t>提升系统并发性能：下单吞吐量达到</a:t>
+                        <a:t>提升系统并发</a:t>
+                      </a:r>
+                      <a:r>
+                        <a:rPr lang="zh-CN" altLang="en-US" sz="1400" dirty="0" smtClean="0"/>
+                        <a:t>性能约</a:t>
                       </a:r>
                       <a:r>
                         <a:rPr lang="en-US" altLang="zh-CN" sz="1400" dirty="0" smtClean="0"/>
-                        <a:t>1</a:t>
+                        <a:t>500</a:t>
+                      </a:r>
+                      <a:r>
+                        <a:rPr lang="zh-CN" altLang="en-US" sz="1400" dirty="0" smtClean="0"/>
+                        <a:t>倍：</a:t>
+                      </a:r>
+                      <a:r>
+                        <a:rPr lang="zh-CN" altLang="en-US" sz="1400" dirty="0" smtClean="0"/>
+                        <a:t>下单吞吐量</a:t>
+                      </a:r>
+                      <a:r>
+                        <a:rPr lang="zh-CN" altLang="en-US" sz="1400" dirty="0" smtClean="0"/>
+                        <a:t>达到</a:t>
+                      </a:r>
+                      <a:r>
+                        <a:rPr lang="en-US" altLang="zh-CN" sz="1400" dirty="0" smtClean="0"/>
+                        <a:t>3</a:t>
                       </a:r>
                       <a:r>
                         <a:rPr lang="zh-CN" altLang="en-US" sz="1400" dirty="0" smtClean="0"/>
@@ -13822,9 +14191,44 @@
                         <a:rPr lang="zh-CN" altLang="en-US" sz="1400" dirty="0" smtClean="0"/>
                         <a:t>秒</a:t>
                       </a:r>
+                      <a:endParaRPr lang="en-US" altLang="zh-CN" sz="1400" dirty="0" smtClean="0"/>
+                    </a:p>
+                    <a:p>
+                      <a:r>
+                        <a:rPr lang="en-US" altLang="zh-CN" sz="1400" dirty="0" smtClean="0">
+                          <a:solidFill>
+                            <a:srgbClr val="FF0000"/>
+                          </a:solidFill>
+                        </a:rPr>
+                        <a:t>25</a:t>
+                      </a:r>
+                      <a:r>
+                        <a:rPr lang="zh-CN" altLang="en-US" sz="1400" dirty="0" smtClean="0">
+                          <a:solidFill>
+                            <a:srgbClr val="FF0000"/>
+                          </a:solidFill>
+                        </a:rPr>
+                        <a:t>人的开发团队，可以在</a:t>
+                      </a:r>
+                      <a:r>
+                        <a:rPr lang="en-US" altLang="zh-CN" sz="1400" dirty="0" smtClean="0">
+                          <a:solidFill>
+                            <a:srgbClr val="FF0000"/>
+                          </a:solidFill>
+                        </a:rPr>
+                        <a:t>3</a:t>
+                      </a:r>
+                      <a:r>
+                        <a:rPr lang="zh-CN" altLang="en-US" sz="1400" dirty="0" smtClean="0">
+                          <a:solidFill>
+                            <a:srgbClr val="FF0000"/>
+                          </a:solidFill>
+                        </a:rPr>
+                        <a:t>个月内上线运营</a:t>
+                      </a:r>
                       <a:endParaRPr lang="zh-CN" altLang="en-US" sz="1400" dirty="0" smtClean="0">
                         <a:solidFill>
-                          <a:srgbClr val="92D050"/>
+                          <a:srgbClr val="FF0000"/>
                         </a:solidFill>
                       </a:endParaRPr>
                     </a:p>
@@ -13942,11 +14346,50 @@
                       </a:r>
                       <a:r>
                         <a:rPr lang="zh-CN" altLang="en-US" sz="1400" dirty="0" smtClean="0"/>
-                        <a:t>使用；提炼出券独有功能，形成中台网关能力，为新门店系统赋能。</a:t>
+                        <a:t>使用；提炼出券独有功能，形成中台网关能力，为新门店系统赋能</a:t>
+                      </a:r>
+                      <a:r>
+                        <a:rPr lang="zh-CN" altLang="en-US" sz="1400" dirty="0" smtClean="0"/>
+                        <a:t>。</a:t>
+                      </a:r>
+                      <a:endParaRPr lang="en-US" altLang="zh-CN" sz="1400" dirty="0" smtClean="0"/>
+                    </a:p>
+                    <a:p>
+                      <a:r>
+                        <a:rPr lang="en-US" altLang="zh-CN" sz="1400" dirty="0" smtClean="0">
+                          <a:solidFill>
+                            <a:srgbClr val="FF0000"/>
+                          </a:solidFill>
+                        </a:rPr>
+                        <a:t>3</a:t>
+                      </a:r>
+                      <a:r>
+                        <a:rPr lang="zh-CN" altLang="en-US" sz="1400" dirty="0" smtClean="0">
+                          <a:solidFill>
+                            <a:srgbClr val="FF0000"/>
+                          </a:solidFill>
+                        </a:rPr>
+                        <a:t>人的开发小组，月</a:t>
+                      </a:r>
+                      <a:r>
+                        <a:rPr lang="en-US" altLang="zh-CN" sz="1400" dirty="0" smtClean="0">
+                          <a:solidFill>
+                            <a:srgbClr val="FF0000"/>
+                          </a:solidFill>
+                        </a:rPr>
+                        <a:t>1</a:t>
+                      </a:r>
+                      <a:r>
+                        <a:rPr lang="zh-CN" altLang="en-US" sz="1400" dirty="0" smtClean="0">
+                          <a:solidFill>
+                            <a:srgbClr val="FF0000"/>
+                          </a:solidFill>
+                        </a:rPr>
+                        <a:t>个月内重构完成</a:t>
                       </a:r>
                       <a:endParaRPr lang="zh-CN" altLang="en-US" sz="1400" dirty="0" smtClean="0">
                         <a:solidFill>
-                          <a:srgbClr val="92D050"/>
+                          <a:srgbClr val="FF0000"/>
                         </a:solidFill>
                       </a:endParaRPr>
                     </a:p>
